--- a/BIONpres.pptx
+++ b/BIONpres.pptx
@@ -8,10 +8,18 @@
     <p:sldId id="256" r:id="rId2"/>
     <p:sldId id="257" r:id="rId3"/>
     <p:sldId id="258" r:id="rId4"/>
-    <p:sldId id="261" r:id="rId5"/>
-    <p:sldId id="263" r:id="rId6"/>
+    <p:sldId id="267" r:id="rId5"/>
+    <p:sldId id="266" r:id="rId6"/>
     <p:sldId id="259" r:id="rId7"/>
-    <p:sldId id="260" r:id="rId8"/>
+    <p:sldId id="265" r:id="rId8"/>
+    <p:sldId id="264" r:id="rId9"/>
+    <p:sldId id="260" r:id="rId10"/>
+    <p:sldId id="272" r:id="rId11"/>
+    <p:sldId id="268" r:id="rId12"/>
+    <p:sldId id="269" r:id="rId13"/>
+    <p:sldId id="270" r:id="rId14"/>
+    <p:sldId id="263" r:id="rId15"/>
+    <p:sldId id="261" r:id="rId16"/>
   </p:sldIdLst>
   <p:sldSz cx="12192000" cy="6858000"/>
   <p:notesSz cx="6858000" cy="9144000"/>
@@ -12594,540 +12602,7 @@
 </p:sld>
 </file>
 
-<file path=ppt/slides/slide2.xml><?xml version="1.0" encoding="utf-8"?>
-<p:sld xmlns:a="http://schemas.openxmlformats.org/drawingml/2006/main" xmlns:r="http://schemas.openxmlformats.org/officeDocument/2006/relationships" xmlns:p="http://schemas.openxmlformats.org/presentationml/2006/main">
-  <p:cSld>
-    <p:bg>
-      <p:bgPr>
-        <a:solidFill>
-          <a:schemeClr val="bg1"/>
-        </a:solidFill>
-        <a:effectLst/>
-      </p:bgPr>
-    </p:bg>
-    <p:spTree>
-      <p:nvGrpSpPr>
-        <p:cNvPr id="1" name=""/>
-        <p:cNvGrpSpPr/>
-        <p:nvPr/>
-      </p:nvGrpSpPr>
-      <p:grpSpPr>
-        <a:xfrm>
-          <a:off x="0" y="0"/>
-          <a:ext cx="0" cy="0"/>
-          <a:chOff x="0" y="0"/>
-          <a:chExt cx="0" cy="0"/>
-        </a:xfrm>
-      </p:grpSpPr>
-      <p:sp>
-        <p:nvSpPr>
-          <p:cNvPr id="12" name="Rectangle 11">
-            <a:extLst>
-              <a:ext uri="{FF2B5EF4-FFF2-40B4-BE49-F238E27FC236}">
-                <a16:creationId xmlns:a16="http://schemas.microsoft.com/office/drawing/2014/main" id="{1D227D51-204B-ED48-AF9A-0BE9633FE04A}"/>
-              </a:ext>
-              <a:ext uri="{C183D7F6-B498-43B3-948B-1728B52AA6E4}">
-                <adec:decorative xmlns:adec="http://schemas.microsoft.com/office/drawing/2017/decorative" val="1"/>
-              </a:ext>
-            </a:extLst>
-          </p:cNvPr>
-          <p:cNvSpPr>
-            <a:spLocks noGrp="1" noRot="1" noChangeAspect="1" noMove="1" noResize="1" noEditPoints="1" noAdjustHandles="1" noChangeArrowheads="1" noChangeShapeType="1" noTextEdit="1"/>
-          </p:cNvSpPr>
-          <p:nvPr>
-            <p:extLst>
-              <p:ext uri="{386F3935-93C4-4BCD-93E2-E3B085C9AB24}">
-                <p16:designElem xmlns:p16="http://schemas.microsoft.com/office/powerpoint/2015/main" val="1"/>
-              </p:ext>
-            </p:extLst>
-          </p:nvPr>
-        </p:nvSpPr>
-        <p:spPr>
-          <a:xfrm>
-            <a:off x="5224243" y="1096772"/>
-            <a:ext cx="6503180" cy="5761228"/>
-          </a:xfrm>
-          <a:prstGeom prst="rect">
-            <a:avLst/>
-          </a:prstGeom>
-          <a:solidFill>
-            <a:schemeClr val="bg2"/>
-          </a:solidFill>
-          <a:ln>
-            <a:noFill/>
-          </a:ln>
-        </p:spPr>
-        <p:style>
-          <a:lnRef idx="2">
-            <a:schemeClr val="accent1">
-              <a:shade val="50000"/>
-            </a:schemeClr>
-          </a:lnRef>
-          <a:fillRef idx="1">
-            <a:schemeClr val="accent1"/>
-          </a:fillRef>
-          <a:effectRef idx="0">
-            <a:schemeClr val="accent1"/>
-          </a:effectRef>
-          <a:fontRef idx="minor">
-            <a:schemeClr val="lt1"/>
-          </a:fontRef>
-        </p:style>
-        <p:txBody>
-          <a:bodyPr rtlCol="0" anchor="ctr"/>
-          <a:lstStyle/>
-          <a:p>
-            <a:pPr algn="ctr"/>
-            <a:endParaRPr lang="en-US"/>
-          </a:p>
-        </p:txBody>
-      </p:sp>
-      <p:sp>
-        <p:nvSpPr>
-          <p:cNvPr id="14" name="Cross 13">
-            <a:extLst>
-              <a:ext uri="{FF2B5EF4-FFF2-40B4-BE49-F238E27FC236}">
-                <a16:creationId xmlns:a16="http://schemas.microsoft.com/office/drawing/2014/main" id="{57A23F45-CDAE-8A40-8DE7-92A0BBC119B7}"/>
-              </a:ext>
-              <a:ext uri="{C183D7F6-B498-43B3-948B-1728B52AA6E4}">
-                <adec:decorative xmlns:adec="http://schemas.microsoft.com/office/drawing/2017/decorative" val="1"/>
-              </a:ext>
-            </a:extLst>
-          </p:cNvPr>
-          <p:cNvSpPr>
-            <a:spLocks noGrp="1" noRot="1" noChangeAspect="1" noMove="1" noResize="1" noEditPoints="1" noAdjustHandles="1" noChangeArrowheads="1" noChangeShapeType="1" noTextEdit="1"/>
-          </p:cNvSpPr>
-          <p:nvPr>
-            <p:extLst>
-              <p:ext uri="{386F3935-93C4-4BCD-93E2-E3B085C9AB24}">
-                <p16:designElem xmlns:p16="http://schemas.microsoft.com/office/powerpoint/2015/main" val="1"/>
-              </p:ext>
-            </p:extLst>
-          </p:nvPr>
-        </p:nvSpPr>
-        <p:spPr>
-          <a:xfrm>
-            <a:off x="5016811" y="5624450"/>
-            <a:ext cx="524933" cy="524933"/>
-          </a:xfrm>
-          <a:prstGeom prst="plus">
-            <a:avLst>
-              <a:gd name="adj" fmla="val 39516"/>
-            </a:avLst>
-          </a:prstGeom>
-          <a:solidFill>
-            <a:schemeClr val="tx1"/>
-          </a:solidFill>
-          <a:ln>
-            <a:noFill/>
-          </a:ln>
-        </p:spPr>
-        <p:style>
-          <a:lnRef idx="2">
-            <a:schemeClr val="accent1">
-              <a:shade val="50000"/>
-            </a:schemeClr>
-          </a:lnRef>
-          <a:fillRef idx="1">
-            <a:schemeClr val="accent1"/>
-          </a:fillRef>
-          <a:effectRef idx="0">
-            <a:schemeClr val="accent1"/>
-          </a:effectRef>
-          <a:fontRef idx="minor">
-            <a:schemeClr val="lt1"/>
-          </a:fontRef>
-        </p:style>
-        <p:txBody>
-          <a:bodyPr rtlCol="0" anchor="ctr"/>
-          <a:lstStyle/>
-          <a:p>
-            <a:pPr algn="ctr"/>
-            <a:endParaRPr lang="en-US"/>
-          </a:p>
-        </p:txBody>
-      </p:sp>
-      <p:sp>
-        <p:nvSpPr>
-          <p:cNvPr id="16" name="Rectangle 15">
-            <a:extLst>
-              <a:ext uri="{FF2B5EF4-FFF2-40B4-BE49-F238E27FC236}">
-                <a16:creationId xmlns:a16="http://schemas.microsoft.com/office/drawing/2014/main" id="{68546383-CCC4-544B-B0D8-DE78DE39BB78}"/>
-              </a:ext>
-              <a:ext uri="{C183D7F6-B498-43B3-948B-1728B52AA6E4}">
-                <adec:decorative xmlns:adec="http://schemas.microsoft.com/office/drawing/2017/decorative" val="1"/>
-              </a:ext>
-            </a:extLst>
-          </p:cNvPr>
-          <p:cNvSpPr>
-            <a:spLocks noGrp="1" noRot="1" noChangeAspect="1" noMove="1" noResize="1" noEditPoints="1" noAdjustHandles="1" noChangeArrowheads="1" noChangeShapeType="1" noTextEdit="1"/>
-          </p:cNvSpPr>
-          <p:nvPr>
-            <p:extLst>
-              <p:ext uri="{386F3935-93C4-4BCD-93E2-E3B085C9AB24}">
-                <p16:designElem xmlns:p16="http://schemas.microsoft.com/office/powerpoint/2015/main" val="1"/>
-              </p:ext>
-            </p:extLst>
-          </p:nvPr>
-        </p:nvSpPr>
-        <p:spPr>
-          <a:xfrm>
-            <a:off x="9881559" y="976630"/>
-            <a:ext cx="1336774" cy="120142"/>
-          </a:xfrm>
-          <a:prstGeom prst="rect">
-            <a:avLst/>
-          </a:prstGeom>
-          <a:solidFill>
-            <a:schemeClr val="tx1"/>
-          </a:solidFill>
-          <a:ln>
-            <a:noFill/>
-          </a:ln>
-        </p:spPr>
-        <p:style>
-          <a:lnRef idx="2">
-            <a:schemeClr val="accent1">
-              <a:shade val="50000"/>
-            </a:schemeClr>
-          </a:lnRef>
-          <a:fillRef idx="1">
-            <a:schemeClr val="accent1"/>
-          </a:fillRef>
-          <a:effectRef idx="0">
-            <a:schemeClr val="accent1"/>
-          </a:effectRef>
-          <a:fontRef idx="minor">
-            <a:schemeClr val="lt1"/>
-          </a:fontRef>
-        </p:style>
-        <p:txBody>
-          <a:bodyPr rtlCol="0" anchor="ctr"/>
-          <a:lstStyle/>
-          <a:p>
-            <a:pPr algn="ctr"/>
-            <a:endParaRPr lang="en-US"/>
-          </a:p>
-        </p:txBody>
-      </p:sp>
-      <p:sp useBgFill="1">
-        <p:nvSpPr>
-          <p:cNvPr id="18" name="Rectangle 17">
-            <a:extLst>
-              <a:ext uri="{FF2B5EF4-FFF2-40B4-BE49-F238E27FC236}">
-                <a16:creationId xmlns:a16="http://schemas.microsoft.com/office/drawing/2014/main" id="{6CA2C65D-0168-1245-86C8-62A8A6F7B813}"/>
-              </a:ext>
-              <a:ext uri="{C183D7F6-B498-43B3-948B-1728B52AA6E4}">
-                <adec:decorative xmlns:adec="http://schemas.microsoft.com/office/drawing/2017/decorative" val="1"/>
-              </a:ext>
-            </a:extLst>
-          </p:cNvPr>
-          <p:cNvSpPr>
-            <a:spLocks noGrp="1" noRot="1" noChangeAspect="1" noMove="1" noResize="1" noEditPoints="1" noAdjustHandles="1" noChangeArrowheads="1" noChangeShapeType="1" noTextEdit="1"/>
-          </p:cNvSpPr>
-          <p:nvPr>
-            <p:extLst>
-              <p:ext uri="{386F3935-93C4-4BCD-93E2-E3B085C9AB24}">
-                <p16:designElem xmlns:p16="http://schemas.microsoft.com/office/powerpoint/2015/main" val="1"/>
-              </p:ext>
-            </p:extLst>
-          </p:nvPr>
-        </p:nvSpPr>
-        <p:spPr>
-          <a:xfrm>
-            <a:off x="0" y="0"/>
-            <a:ext cx="12192000" cy="6858000"/>
-          </a:xfrm>
-          <a:prstGeom prst="rect">
-            <a:avLst/>
-          </a:prstGeom>
-          <a:ln>
-            <a:noFill/>
-          </a:ln>
-        </p:spPr>
-        <p:style>
-          <a:lnRef idx="2">
-            <a:schemeClr val="accent1">
-              <a:shade val="50000"/>
-            </a:schemeClr>
-          </a:lnRef>
-          <a:fillRef idx="1">
-            <a:schemeClr val="accent1"/>
-          </a:fillRef>
-          <a:effectRef idx="0">
-            <a:schemeClr val="accent1"/>
-          </a:effectRef>
-          <a:fontRef idx="minor">
-            <a:schemeClr val="lt1"/>
-          </a:fontRef>
-        </p:style>
-        <p:txBody>
-          <a:bodyPr rtlCol="0" anchor="ctr"/>
-          <a:lstStyle/>
-          <a:p>
-            <a:pPr algn="ctr"/>
-            <a:endParaRPr lang="en-US"/>
-          </a:p>
-        </p:txBody>
-      </p:sp>
-      <p:sp>
-        <p:nvSpPr>
-          <p:cNvPr id="20" name="Rectangle 19">
-            <a:extLst>
-              <a:ext uri="{FF2B5EF4-FFF2-40B4-BE49-F238E27FC236}">
-                <a16:creationId xmlns:a16="http://schemas.microsoft.com/office/drawing/2014/main" id="{755E9273-3717-C94C-9BFF-75E87E47C46A}"/>
-              </a:ext>
-              <a:ext uri="{C183D7F6-B498-43B3-948B-1728B52AA6E4}">
-                <adec:decorative xmlns:adec="http://schemas.microsoft.com/office/drawing/2017/decorative" val="1"/>
-              </a:ext>
-            </a:extLst>
-          </p:cNvPr>
-          <p:cNvSpPr>
-            <a:spLocks noGrp="1" noRot="1" noChangeAspect="1" noMove="1" noResize="1" noEditPoints="1" noAdjustHandles="1" noChangeArrowheads="1" noChangeShapeType="1" noTextEdit="1"/>
-          </p:cNvSpPr>
-          <p:nvPr>
-            <p:extLst>
-              <p:ext uri="{386F3935-93C4-4BCD-93E2-E3B085C9AB24}">
-                <p16:designElem xmlns:p16="http://schemas.microsoft.com/office/powerpoint/2015/main" val="1"/>
-              </p:ext>
-            </p:extLst>
-          </p:nvPr>
-        </p:nvSpPr>
-        <p:spPr>
-          <a:xfrm>
-            <a:off x="9881559" y="976630"/>
-            <a:ext cx="1336774" cy="120142"/>
-          </a:xfrm>
-          <a:prstGeom prst="rect">
-            <a:avLst/>
-          </a:prstGeom>
-          <a:solidFill>
-            <a:schemeClr val="tx1"/>
-          </a:solidFill>
-          <a:ln>
-            <a:noFill/>
-          </a:ln>
-        </p:spPr>
-        <p:style>
-          <a:lnRef idx="2">
-            <a:schemeClr val="accent1">
-              <a:shade val="50000"/>
-            </a:schemeClr>
-          </a:lnRef>
-          <a:fillRef idx="1">
-            <a:schemeClr val="accent1"/>
-          </a:fillRef>
-          <a:effectRef idx="0">
-            <a:schemeClr val="accent1"/>
-          </a:effectRef>
-          <a:fontRef idx="minor">
-            <a:schemeClr val="lt1"/>
-          </a:fontRef>
-        </p:style>
-        <p:txBody>
-          <a:bodyPr rtlCol="0" anchor="ctr"/>
-          <a:lstStyle/>
-          <a:p>
-            <a:pPr algn="ctr"/>
-            <a:endParaRPr lang="en-US"/>
-          </a:p>
-        </p:txBody>
-      </p:sp>
-      <p:sp>
-        <p:nvSpPr>
-          <p:cNvPr id="4" name="Titre 3">
-            <a:extLst>
-              <a:ext uri="{FF2B5EF4-FFF2-40B4-BE49-F238E27FC236}">
-                <a16:creationId xmlns:a16="http://schemas.microsoft.com/office/drawing/2014/main" id="{542D000B-A318-4B26-83CA-878DDF364313}"/>
-              </a:ext>
-            </a:extLst>
-          </p:cNvPr>
-          <p:cNvSpPr>
-            <a:spLocks noGrp="1"/>
-          </p:cNvSpPr>
-          <p:nvPr>
-            <p:ph type="title"/>
-          </p:nvPr>
-        </p:nvSpPr>
-        <p:spPr>
-          <a:xfrm>
-            <a:off x="797105" y="1625608"/>
-            <a:ext cx="5240953" cy="2722164"/>
-          </a:xfrm>
-        </p:spPr>
-        <p:txBody>
-          <a:bodyPr vert="horz" lIns="91440" tIns="45720" rIns="91440" bIns="45720" rtlCol="0" anchor="b">
-            <a:normAutofit/>
-          </a:bodyPr>
-          <a:lstStyle/>
-          <a:p>
-            <a:pPr>
-              <a:lnSpc>
-                <a:spcPct val="90000"/>
-              </a:lnSpc>
-            </a:pPr>
-            <a:br>
-              <a:rPr lang="en-US" sz="3800" kern="1200" spc="-150">
-                <a:solidFill>
-                  <a:schemeClr val="tx1"/>
-                </a:solidFill>
-                <a:latin typeface="+mj-lt"/>
-                <a:ea typeface="+mj-ea"/>
-                <a:cs typeface="+mj-cs"/>
-              </a:rPr>
-            </a:br>
-            <a:r>
-              <a:rPr lang="en-US" sz="3800" kern="1200" spc="-150">
-                <a:solidFill>
-                  <a:schemeClr val="tx1"/>
-                </a:solidFill>
-                <a:effectLst/>
-                <a:latin typeface="+mj-lt"/>
-                <a:ea typeface="+mj-ea"/>
-                <a:cs typeface="+mj-cs"/>
-              </a:rPr>
-              <a:t>How does semantic memory affects learning?</a:t>
-            </a:r>
-            <a:br>
-              <a:rPr lang="en-US" sz="3800" kern="1200" spc="-150">
-                <a:solidFill>
-                  <a:schemeClr val="tx1"/>
-                </a:solidFill>
-                <a:effectLst/>
-                <a:latin typeface="+mj-lt"/>
-                <a:ea typeface="+mj-ea"/>
-                <a:cs typeface="+mj-cs"/>
-              </a:rPr>
-            </a:br>
-            <a:endParaRPr lang="en-US" sz="3800" kern="1200" spc="-150">
-              <a:solidFill>
-                <a:schemeClr val="tx1"/>
-              </a:solidFill>
-              <a:latin typeface="+mj-lt"/>
-              <a:ea typeface="+mj-ea"/>
-              <a:cs typeface="+mj-cs"/>
-            </a:endParaRPr>
-          </a:p>
-        </p:txBody>
-      </p:sp>
-      <p:pic>
-        <p:nvPicPr>
-          <p:cNvPr id="9" name="Graphic 8" descr="Cerveau">
-            <a:extLst>
-              <a:ext uri="{FF2B5EF4-FFF2-40B4-BE49-F238E27FC236}">
-                <a16:creationId xmlns:a16="http://schemas.microsoft.com/office/drawing/2014/main" id="{00561B80-2527-4BFD-A7CE-896E4B345693}"/>
-              </a:ext>
-            </a:extLst>
-          </p:cNvPr>
-          <p:cNvPicPr>
-            <a:picLocks noChangeAspect="1"/>
-          </p:cNvPicPr>
-          <p:nvPr/>
-        </p:nvPicPr>
-        <p:blipFill>
-          <a:blip r:embed="rId2">
-            <a:extLst>
-              <a:ext uri="{28A0092B-C50C-407E-A947-70E740481C1C}">
-                <a14:useLocalDpi xmlns:a14="http://schemas.microsoft.com/office/drawing/2010/main" val="0"/>
-              </a:ext>
-              <a:ext uri="{96DAC541-7B7A-43D3-8B79-37D633B846F1}">
-                <asvg:svgBlip xmlns:asvg="http://schemas.microsoft.com/office/drawing/2016/SVG/main" r:embed="rId3"/>
-              </a:ext>
-            </a:extLst>
-          </a:blip>
-          <a:stretch>
-            <a:fillRect/>
-          </a:stretch>
-        </p:blipFill>
-        <p:spPr>
-          <a:xfrm>
-            <a:off x="6958090" y="1497220"/>
-            <a:ext cx="4127230" cy="4127230"/>
-          </a:xfrm>
-          <a:prstGeom prst="rect">
-            <a:avLst/>
-          </a:prstGeom>
-        </p:spPr>
-      </p:pic>
-      <p:sp>
-        <p:nvSpPr>
-          <p:cNvPr id="22" name="Cross 21">
-            <a:extLst>
-              <a:ext uri="{FF2B5EF4-FFF2-40B4-BE49-F238E27FC236}">
-                <a16:creationId xmlns:a16="http://schemas.microsoft.com/office/drawing/2014/main" id="{2D31923D-AB54-2C41-B985-E3F1AB437D09}"/>
-              </a:ext>
-              <a:ext uri="{C183D7F6-B498-43B3-948B-1728B52AA6E4}">
-                <adec:decorative xmlns:adec="http://schemas.microsoft.com/office/drawing/2017/decorative" val="1"/>
-              </a:ext>
-            </a:extLst>
-          </p:cNvPr>
-          <p:cNvSpPr>
-            <a:spLocks noGrp="1" noRot="1" noChangeAspect="1" noMove="1" noResize="1" noEditPoints="1" noAdjustHandles="1" noChangeArrowheads="1" noChangeShapeType="1" noTextEdit="1"/>
-          </p:cNvSpPr>
-          <p:nvPr>
-            <p:extLst>
-              <p:ext uri="{386F3935-93C4-4BCD-93E2-E3B085C9AB24}">
-                <p16:designElem xmlns:p16="http://schemas.microsoft.com/office/powerpoint/2015/main" val="1"/>
-              </p:ext>
-            </p:extLst>
-          </p:nvPr>
-        </p:nvSpPr>
-        <p:spPr>
-          <a:xfrm>
-            <a:off x="6300144" y="5624450"/>
-            <a:ext cx="524933" cy="524933"/>
-          </a:xfrm>
-          <a:prstGeom prst="plus">
-            <a:avLst>
-              <a:gd name="adj" fmla="val 39516"/>
-            </a:avLst>
-          </a:prstGeom>
-          <a:solidFill>
-            <a:schemeClr val="tx1"/>
-          </a:solidFill>
-          <a:ln>
-            <a:noFill/>
-          </a:ln>
-        </p:spPr>
-        <p:style>
-          <a:lnRef idx="2">
-            <a:schemeClr val="accent1">
-              <a:shade val="50000"/>
-            </a:schemeClr>
-          </a:lnRef>
-          <a:fillRef idx="1">
-            <a:schemeClr val="accent1"/>
-          </a:fillRef>
-          <a:effectRef idx="0">
-            <a:schemeClr val="accent1"/>
-          </a:effectRef>
-          <a:fontRef idx="minor">
-            <a:schemeClr val="lt1"/>
-          </a:fontRef>
-        </p:style>
-        <p:txBody>
-          <a:bodyPr rtlCol="0" anchor="ctr"/>
-          <a:lstStyle/>
-          <a:p>
-            <a:pPr algn="ctr"/>
-            <a:endParaRPr lang="en-US"/>
-          </a:p>
-        </p:txBody>
-      </p:sp>
-    </p:spTree>
-    <p:extLst>
-      <p:ext uri="{BB962C8B-B14F-4D97-AF65-F5344CB8AC3E}">
-        <p14:creationId xmlns:p14="http://schemas.microsoft.com/office/powerpoint/2010/main" val="4117017109"/>
-      </p:ext>
-    </p:extLst>
-  </p:cSld>
-  <p:clrMapOvr>
-    <a:masterClrMapping/>
-  </p:clrMapOvr>
-</p:sld>
-</file>
-
-<file path=ppt/slides/slide3.xml><?xml version="1.0" encoding="utf-8"?>
+<file path=ppt/slides/slide10.xml><?xml version="1.0" encoding="utf-8"?>
 <p:sld xmlns:a="http://schemas.openxmlformats.org/drawingml/2006/main" xmlns:r="http://schemas.openxmlformats.org/officeDocument/2006/relationships" xmlns:p="http://schemas.openxmlformats.org/presentationml/2006/main">
   <p:cSld>
     <p:spTree>
@@ -13149,7 +12624,787 @@
           <p:cNvPr id="2" name="Titre 1">
             <a:extLst>
               <a:ext uri="{FF2B5EF4-FFF2-40B4-BE49-F238E27FC236}">
-                <a16:creationId xmlns:a16="http://schemas.microsoft.com/office/drawing/2014/main" id="{E630D365-8E3C-47E7-B591-81792EB54503}"/>
+                <a16:creationId xmlns:a16="http://schemas.microsoft.com/office/drawing/2014/main" id="{DA5C447B-55F2-426B-9AFD-6E43062E8265}"/>
+              </a:ext>
+            </a:extLst>
+          </p:cNvPr>
+          <p:cNvSpPr>
+            <a:spLocks noGrp="1"/>
+          </p:cNvSpPr>
+          <p:nvPr>
+            <p:ph type="title"/>
+          </p:nvPr>
+        </p:nvSpPr>
+        <p:spPr/>
+        <p:txBody>
+          <a:bodyPr/>
+          <a:lstStyle/>
+          <a:p>
+            <a:endParaRPr lang="fr-FR"/>
+          </a:p>
+        </p:txBody>
+      </p:sp>
+      <p:sp>
+        <p:nvSpPr>
+          <p:cNvPr id="3" name="Espace réservé du contenu 2">
+            <a:extLst>
+              <a:ext uri="{FF2B5EF4-FFF2-40B4-BE49-F238E27FC236}">
+                <a16:creationId xmlns:a16="http://schemas.microsoft.com/office/drawing/2014/main" id="{74471618-E0E9-4195-A7CF-8D73D0F7C7D5}"/>
+              </a:ext>
+            </a:extLst>
+          </p:cNvPr>
+          <p:cNvSpPr>
+            <a:spLocks noGrp="1"/>
+          </p:cNvSpPr>
+          <p:nvPr>
+            <p:ph sz="half" idx="1"/>
+          </p:nvPr>
+        </p:nvSpPr>
+        <p:spPr/>
+        <p:txBody>
+          <a:bodyPr/>
+          <a:lstStyle/>
+          <a:p>
+            <a:r>
+              <a:rPr lang="fr-FR" dirty="0"/>
+              <a:t>Wang et al. 2020</a:t>
+            </a:r>
+          </a:p>
+        </p:txBody>
+      </p:sp>
+      <p:pic>
+        <p:nvPicPr>
+          <p:cNvPr id="12" name="Image 11">
+            <a:extLst>
+              <a:ext uri="{FF2B5EF4-FFF2-40B4-BE49-F238E27FC236}">
+                <a16:creationId xmlns:a16="http://schemas.microsoft.com/office/drawing/2014/main" id="{203D4A66-4CB1-49A8-AC21-9B41CE03B9F9}"/>
+              </a:ext>
+            </a:extLst>
+          </p:cNvPr>
+          <p:cNvPicPr>
+            <a:picLocks noChangeAspect="1"/>
+          </p:cNvPicPr>
+          <p:nvPr/>
+        </p:nvPicPr>
+        <p:blipFill rotWithShape="1">
+          <a:blip r:embed="rId2"/>
+          <a:srcRect l="-319" t="26060" r="319" b="49572"/>
+          <a:stretch/>
+        </p:blipFill>
+        <p:spPr>
+          <a:xfrm>
+            <a:off x="5511754" y="2624505"/>
+            <a:ext cx="6155352" cy="1296258"/>
+          </a:xfrm>
+          <a:prstGeom prst="rect">
+            <a:avLst/>
+          </a:prstGeom>
+        </p:spPr>
+      </p:pic>
+      <p:pic>
+        <p:nvPicPr>
+          <p:cNvPr id="13" name="Image 12">
+            <a:extLst>
+              <a:ext uri="{FF2B5EF4-FFF2-40B4-BE49-F238E27FC236}">
+                <a16:creationId xmlns:a16="http://schemas.microsoft.com/office/drawing/2014/main" id="{32DCABFF-0459-453A-94EC-FCC32D049058}"/>
+              </a:ext>
+            </a:extLst>
+          </p:cNvPr>
+          <p:cNvPicPr>
+            <a:picLocks noChangeAspect="1"/>
+          </p:cNvPicPr>
+          <p:nvPr/>
+        </p:nvPicPr>
+        <p:blipFill rotWithShape="1">
+          <a:blip r:embed="rId2"/>
+          <a:srcRect l="319" t="50351" r="-319" b="25281"/>
+          <a:stretch/>
+        </p:blipFill>
+        <p:spPr>
+          <a:xfrm>
+            <a:off x="5531407" y="3919221"/>
+            <a:ext cx="6155352" cy="1296258"/>
+          </a:xfrm>
+          <a:prstGeom prst="rect">
+            <a:avLst/>
+          </a:prstGeom>
+        </p:spPr>
+      </p:pic>
+      <p:pic>
+        <p:nvPicPr>
+          <p:cNvPr id="14" name="Image 13">
+            <a:extLst>
+              <a:ext uri="{FF2B5EF4-FFF2-40B4-BE49-F238E27FC236}">
+                <a16:creationId xmlns:a16="http://schemas.microsoft.com/office/drawing/2014/main" id="{92D70C0A-1F77-4E4B-BF68-86A5AAC4FFEC}"/>
+              </a:ext>
+            </a:extLst>
+          </p:cNvPr>
+          <p:cNvPicPr>
+            <a:picLocks noChangeAspect="1"/>
+          </p:cNvPicPr>
+          <p:nvPr/>
+        </p:nvPicPr>
+        <p:blipFill rotWithShape="1">
+          <a:blip r:embed="rId2"/>
+          <a:srcRect l="319" t="75367" r="-319" b="265"/>
+          <a:stretch/>
+        </p:blipFill>
+        <p:spPr>
+          <a:xfrm>
+            <a:off x="5531407" y="5262884"/>
+            <a:ext cx="6155352" cy="1296258"/>
+          </a:xfrm>
+          <a:prstGeom prst="rect">
+            <a:avLst/>
+          </a:prstGeom>
+        </p:spPr>
+      </p:pic>
+      <p:grpSp>
+        <p:nvGrpSpPr>
+          <p:cNvPr id="11" name="Groupe 10">
+            <a:extLst>
+              <a:ext uri="{FF2B5EF4-FFF2-40B4-BE49-F238E27FC236}">
+                <a16:creationId xmlns:a16="http://schemas.microsoft.com/office/drawing/2014/main" id="{45B11237-5111-4C18-9F3A-D934F7A15220}"/>
+              </a:ext>
+            </a:extLst>
+          </p:cNvPr>
+          <p:cNvGrpSpPr/>
+          <p:nvPr/>
+        </p:nvGrpSpPr>
+        <p:grpSpPr>
+          <a:xfrm>
+            <a:off x="5511754" y="1238288"/>
+            <a:ext cx="6155352" cy="4245751"/>
+            <a:chOff x="3602572" y="976630"/>
+            <a:chExt cx="6155352" cy="4245751"/>
+          </a:xfrm>
+        </p:grpSpPr>
+        <p:pic>
+          <p:nvPicPr>
+            <p:cNvPr id="6" name="Image 5">
+              <a:extLst>
+                <a:ext uri="{FF2B5EF4-FFF2-40B4-BE49-F238E27FC236}">
+                  <a16:creationId xmlns:a16="http://schemas.microsoft.com/office/drawing/2014/main" id="{976286B6-9704-435D-918A-9C4B54BCF413}"/>
+                </a:ext>
+              </a:extLst>
+            </p:cNvPr>
+            <p:cNvPicPr>
+              <a:picLocks noChangeAspect="1"/>
+            </p:cNvPicPr>
+            <p:nvPr/>
+          </p:nvPicPr>
+          <p:blipFill rotWithShape="1">
+            <a:blip r:embed="rId2"/>
+            <a:srcRect b="72806"/>
+            <a:stretch/>
+          </p:blipFill>
+          <p:spPr>
+            <a:xfrm>
+              <a:off x="3602572" y="976630"/>
+              <a:ext cx="6155352" cy="1446550"/>
+            </a:xfrm>
+            <a:prstGeom prst="rect">
+              <a:avLst/>
+            </a:prstGeom>
+          </p:spPr>
+        </p:pic>
+        <p:sp>
+          <p:nvSpPr>
+            <p:cNvPr id="7" name="Rectangle 6">
+              <a:extLst>
+                <a:ext uri="{FF2B5EF4-FFF2-40B4-BE49-F238E27FC236}">
+                  <a16:creationId xmlns:a16="http://schemas.microsoft.com/office/drawing/2014/main" id="{8BBA1ECA-C938-40BE-A21A-E6E23EE12C97}"/>
+                </a:ext>
+              </a:extLst>
+            </p:cNvPr>
+            <p:cNvSpPr/>
+            <p:nvPr/>
+          </p:nvSpPr>
+          <p:spPr>
+            <a:xfrm>
+              <a:off x="5402260" y="1159375"/>
+              <a:ext cx="2595283" cy="228091"/>
+            </a:xfrm>
+            <a:prstGeom prst="rect">
+              <a:avLst/>
+            </a:prstGeom>
+            <a:solidFill>
+              <a:schemeClr val="bg1"/>
+            </a:solidFill>
+            <a:ln>
+              <a:solidFill>
+                <a:schemeClr val="bg1"/>
+              </a:solidFill>
+            </a:ln>
+          </p:spPr>
+          <p:style>
+            <a:lnRef idx="2">
+              <a:schemeClr val="accent1">
+                <a:shade val="50000"/>
+              </a:schemeClr>
+            </a:lnRef>
+            <a:fillRef idx="1">
+              <a:schemeClr val="accent1"/>
+            </a:fillRef>
+            <a:effectRef idx="0">
+              <a:schemeClr val="accent1"/>
+            </a:effectRef>
+            <a:fontRef idx="minor">
+              <a:schemeClr val="lt1"/>
+            </a:fontRef>
+          </p:style>
+          <p:txBody>
+            <a:bodyPr rtlCol="0" anchor="ctr"/>
+            <a:lstStyle/>
+            <a:p>
+              <a:pPr algn="ctr"/>
+              <a:endParaRPr lang="fr-FR"/>
+            </a:p>
+          </p:txBody>
+        </p:sp>
+        <p:sp>
+          <p:nvSpPr>
+            <p:cNvPr id="8" name="Rectangle 7">
+              <a:extLst>
+                <a:ext uri="{FF2B5EF4-FFF2-40B4-BE49-F238E27FC236}">
+                  <a16:creationId xmlns:a16="http://schemas.microsoft.com/office/drawing/2014/main" id="{4A9C7BA9-EF4E-407C-AA78-77A470A71845}"/>
+                </a:ext>
+              </a:extLst>
+            </p:cNvPr>
+            <p:cNvSpPr/>
+            <p:nvPr/>
+          </p:nvSpPr>
+          <p:spPr>
+            <a:xfrm>
+              <a:off x="5137801" y="2463546"/>
+              <a:ext cx="2595283" cy="228091"/>
+            </a:xfrm>
+            <a:prstGeom prst="rect">
+              <a:avLst/>
+            </a:prstGeom>
+            <a:solidFill>
+              <a:schemeClr val="bg1"/>
+            </a:solidFill>
+            <a:ln>
+              <a:solidFill>
+                <a:schemeClr val="bg1"/>
+              </a:solidFill>
+            </a:ln>
+          </p:spPr>
+          <p:style>
+            <a:lnRef idx="2">
+              <a:schemeClr val="accent1">
+                <a:shade val="50000"/>
+              </a:schemeClr>
+            </a:lnRef>
+            <a:fillRef idx="1">
+              <a:schemeClr val="accent1"/>
+            </a:fillRef>
+            <a:effectRef idx="0">
+              <a:schemeClr val="accent1"/>
+            </a:effectRef>
+            <a:fontRef idx="minor">
+              <a:schemeClr val="lt1"/>
+            </a:fontRef>
+          </p:style>
+          <p:txBody>
+            <a:bodyPr rtlCol="0" anchor="ctr"/>
+            <a:lstStyle/>
+            <a:p>
+              <a:pPr algn="ctr"/>
+              <a:endParaRPr lang="fr-FR"/>
+            </a:p>
+          </p:txBody>
+        </p:sp>
+        <p:sp>
+          <p:nvSpPr>
+            <p:cNvPr id="9" name="Rectangle 8">
+              <a:extLst>
+                <a:ext uri="{FF2B5EF4-FFF2-40B4-BE49-F238E27FC236}">
+                  <a16:creationId xmlns:a16="http://schemas.microsoft.com/office/drawing/2014/main" id="{AA82BA66-F154-4D87-898E-0B57BF73B31E}"/>
+                </a:ext>
+              </a:extLst>
+            </p:cNvPr>
+            <p:cNvSpPr/>
+            <p:nvPr/>
+          </p:nvSpPr>
+          <p:spPr>
+            <a:xfrm>
+              <a:off x="4967471" y="3692672"/>
+              <a:ext cx="2595283" cy="228091"/>
+            </a:xfrm>
+            <a:prstGeom prst="rect">
+              <a:avLst/>
+            </a:prstGeom>
+            <a:solidFill>
+              <a:schemeClr val="bg1"/>
+            </a:solidFill>
+            <a:ln>
+              <a:solidFill>
+                <a:schemeClr val="bg1"/>
+              </a:solidFill>
+            </a:ln>
+          </p:spPr>
+          <p:style>
+            <a:lnRef idx="2">
+              <a:schemeClr val="accent1">
+                <a:shade val="50000"/>
+              </a:schemeClr>
+            </a:lnRef>
+            <a:fillRef idx="1">
+              <a:schemeClr val="accent1"/>
+            </a:fillRef>
+            <a:effectRef idx="0">
+              <a:schemeClr val="accent1"/>
+            </a:effectRef>
+            <a:fontRef idx="minor">
+              <a:schemeClr val="lt1"/>
+            </a:fontRef>
+          </p:style>
+          <p:txBody>
+            <a:bodyPr rtlCol="0" anchor="ctr"/>
+            <a:lstStyle/>
+            <a:p>
+              <a:pPr algn="ctr"/>
+              <a:endParaRPr lang="fr-FR"/>
+            </a:p>
+          </p:txBody>
+        </p:sp>
+        <p:sp>
+          <p:nvSpPr>
+            <p:cNvPr id="10" name="Rectangle 9">
+              <a:extLst>
+                <a:ext uri="{FF2B5EF4-FFF2-40B4-BE49-F238E27FC236}">
+                  <a16:creationId xmlns:a16="http://schemas.microsoft.com/office/drawing/2014/main" id="{A67F8941-04A6-4D24-984E-C182727EB4C1}"/>
+                </a:ext>
+              </a:extLst>
+            </p:cNvPr>
+            <p:cNvSpPr/>
+            <p:nvPr/>
+          </p:nvSpPr>
+          <p:spPr>
+            <a:xfrm>
+              <a:off x="5439661" y="4994290"/>
+              <a:ext cx="2595283" cy="228091"/>
+            </a:xfrm>
+            <a:prstGeom prst="rect">
+              <a:avLst/>
+            </a:prstGeom>
+            <a:solidFill>
+              <a:schemeClr val="bg1"/>
+            </a:solidFill>
+            <a:ln>
+              <a:solidFill>
+                <a:schemeClr val="bg1"/>
+              </a:solidFill>
+            </a:ln>
+          </p:spPr>
+          <p:style>
+            <a:lnRef idx="2">
+              <a:schemeClr val="accent1">
+                <a:shade val="50000"/>
+              </a:schemeClr>
+            </a:lnRef>
+            <a:fillRef idx="1">
+              <a:schemeClr val="accent1"/>
+            </a:fillRef>
+            <a:effectRef idx="0">
+              <a:schemeClr val="accent1"/>
+            </a:effectRef>
+            <a:fontRef idx="minor">
+              <a:schemeClr val="lt1"/>
+            </a:fontRef>
+          </p:style>
+          <p:txBody>
+            <a:bodyPr rtlCol="0" anchor="ctr"/>
+            <a:lstStyle/>
+            <a:p>
+              <a:pPr algn="ctr"/>
+              <a:endParaRPr lang="fr-FR"/>
+            </a:p>
+          </p:txBody>
+        </p:sp>
+      </p:grpSp>
+    </p:spTree>
+    <p:extLst>
+      <p:ext uri="{BB962C8B-B14F-4D97-AF65-F5344CB8AC3E}">
+        <p14:creationId xmlns:p14="http://schemas.microsoft.com/office/powerpoint/2010/main" val="2486949282"/>
+      </p:ext>
+    </p:extLst>
+  </p:cSld>
+  <p:clrMapOvr>
+    <a:masterClrMapping/>
+  </p:clrMapOvr>
+</p:sld>
+</file>
+
+<file path=ppt/slides/slide11.xml><?xml version="1.0" encoding="utf-8"?>
+<p:sld xmlns:a="http://schemas.openxmlformats.org/drawingml/2006/main" xmlns:r="http://schemas.openxmlformats.org/officeDocument/2006/relationships" xmlns:p="http://schemas.openxmlformats.org/presentationml/2006/main">
+  <p:cSld>
+    <p:spTree>
+      <p:nvGrpSpPr>
+        <p:cNvPr id="1" name=""/>
+        <p:cNvGrpSpPr/>
+        <p:nvPr/>
+      </p:nvGrpSpPr>
+      <p:grpSpPr>
+        <a:xfrm>
+          <a:off x="0" y="0"/>
+          <a:ext cx="0" cy="0"/>
+          <a:chOff x="0" y="0"/>
+          <a:chExt cx="0" cy="0"/>
+        </a:xfrm>
+      </p:grpSpPr>
+      <p:sp>
+        <p:nvSpPr>
+          <p:cNvPr id="2" name="Titre 1">
+            <a:extLst>
+              <a:ext uri="{FF2B5EF4-FFF2-40B4-BE49-F238E27FC236}">
+                <a16:creationId xmlns:a16="http://schemas.microsoft.com/office/drawing/2014/main" id="{55FBCC43-837A-449B-9003-DB61CEBFC45E}"/>
+              </a:ext>
+            </a:extLst>
+          </p:cNvPr>
+          <p:cNvSpPr>
+            <a:spLocks noGrp="1"/>
+          </p:cNvSpPr>
+          <p:nvPr>
+            <p:ph type="title"/>
+          </p:nvPr>
+        </p:nvSpPr>
+        <p:spPr/>
+        <p:txBody>
+          <a:bodyPr/>
+          <a:lstStyle/>
+          <a:p>
+            <a:endParaRPr lang="fr-FR"/>
+          </a:p>
+        </p:txBody>
+      </p:sp>
+      <p:sp>
+        <p:nvSpPr>
+          <p:cNvPr id="3" name="Espace réservé du contenu 2">
+            <a:extLst>
+              <a:ext uri="{FF2B5EF4-FFF2-40B4-BE49-F238E27FC236}">
+                <a16:creationId xmlns:a16="http://schemas.microsoft.com/office/drawing/2014/main" id="{CDC2F87E-4A5D-4917-ACEE-36FF2639BFC4}"/>
+              </a:ext>
+            </a:extLst>
+          </p:cNvPr>
+          <p:cNvSpPr>
+            <a:spLocks noGrp="1"/>
+          </p:cNvSpPr>
+          <p:nvPr>
+            <p:ph sz="half" idx="1"/>
+          </p:nvPr>
+        </p:nvSpPr>
+        <p:spPr/>
+        <p:txBody>
+          <a:bodyPr/>
+          <a:lstStyle/>
+          <a:p>
+            <a:endParaRPr lang="fr-FR"/>
+          </a:p>
+        </p:txBody>
+      </p:sp>
+      <p:sp>
+        <p:nvSpPr>
+          <p:cNvPr id="4" name="Espace réservé du contenu 3">
+            <a:extLst>
+              <a:ext uri="{FF2B5EF4-FFF2-40B4-BE49-F238E27FC236}">
+                <a16:creationId xmlns:a16="http://schemas.microsoft.com/office/drawing/2014/main" id="{34554D69-7B51-4870-AFF8-43863C4BC76F}"/>
+              </a:ext>
+            </a:extLst>
+          </p:cNvPr>
+          <p:cNvSpPr>
+            <a:spLocks noGrp="1"/>
+          </p:cNvSpPr>
+          <p:nvPr>
+            <p:ph sz="half" idx="2"/>
+          </p:nvPr>
+        </p:nvSpPr>
+        <p:spPr/>
+        <p:txBody>
+          <a:bodyPr/>
+          <a:lstStyle/>
+          <a:p>
+            <a:endParaRPr lang="fr-FR"/>
+          </a:p>
+        </p:txBody>
+      </p:sp>
+    </p:spTree>
+    <p:extLst>
+      <p:ext uri="{BB962C8B-B14F-4D97-AF65-F5344CB8AC3E}">
+        <p14:creationId xmlns:p14="http://schemas.microsoft.com/office/powerpoint/2010/main" val="3909463577"/>
+      </p:ext>
+    </p:extLst>
+  </p:cSld>
+  <p:clrMapOvr>
+    <a:masterClrMapping/>
+  </p:clrMapOvr>
+</p:sld>
+</file>
+
+<file path=ppt/slides/slide12.xml><?xml version="1.0" encoding="utf-8"?>
+<p:sld xmlns:a="http://schemas.openxmlformats.org/drawingml/2006/main" xmlns:r="http://schemas.openxmlformats.org/officeDocument/2006/relationships" xmlns:p="http://schemas.openxmlformats.org/presentationml/2006/main">
+  <p:cSld>
+    <p:spTree>
+      <p:nvGrpSpPr>
+        <p:cNvPr id="1" name=""/>
+        <p:cNvGrpSpPr/>
+        <p:nvPr/>
+      </p:nvGrpSpPr>
+      <p:grpSpPr>
+        <a:xfrm>
+          <a:off x="0" y="0"/>
+          <a:ext cx="0" cy="0"/>
+          <a:chOff x="0" y="0"/>
+          <a:chExt cx="0" cy="0"/>
+        </a:xfrm>
+      </p:grpSpPr>
+      <p:sp>
+        <p:nvSpPr>
+          <p:cNvPr id="2" name="Titre 1">
+            <a:extLst>
+              <a:ext uri="{FF2B5EF4-FFF2-40B4-BE49-F238E27FC236}">
+                <a16:creationId xmlns:a16="http://schemas.microsoft.com/office/drawing/2014/main" id="{CB0F2A71-D1A5-41AD-81E9-552E64941F09}"/>
+              </a:ext>
+            </a:extLst>
+          </p:cNvPr>
+          <p:cNvSpPr>
+            <a:spLocks noGrp="1"/>
+          </p:cNvSpPr>
+          <p:nvPr>
+            <p:ph type="title"/>
+          </p:nvPr>
+        </p:nvSpPr>
+        <p:spPr/>
+        <p:txBody>
+          <a:bodyPr/>
+          <a:lstStyle/>
+          <a:p>
+            <a:endParaRPr lang="fr-FR"/>
+          </a:p>
+        </p:txBody>
+      </p:sp>
+      <p:sp>
+        <p:nvSpPr>
+          <p:cNvPr id="3" name="Espace réservé du contenu 2">
+            <a:extLst>
+              <a:ext uri="{FF2B5EF4-FFF2-40B4-BE49-F238E27FC236}">
+                <a16:creationId xmlns:a16="http://schemas.microsoft.com/office/drawing/2014/main" id="{4308E557-5902-4334-BDEA-32FFAFF02310}"/>
+              </a:ext>
+            </a:extLst>
+          </p:cNvPr>
+          <p:cNvSpPr>
+            <a:spLocks noGrp="1"/>
+          </p:cNvSpPr>
+          <p:nvPr>
+            <p:ph sz="half" idx="1"/>
+          </p:nvPr>
+        </p:nvSpPr>
+        <p:spPr/>
+        <p:txBody>
+          <a:bodyPr/>
+          <a:lstStyle/>
+          <a:p>
+            <a:endParaRPr lang="fr-FR"/>
+          </a:p>
+        </p:txBody>
+      </p:sp>
+      <p:sp>
+        <p:nvSpPr>
+          <p:cNvPr id="4" name="Espace réservé du contenu 3">
+            <a:extLst>
+              <a:ext uri="{FF2B5EF4-FFF2-40B4-BE49-F238E27FC236}">
+                <a16:creationId xmlns:a16="http://schemas.microsoft.com/office/drawing/2014/main" id="{5735753E-C623-428B-9D19-DE230DE897E9}"/>
+              </a:ext>
+            </a:extLst>
+          </p:cNvPr>
+          <p:cNvSpPr>
+            <a:spLocks noGrp="1"/>
+          </p:cNvSpPr>
+          <p:nvPr>
+            <p:ph sz="half" idx="2"/>
+          </p:nvPr>
+        </p:nvSpPr>
+        <p:spPr/>
+        <p:txBody>
+          <a:bodyPr/>
+          <a:lstStyle/>
+          <a:p>
+            <a:endParaRPr lang="fr-FR"/>
+          </a:p>
+        </p:txBody>
+      </p:sp>
+    </p:spTree>
+    <p:extLst>
+      <p:ext uri="{BB962C8B-B14F-4D97-AF65-F5344CB8AC3E}">
+        <p14:creationId xmlns:p14="http://schemas.microsoft.com/office/powerpoint/2010/main" val="261432503"/>
+      </p:ext>
+    </p:extLst>
+  </p:cSld>
+  <p:clrMapOvr>
+    <a:masterClrMapping/>
+  </p:clrMapOvr>
+</p:sld>
+</file>
+
+<file path=ppt/slides/slide13.xml><?xml version="1.0" encoding="utf-8"?>
+<p:sld xmlns:a="http://schemas.openxmlformats.org/drawingml/2006/main" xmlns:r="http://schemas.openxmlformats.org/officeDocument/2006/relationships" xmlns:p="http://schemas.openxmlformats.org/presentationml/2006/main">
+  <p:cSld>
+    <p:spTree>
+      <p:nvGrpSpPr>
+        <p:cNvPr id="1" name=""/>
+        <p:cNvGrpSpPr/>
+        <p:nvPr/>
+      </p:nvGrpSpPr>
+      <p:grpSpPr>
+        <a:xfrm>
+          <a:off x="0" y="0"/>
+          <a:ext cx="0" cy="0"/>
+          <a:chOff x="0" y="0"/>
+          <a:chExt cx="0" cy="0"/>
+        </a:xfrm>
+      </p:grpSpPr>
+      <p:sp>
+        <p:nvSpPr>
+          <p:cNvPr id="2" name="Titre 1">
+            <a:extLst>
+              <a:ext uri="{FF2B5EF4-FFF2-40B4-BE49-F238E27FC236}">
+                <a16:creationId xmlns:a16="http://schemas.microsoft.com/office/drawing/2014/main" id="{D6B36F0C-7B67-4379-BC33-334BEBFBAE01}"/>
+              </a:ext>
+            </a:extLst>
+          </p:cNvPr>
+          <p:cNvSpPr>
+            <a:spLocks noGrp="1"/>
+          </p:cNvSpPr>
+          <p:nvPr>
+            <p:ph type="title"/>
+          </p:nvPr>
+        </p:nvSpPr>
+        <p:spPr/>
+        <p:txBody>
+          <a:bodyPr/>
+          <a:lstStyle/>
+          <a:p>
+            <a:endParaRPr lang="fr-FR"/>
+          </a:p>
+        </p:txBody>
+      </p:sp>
+      <p:sp>
+        <p:nvSpPr>
+          <p:cNvPr id="3" name="Espace réservé du contenu 2">
+            <a:extLst>
+              <a:ext uri="{FF2B5EF4-FFF2-40B4-BE49-F238E27FC236}">
+                <a16:creationId xmlns:a16="http://schemas.microsoft.com/office/drawing/2014/main" id="{964A7E8D-4993-4B3D-90BB-D943BEB16056}"/>
+              </a:ext>
+            </a:extLst>
+          </p:cNvPr>
+          <p:cNvSpPr>
+            <a:spLocks noGrp="1"/>
+          </p:cNvSpPr>
+          <p:nvPr>
+            <p:ph sz="half" idx="1"/>
+          </p:nvPr>
+        </p:nvSpPr>
+        <p:spPr/>
+        <p:txBody>
+          <a:bodyPr/>
+          <a:lstStyle/>
+          <a:p>
+            <a:endParaRPr lang="fr-FR"/>
+          </a:p>
+        </p:txBody>
+      </p:sp>
+      <p:sp>
+        <p:nvSpPr>
+          <p:cNvPr id="4" name="Espace réservé du contenu 3">
+            <a:extLst>
+              <a:ext uri="{FF2B5EF4-FFF2-40B4-BE49-F238E27FC236}">
+                <a16:creationId xmlns:a16="http://schemas.microsoft.com/office/drawing/2014/main" id="{11D8B103-402A-499A-BDED-BDC9CE52F709}"/>
+              </a:ext>
+            </a:extLst>
+          </p:cNvPr>
+          <p:cNvSpPr>
+            <a:spLocks noGrp="1"/>
+          </p:cNvSpPr>
+          <p:nvPr>
+            <p:ph sz="half" idx="2"/>
+          </p:nvPr>
+        </p:nvSpPr>
+        <p:spPr/>
+        <p:txBody>
+          <a:bodyPr/>
+          <a:lstStyle/>
+          <a:p>
+            <a:endParaRPr lang="fr-FR"/>
+          </a:p>
+        </p:txBody>
+      </p:sp>
+    </p:spTree>
+    <p:extLst>
+      <p:ext uri="{BB962C8B-B14F-4D97-AF65-F5344CB8AC3E}">
+        <p14:creationId xmlns:p14="http://schemas.microsoft.com/office/powerpoint/2010/main" val="197919943"/>
+      </p:ext>
+    </p:extLst>
+  </p:cSld>
+  <p:clrMapOvr>
+    <a:masterClrMapping/>
+  </p:clrMapOvr>
+</p:sld>
+</file>
+
+<file path=ppt/slides/slide14.xml><?xml version="1.0" encoding="utf-8"?>
+<p:sld xmlns:a="http://schemas.openxmlformats.org/drawingml/2006/main" xmlns:r="http://schemas.openxmlformats.org/officeDocument/2006/relationships" xmlns:p="http://schemas.openxmlformats.org/presentationml/2006/main">
+  <p:cSld>
+    <p:spTree>
+      <p:nvGrpSpPr>
+        <p:cNvPr id="1" name=""/>
+        <p:cNvGrpSpPr/>
+        <p:nvPr/>
+      </p:nvGrpSpPr>
+      <p:grpSpPr>
+        <a:xfrm>
+          <a:off x="0" y="0"/>
+          <a:ext cx="0" cy="0"/>
+          <a:chOff x="0" y="0"/>
+          <a:chExt cx="0" cy="0"/>
+        </a:xfrm>
+      </p:grpSpPr>
+      <p:pic>
+        <p:nvPicPr>
+          <p:cNvPr id="9" name="Image 8">
+            <a:extLst>
+              <a:ext uri="{FF2B5EF4-FFF2-40B4-BE49-F238E27FC236}">
+                <a16:creationId xmlns:a16="http://schemas.microsoft.com/office/drawing/2014/main" id="{EBA92942-A1D1-447B-B42D-48BC338F9B89}"/>
+              </a:ext>
+            </a:extLst>
+          </p:cNvPr>
+          <p:cNvPicPr>
+            <a:picLocks noChangeAspect="1"/>
+          </p:cNvPicPr>
+          <p:nvPr/>
+        </p:nvPicPr>
+        <p:blipFill rotWithShape="1">
+          <a:blip r:embed="rId2"/>
+          <a:srcRect l="61377" t="5678" b="14445"/>
+          <a:stretch/>
+        </p:blipFill>
+        <p:spPr>
+          <a:xfrm>
+            <a:off x="8516983" y="1927996"/>
+            <a:ext cx="3109868" cy="4843834"/>
+          </a:xfrm>
+          <a:prstGeom prst="rect">
+            <a:avLst/>
+          </a:prstGeom>
+        </p:spPr>
+      </p:pic>
+      <p:sp>
+        <p:nvSpPr>
+          <p:cNvPr id="2" name="Titre 1">
+            <a:extLst>
+              <a:ext uri="{FF2B5EF4-FFF2-40B4-BE49-F238E27FC236}">
+                <a16:creationId xmlns:a16="http://schemas.microsoft.com/office/drawing/2014/main" id="{0D7906A2-D678-43D3-B258-4780D44C7C6E}"/>
               </a:ext>
             </a:extLst>
           </p:cNvPr>
@@ -13163,7 +13418,7 @@
         <p:spPr>
           <a:xfrm>
             <a:off x="565149" y="1204721"/>
-            <a:ext cx="8267296" cy="827987"/>
+            <a:ext cx="10912148" cy="1446550"/>
           </a:xfrm>
         </p:spPr>
         <p:txBody>
@@ -13173,168 +13428,156 @@
           <a:lstStyle/>
           <a:p>
             <a:r>
+              <a:rPr lang="fr-FR" sz="3600" dirty="0" err="1"/>
+              <a:t>Reactivation</a:t>
+            </a:r>
+            <a:r>
               <a:rPr lang="fr-FR" sz="3600" dirty="0"/>
-              <a:t>Associative </a:t>
+              <a:t> of </a:t>
             </a:r>
             <a:r>
               <a:rPr lang="fr-FR" sz="3600" dirty="0" err="1"/>
-              <a:t>Inference</a:t>
+              <a:t>associated</a:t>
+            </a:r>
+            <a:r>
+              <a:rPr lang="fr-FR" sz="3600" dirty="0"/>
+              <a:t> stimuli </a:t>
+            </a:r>
+            <a:r>
+              <a:rPr lang="fr-FR" sz="3600" dirty="0" err="1"/>
+              <a:t>with</a:t>
+            </a:r>
+            <a:r>
+              <a:rPr lang="fr-FR" sz="3600" dirty="0"/>
+              <a:t> </a:t>
+            </a:r>
+            <a:r>
+              <a:rPr lang="fr-FR" sz="3600" dirty="0" err="1"/>
+              <a:t>learning</a:t>
             </a:r>
             <a:endParaRPr lang="fr-FR" sz="3600" dirty="0"/>
-          </a:p>
-        </p:txBody>
-      </p:sp>
-      <p:graphicFrame>
-        <p:nvGraphicFramePr>
-          <p:cNvPr id="4" name="Espace réservé du contenu 3">
-            <a:extLst>
-              <a:ext uri="{FF2B5EF4-FFF2-40B4-BE49-F238E27FC236}">
-                <a16:creationId xmlns:a16="http://schemas.microsoft.com/office/drawing/2014/main" id="{F6355573-05FF-4E18-932A-B8C967B66F7B}"/>
-              </a:ext>
-            </a:extLst>
-          </p:cNvPr>
-          <p:cNvGraphicFramePr>
-            <a:graphicFrameLocks noGrp="1"/>
-          </p:cNvGraphicFramePr>
-          <p:nvPr>
-            <p:ph sz="half" idx="1"/>
-            <p:extLst>
-              <p:ext uri="{D42A27DB-BD31-4B8C-83A1-F6EECF244321}">
-                <p14:modId xmlns:p14="http://schemas.microsoft.com/office/powerpoint/2010/main" val="1134226442"/>
-              </p:ext>
-            </p:extLst>
-          </p:nvPr>
-        </p:nvGraphicFramePr>
-        <p:xfrm>
-          <a:off x="565150" y="2692400"/>
-          <a:ext cx="3828174" cy="1270000"/>
-        </p:xfrm>
-        <a:graphic>
-          <a:graphicData uri="http://schemas.openxmlformats.org/drawingml/2006/diagram">
-            <dgm:relIds xmlns:dgm="http://schemas.openxmlformats.org/drawingml/2006/diagram" xmlns:r="http://schemas.openxmlformats.org/officeDocument/2006/relationships" r:dm="rId2" r:lo="rId3" r:qs="rId4" r:cs="rId5"/>
-          </a:graphicData>
-        </a:graphic>
-      </p:graphicFrame>
-      <p:graphicFrame>
-        <p:nvGraphicFramePr>
-          <p:cNvPr id="21" name="Espace réservé du contenu 3">
-            <a:extLst>
-              <a:ext uri="{FF2B5EF4-FFF2-40B4-BE49-F238E27FC236}">
-                <a16:creationId xmlns:a16="http://schemas.microsoft.com/office/drawing/2014/main" id="{43B1C0F4-6B14-488B-BA57-19551FA7DC3F}"/>
-              </a:ext>
-            </a:extLst>
-          </p:cNvPr>
-          <p:cNvGraphicFramePr>
-            <a:graphicFrameLocks/>
-          </p:cNvGraphicFramePr>
-          <p:nvPr>
-            <p:extLst>
-              <p:ext uri="{D42A27DB-BD31-4B8C-83A1-F6EECF244321}">
-                <p14:modId xmlns:p14="http://schemas.microsoft.com/office/powerpoint/2010/main" val="96608354"/>
-              </p:ext>
-            </p:extLst>
-          </p:nvPr>
-        </p:nvGraphicFramePr>
-        <p:xfrm>
-          <a:off x="565149" y="4003529"/>
-          <a:ext cx="3828174" cy="1270000"/>
-        </p:xfrm>
-        <a:graphic>
-          <a:graphicData uri="http://schemas.openxmlformats.org/drawingml/2006/diagram">
-            <dgm:relIds xmlns:dgm="http://schemas.openxmlformats.org/drawingml/2006/diagram" xmlns:r="http://schemas.openxmlformats.org/officeDocument/2006/relationships" r:dm="rId7" r:lo="rId8" r:qs="rId9" r:cs="rId10"/>
-          </a:graphicData>
-        </a:graphic>
-      </p:graphicFrame>
-      <p:graphicFrame>
-        <p:nvGraphicFramePr>
-          <p:cNvPr id="22" name="Espace réservé du contenu 3">
-            <a:extLst>
-              <a:ext uri="{FF2B5EF4-FFF2-40B4-BE49-F238E27FC236}">
-                <a16:creationId xmlns:a16="http://schemas.microsoft.com/office/drawing/2014/main" id="{822173BF-012D-42F5-8881-0EAFA7564A19}"/>
-              </a:ext>
-            </a:extLst>
-          </p:cNvPr>
-          <p:cNvGraphicFramePr>
-            <a:graphicFrameLocks/>
-          </p:cNvGraphicFramePr>
-          <p:nvPr>
-            <p:extLst>
-              <p:ext uri="{D42A27DB-BD31-4B8C-83A1-F6EECF244321}">
-                <p14:modId xmlns:p14="http://schemas.microsoft.com/office/powerpoint/2010/main" val="2684277310"/>
-              </p:ext>
-            </p:extLst>
-          </p:nvPr>
-        </p:nvGraphicFramePr>
-        <p:xfrm>
-          <a:off x="7034266" y="3220508"/>
-          <a:ext cx="3828174" cy="1270000"/>
-        </p:xfrm>
-        <a:graphic>
-          <a:graphicData uri="http://schemas.openxmlformats.org/drawingml/2006/diagram">
-            <dgm:relIds xmlns:dgm="http://schemas.openxmlformats.org/drawingml/2006/diagram" xmlns:r="http://schemas.openxmlformats.org/officeDocument/2006/relationships" r:dm="rId12" r:lo="rId13" r:qs="rId14" r:cs="rId15"/>
-          </a:graphicData>
-        </a:graphic>
-      </p:graphicFrame>
-      <p:sp>
-        <p:nvSpPr>
-          <p:cNvPr id="10" name="Flèche : droite 9">
-            <a:extLst>
-              <a:ext uri="{FF2B5EF4-FFF2-40B4-BE49-F238E27FC236}">
-                <a16:creationId xmlns:a16="http://schemas.microsoft.com/office/drawing/2014/main" id="{795BA2BE-04D0-4806-B5A4-D0575F38B4B6}"/>
-              </a:ext>
-            </a:extLst>
-          </p:cNvPr>
-          <p:cNvSpPr/>
-          <p:nvPr/>
-        </p:nvSpPr>
-        <p:spPr>
-          <a:xfrm>
-            <a:off x="5224590" y="3678268"/>
-            <a:ext cx="978408" cy="484632"/>
-          </a:xfrm>
-          <a:prstGeom prst="rightArrow">
-            <a:avLst/>
-          </a:prstGeom>
-          <a:solidFill>
-            <a:schemeClr val="bg2">
-              <a:lumMod val="50000"/>
-            </a:schemeClr>
-          </a:solidFill>
-          <a:ln>
-            <a:noFill/>
-          </a:ln>
-        </p:spPr>
-        <p:style>
-          <a:lnRef idx="2">
-            <a:schemeClr val="accent1">
-              <a:shade val="50000"/>
-            </a:schemeClr>
-          </a:lnRef>
-          <a:fillRef idx="1">
-            <a:schemeClr val="accent1"/>
-          </a:fillRef>
-          <a:effectRef idx="0">
-            <a:schemeClr val="accent1"/>
-          </a:effectRef>
-          <a:fontRef idx="minor">
-            <a:schemeClr val="lt1"/>
-          </a:fontRef>
-        </p:style>
-        <p:txBody>
-          <a:bodyPr rtlCol="0" anchor="ctr"/>
-          <a:lstStyle/>
-          <a:p>
-            <a:pPr algn="ctr"/>
-            <a:endParaRPr lang="fr-FR"/>
           </a:p>
         </p:txBody>
       </p:sp>
       <p:sp>
         <p:nvSpPr>
-          <p:cNvPr id="23" name="Titre 1">
+          <p:cNvPr id="11" name="Espace réservé du contenu 2">
             <a:extLst>
               <a:ext uri="{FF2B5EF4-FFF2-40B4-BE49-F238E27FC236}">
-                <a16:creationId xmlns:a16="http://schemas.microsoft.com/office/drawing/2014/main" id="{6F01ED53-CC15-4262-AAD1-F9717CC0B2DD}"/>
+                <a16:creationId xmlns:a16="http://schemas.microsoft.com/office/drawing/2014/main" id="{37F5FA14-6F37-46E5-A173-B2CE1A7E3EEB}"/>
+              </a:ext>
+            </a:extLst>
+          </p:cNvPr>
+          <p:cNvSpPr>
+            <a:spLocks noGrp="1"/>
+          </p:cNvSpPr>
+          <p:nvPr>
+            <p:ph sz="half" idx="1"/>
+          </p:nvPr>
+        </p:nvSpPr>
+        <p:spPr>
+          <a:xfrm>
+            <a:off x="565111" y="2691637"/>
+            <a:ext cx="5139003" cy="3189733"/>
+          </a:xfrm>
+        </p:spPr>
+        <p:txBody>
+          <a:bodyPr>
+            <a:normAutofit/>
+          </a:bodyPr>
+          <a:lstStyle/>
+          <a:p>
+            <a:r>
+              <a:rPr lang="en-US" sz="1800" b="0" i="0" dirty="0">
+                <a:solidFill>
+                  <a:srgbClr val="000000"/>
+                </a:solidFill>
+                <a:effectLst/>
+                <a:latin typeface="AdvPSA183"/>
+              </a:rPr>
+              <a:t>Greater </a:t>
+            </a:r>
+            <a:r>
+              <a:rPr lang="en-US" sz="1800" b="1" i="0" dirty="0">
+                <a:solidFill>
+                  <a:srgbClr val="000000"/>
+                </a:solidFill>
+                <a:effectLst/>
+                <a:latin typeface="AdvPSA183"/>
+              </a:rPr>
+              <a:t>learning-related hippocampal decreases </a:t>
+            </a:r>
+            <a:r>
+              <a:rPr lang="en-US" sz="1800" b="0" i="0" dirty="0">
+                <a:solidFill>
+                  <a:srgbClr val="000000"/>
+                </a:solidFill>
+                <a:effectLst/>
+                <a:latin typeface="AdvPSA183"/>
+              </a:rPr>
+              <a:t>(first - last parameter estimate) across encoding repetitions were associated with greater AC performance at test.</a:t>
+            </a:r>
+            <a:br>
+              <a:rPr lang="en-US" sz="1800" b="0" i="0" dirty="0">
+                <a:solidFill>
+                  <a:srgbClr val="000000"/>
+                </a:solidFill>
+                <a:effectLst/>
+                <a:latin typeface="AdvPSA183"/>
+              </a:rPr>
+            </a:br>
+            <a:endParaRPr lang="en-US" sz="1800" b="0" i="0" dirty="0">
+              <a:solidFill>
+                <a:srgbClr val="000000"/>
+              </a:solidFill>
+              <a:effectLst/>
+              <a:latin typeface="AdvPSA183"/>
+            </a:endParaRPr>
+          </a:p>
+          <a:p>
+            <a:r>
+              <a:rPr lang="en-US" sz="1800" b="0" i="0" dirty="0">
+                <a:solidFill>
+                  <a:srgbClr val="000000"/>
+                </a:solidFill>
+                <a:effectLst/>
+                <a:latin typeface="AdvPSA183"/>
+              </a:rPr>
+              <a:t>Greater </a:t>
+            </a:r>
+            <a:r>
+              <a:rPr lang="en-US" sz="1800" b="1" i="0" dirty="0">
+                <a:solidFill>
+                  <a:srgbClr val="000000"/>
+                </a:solidFill>
+                <a:effectLst/>
+                <a:latin typeface="AdvPSA183"/>
+              </a:rPr>
+              <a:t>activation increases in VMPFC </a:t>
+            </a:r>
+            <a:r>
+              <a:rPr lang="en-US" sz="1800" b="0" i="0" dirty="0">
+                <a:solidFill>
+                  <a:srgbClr val="000000"/>
+                </a:solidFill>
+                <a:effectLst/>
+                <a:latin typeface="AdvPSA183"/>
+              </a:rPr>
+              <a:t>(last-first parameter estimate) across encoding repetitions were associated with greater AC performance at test</a:t>
+            </a:r>
+            <a:br>
+              <a:rPr lang="en-US" dirty="0"/>
+            </a:br>
+            <a:endParaRPr lang="fr-FR" dirty="0"/>
+          </a:p>
+        </p:txBody>
+      </p:sp>
+      <p:sp>
+        <p:nvSpPr>
+          <p:cNvPr id="12" name="Titre 1">
+            <a:extLst>
+              <a:ext uri="{FF2B5EF4-FFF2-40B4-BE49-F238E27FC236}">
+                <a16:creationId xmlns:a16="http://schemas.microsoft.com/office/drawing/2014/main" id="{81EBC3AA-3742-4C43-A032-EB725B1EF27C}"/>
               </a:ext>
             </a:extLst>
           </p:cNvPr>
@@ -13345,7 +13588,7 @@
         </p:nvSpPr>
         <p:spPr>
           <a:xfrm>
-            <a:off x="565148" y="460882"/>
+            <a:off x="565149" y="393479"/>
             <a:ext cx="11626851" cy="827987"/>
           </a:xfrm>
           <a:prstGeom prst="rect">
@@ -13383,7 +13626,7 @@
               <a:rPr lang="fr-FR" sz="4800" dirty="0">
                 <a:solidFill>
                   <a:schemeClr val="bg2">
-                    <a:lumMod val="50000"/>
+                    <a:lumMod val="90000"/>
                   </a:schemeClr>
                 </a:solidFill>
               </a:rPr>
@@ -13393,7 +13636,7 @@
               <a:rPr lang="fr-FR" dirty="0">
                 <a:solidFill>
                   <a:schemeClr val="bg2">
-                    <a:lumMod val="50000"/>
+                    <a:lumMod val="90000"/>
                   </a:schemeClr>
                 </a:solidFill>
               </a:rPr>
@@ -13402,10 +13645,39 @@
           </a:p>
         </p:txBody>
       </p:sp>
+      <p:pic>
+        <p:nvPicPr>
+          <p:cNvPr id="10" name="Image 9">
+            <a:extLst>
+              <a:ext uri="{FF2B5EF4-FFF2-40B4-BE49-F238E27FC236}">
+                <a16:creationId xmlns:a16="http://schemas.microsoft.com/office/drawing/2014/main" id="{1457A95A-06A6-422B-BBFB-15B689CE9577}"/>
+              </a:ext>
+            </a:extLst>
+          </p:cNvPr>
+          <p:cNvPicPr>
+            <a:picLocks noChangeAspect="1"/>
+          </p:cNvPicPr>
+          <p:nvPr/>
+        </p:nvPicPr>
+        <p:blipFill rotWithShape="1">
+          <a:blip r:embed="rId2"/>
+          <a:srcRect l="2486" t="5678" r="76964" b="14445"/>
+          <a:stretch/>
+        </p:blipFill>
+        <p:spPr>
+          <a:xfrm>
+            <a:off x="6862354" y="1927996"/>
+            <a:ext cx="1654629" cy="4843834"/>
+          </a:xfrm>
+          <a:prstGeom prst="rect">
+            <a:avLst/>
+          </a:prstGeom>
+        </p:spPr>
+      </p:pic>
     </p:spTree>
     <p:extLst>
       <p:ext uri="{BB962C8B-B14F-4D97-AF65-F5344CB8AC3E}">
-        <p14:creationId xmlns:p14="http://schemas.microsoft.com/office/powerpoint/2010/main" val="3085752662"/>
+        <p14:creationId xmlns:p14="http://schemas.microsoft.com/office/powerpoint/2010/main" val="2272786622"/>
       </p:ext>
     </p:extLst>
   </p:cSld>
@@ -13415,7 +13687,7 @@
 </p:sld>
 </file>
 
-<file path=ppt/slides/slide4.xml><?xml version="1.0" encoding="utf-8"?>
+<file path=ppt/slides/slide15.xml><?xml version="1.0" encoding="utf-8"?>
 <p:sld xmlns:a="http://schemas.openxmlformats.org/drawingml/2006/main" xmlns:r="http://schemas.openxmlformats.org/officeDocument/2006/relationships" xmlns:p="http://schemas.openxmlformats.org/presentationml/2006/main">
   <p:cSld>
     <p:spTree>
@@ -13955,7 +14227,540 @@
 </p:sld>
 </file>
 
-<file path=ppt/slides/slide5.xml><?xml version="1.0" encoding="utf-8"?>
+<file path=ppt/slides/slide2.xml><?xml version="1.0" encoding="utf-8"?>
+<p:sld xmlns:a="http://schemas.openxmlformats.org/drawingml/2006/main" xmlns:r="http://schemas.openxmlformats.org/officeDocument/2006/relationships" xmlns:p="http://schemas.openxmlformats.org/presentationml/2006/main">
+  <p:cSld>
+    <p:bg>
+      <p:bgPr>
+        <a:solidFill>
+          <a:schemeClr val="bg1"/>
+        </a:solidFill>
+        <a:effectLst/>
+      </p:bgPr>
+    </p:bg>
+    <p:spTree>
+      <p:nvGrpSpPr>
+        <p:cNvPr id="1" name=""/>
+        <p:cNvGrpSpPr/>
+        <p:nvPr/>
+      </p:nvGrpSpPr>
+      <p:grpSpPr>
+        <a:xfrm>
+          <a:off x="0" y="0"/>
+          <a:ext cx="0" cy="0"/>
+          <a:chOff x="0" y="0"/>
+          <a:chExt cx="0" cy="0"/>
+        </a:xfrm>
+      </p:grpSpPr>
+      <p:sp>
+        <p:nvSpPr>
+          <p:cNvPr id="12" name="Rectangle 11">
+            <a:extLst>
+              <a:ext uri="{FF2B5EF4-FFF2-40B4-BE49-F238E27FC236}">
+                <a16:creationId xmlns:a16="http://schemas.microsoft.com/office/drawing/2014/main" id="{1D227D51-204B-ED48-AF9A-0BE9633FE04A}"/>
+              </a:ext>
+              <a:ext uri="{C183D7F6-B498-43B3-948B-1728B52AA6E4}">
+                <adec:decorative xmlns:adec="http://schemas.microsoft.com/office/drawing/2017/decorative" val="1"/>
+              </a:ext>
+            </a:extLst>
+          </p:cNvPr>
+          <p:cNvSpPr>
+            <a:spLocks noGrp="1" noRot="1" noChangeAspect="1" noMove="1" noResize="1" noEditPoints="1" noAdjustHandles="1" noChangeArrowheads="1" noChangeShapeType="1" noTextEdit="1"/>
+          </p:cNvSpPr>
+          <p:nvPr>
+            <p:extLst>
+              <p:ext uri="{386F3935-93C4-4BCD-93E2-E3B085C9AB24}">
+                <p16:designElem xmlns:p16="http://schemas.microsoft.com/office/powerpoint/2015/main" val="1"/>
+              </p:ext>
+            </p:extLst>
+          </p:nvPr>
+        </p:nvSpPr>
+        <p:spPr>
+          <a:xfrm>
+            <a:off x="5224243" y="1096772"/>
+            <a:ext cx="6503180" cy="5761228"/>
+          </a:xfrm>
+          <a:prstGeom prst="rect">
+            <a:avLst/>
+          </a:prstGeom>
+          <a:solidFill>
+            <a:schemeClr val="bg2"/>
+          </a:solidFill>
+          <a:ln>
+            <a:noFill/>
+          </a:ln>
+        </p:spPr>
+        <p:style>
+          <a:lnRef idx="2">
+            <a:schemeClr val="accent1">
+              <a:shade val="50000"/>
+            </a:schemeClr>
+          </a:lnRef>
+          <a:fillRef idx="1">
+            <a:schemeClr val="accent1"/>
+          </a:fillRef>
+          <a:effectRef idx="0">
+            <a:schemeClr val="accent1"/>
+          </a:effectRef>
+          <a:fontRef idx="minor">
+            <a:schemeClr val="lt1"/>
+          </a:fontRef>
+        </p:style>
+        <p:txBody>
+          <a:bodyPr rtlCol="0" anchor="ctr"/>
+          <a:lstStyle/>
+          <a:p>
+            <a:pPr algn="ctr"/>
+            <a:endParaRPr lang="en-US"/>
+          </a:p>
+        </p:txBody>
+      </p:sp>
+      <p:sp>
+        <p:nvSpPr>
+          <p:cNvPr id="14" name="Cross 13">
+            <a:extLst>
+              <a:ext uri="{FF2B5EF4-FFF2-40B4-BE49-F238E27FC236}">
+                <a16:creationId xmlns:a16="http://schemas.microsoft.com/office/drawing/2014/main" id="{57A23F45-CDAE-8A40-8DE7-92A0BBC119B7}"/>
+              </a:ext>
+              <a:ext uri="{C183D7F6-B498-43B3-948B-1728B52AA6E4}">
+                <adec:decorative xmlns:adec="http://schemas.microsoft.com/office/drawing/2017/decorative" val="1"/>
+              </a:ext>
+            </a:extLst>
+          </p:cNvPr>
+          <p:cNvSpPr>
+            <a:spLocks noGrp="1" noRot="1" noChangeAspect="1" noMove="1" noResize="1" noEditPoints="1" noAdjustHandles="1" noChangeArrowheads="1" noChangeShapeType="1" noTextEdit="1"/>
+          </p:cNvSpPr>
+          <p:nvPr>
+            <p:extLst>
+              <p:ext uri="{386F3935-93C4-4BCD-93E2-E3B085C9AB24}">
+                <p16:designElem xmlns:p16="http://schemas.microsoft.com/office/powerpoint/2015/main" val="1"/>
+              </p:ext>
+            </p:extLst>
+          </p:nvPr>
+        </p:nvSpPr>
+        <p:spPr>
+          <a:xfrm>
+            <a:off x="5016811" y="5624450"/>
+            <a:ext cx="524933" cy="524933"/>
+          </a:xfrm>
+          <a:prstGeom prst="plus">
+            <a:avLst>
+              <a:gd name="adj" fmla="val 39516"/>
+            </a:avLst>
+          </a:prstGeom>
+          <a:solidFill>
+            <a:schemeClr val="tx1"/>
+          </a:solidFill>
+          <a:ln>
+            <a:noFill/>
+          </a:ln>
+        </p:spPr>
+        <p:style>
+          <a:lnRef idx="2">
+            <a:schemeClr val="accent1">
+              <a:shade val="50000"/>
+            </a:schemeClr>
+          </a:lnRef>
+          <a:fillRef idx="1">
+            <a:schemeClr val="accent1"/>
+          </a:fillRef>
+          <a:effectRef idx="0">
+            <a:schemeClr val="accent1"/>
+          </a:effectRef>
+          <a:fontRef idx="minor">
+            <a:schemeClr val="lt1"/>
+          </a:fontRef>
+        </p:style>
+        <p:txBody>
+          <a:bodyPr rtlCol="0" anchor="ctr"/>
+          <a:lstStyle/>
+          <a:p>
+            <a:pPr algn="ctr"/>
+            <a:endParaRPr lang="en-US"/>
+          </a:p>
+        </p:txBody>
+      </p:sp>
+      <p:sp>
+        <p:nvSpPr>
+          <p:cNvPr id="16" name="Rectangle 15">
+            <a:extLst>
+              <a:ext uri="{FF2B5EF4-FFF2-40B4-BE49-F238E27FC236}">
+                <a16:creationId xmlns:a16="http://schemas.microsoft.com/office/drawing/2014/main" id="{68546383-CCC4-544B-B0D8-DE78DE39BB78}"/>
+              </a:ext>
+              <a:ext uri="{C183D7F6-B498-43B3-948B-1728B52AA6E4}">
+                <adec:decorative xmlns:adec="http://schemas.microsoft.com/office/drawing/2017/decorative" val="1"/>
+              </a:ext>
+            </a:extLst>
+          </p:cNvPr>
+          <p:cNvSpPr>
+            <a:spLocks noGrp="1" noRot="1" noChangeAspect="1" noMove="1" noResize="1" noEditPoints="1" noAdjustHandles="1" noChangeArrowheads="1" noChangeShapeType="1" noTextEdit="1"/>
+          </p:cNvSpPr>
+          <p:nvPr>
+            <p:extLst>
+              <p:ext uri="{386F3935-93C4-4BCD-93E2-E3B085C9AB24}">
+                <p16:designElem xmlns:p16="http://schemas.microsoft.com/office/powerpoint/2015/main" val="1"/>
+              </p:ext>
+            </p:extLst>
+          </p:nvPr>
+        </p:nvSpPr>
+        <p:spPr>
+          <a:xfrm>
+            <a:off x="9881559" y="976630"/>
+            <a:ext cx="1336774" cy="120142"/>
+          </a:xfrm>
+          <a:prstGeom prst="rect">
+            <a:avLst/>
+          </a:prstGeom>
+          <a:solidFill>
+            <a:schemeClr val="tx1"/>
+          </a:solidFill>
+          <a:ln>
+            <a:noFill/>
+          </a:ln>
+        </p:spPr>
+        <p:style>
+          <a:lnRef idx="2">
+            <a:schemeClr val="accent1">
+              <a:shade val="50000"/>
+            </a:schemeClr>
+          </a:lnRef>
+          <a:fillRef idx="1">
+            <a:schemeClr val="accent1"/>
+          </a:fillRef>
+          <a:effectRef idx="0">
+            <a:schemeClr val="accent1"/>
+          </a:effectRef>
+          <a:fontRef idx="minor">
+            <a:schemeClr val="lt1"/>
+          </a:fontRef>
+        </p:style>
+        <p:txBody>
+          <a:bodyPr rtlCol="0" anchor="ctr"/>
+          <a:lstStyle/>
+          <a:p>
+            <a:pPr algn="ctr"/>
+            <a:endParaRPr lang="en-US"/>
+          </a:p>
+        </p:txBody>
+      </p:sp>
+      <p:sp useBgFill="1">
+        <p:nvSpPr>
+          <p:cNvPr id="18" name="Rectangle 17">
+            <a:extLst>
+              <a:ext uri="{FF2B5EF4-FFF2-40B4-BE49-F238E27FC236}">
+                <a16:creationId xmlns:a16="http://schemas.microsoft.com/office/drawing/2014/main" id="{6CA2C65D-0168-1245-86C8-62A8A6F7B813}"/>
+              </a:ext>
+              <a:ext uri="{C183D7F6-B498-43B3-948B-1728B52AA6E4}">
+                <adec:decorative xmlns:adec="http://schemas.microsoft.com/office/drawing/2017/decorative" val="1"/>
+              </a:ext>
+            </a:extLst>
+          </p:cNvPr>
+          <p:cNvSpPr>
+            <a:spLocks noGrp="1" noRot="1" noChangeAspect="1" noMove="1" noResize="1" noEditPoints="1" noAdjustHandles="1" noChangeArrowheads="1" noChangeShapeType="1" noTextEdit="1"/>
+          </p:cNvSpPr>
+          <p:nvPr>
+            <p:extLst>
+              <p:ext uri="{386F3935-93C4-4BCD-93E2-E3B085C9AB24}">
+                <p16:designElem xmlns:p16="http://schemas.microsoft.com/office/powerpoint/2015/main" val="1"/>
+              </p:ext>
+            </p:extLst>
+          </p:nvPr>
+        </p:nvSpPr>
+        <p:spPr>
+          <a:xfrm>
+            <a:off x="0" y="0"/>
+            <a:ext cx="12192000" cy="6858000"/>
+          </a:xfrm>
+          <a:prstGeom prst="rect">
+            <a:avLst/>
+          </a:prstGeom>
+          <a:ln>
+            <a:noFill/>
+          </a:ln>
+        </p:spPr>
+        <p:style>
+          <a:lnRef idx="2">
+            <a:schemeClr val="accent1">
+              <a:shade val="50000"/>
+            </a:schemeClr>
+          </a:lnRef>
+          <a:fillRef idx="1">
+            <a:schemeClr val="accent1"/>
+          </a:fillRef>
+          <a:effectRef idx="0">
+            <a:schemeClr val="accent1"/>
+          </a:effectRef>
+          <a:fontRef idx="minor">
+            <a:schemeClr val="lt1"/>
+          </a:fontRef>
+        </p:style>
+        <p:txBody>
+          <a:bodyPr rtlCol="0" anchor="ctr"/>
+          <a:lstStyle/>
+          <a:p>
+            <a:pPr algn="ctr"/>
+            <a:endParaRPr lang="en-US"/>
+          </a:p>
+        </p:txBody>
+      </p:sp>
+      <p:sp>
+        <p:nvSpPr>
+          <p:cNvPr id="20" name="Rectangle 19">
+            <a:extLst>
+              <a:ext uri="{FF2B5EF4-FFF2-40B4-BE49-F238E27FC236}">
+                <a16:creationId xmlns:a16="http://schemas.microsoft.com/office/drawing/2014/main" id="{755E9273-3717-C94C-9BFF-75E87E47C46A}"/>
+              </a:ext>
+              <a:ext uri="{C183D7F6-B498-43B3-948B-1728B52AA6E4}">
+                <adec:decorative xmlns:adec="http://schemas.microsoft.com/office/drawing/2017/decorative" val="1"/>
+              </a:ext>
+            </a:extLst>
+          </p:cNvPr>
+          <p:cNvSpPr>
+            <a:spLocks noGrp="1" noRot="1" noChangeAspect="1" noMove="1" noResize="1" noEditPoints="1" noAdjustHandles="1" noChangeArrowheads="1" noChangeShapeType="1" noTextEdit="1"/>
+          </p:cNvSpPr>
+          <p:nvPr>
+            <p:extLst>
+              <p:ext uri="{386F3935-93C4-4BCD-93E2-E3B085C9AB24}">
+                <p16:designElem xmlns:p16="http://schemas.microsoft.com/office/powerpoint/2015/main" val="1"/>
+              </p:ext>
+            </p:extLst>
+          </p:nvPr>
+        </p:nvSpPr>
+        <p:spPr>
+          <a:xfrm>
+            <a:off x="9881559" y="976630"/>
+            <a:ext cx="1336774" cy="120142"/>
+          </a:xfrm>
+          <a:prstGeom prst="rect">
+            <a:avLst/>
+          </a:prstGeom>
+          <a:solidFill>
+            <a:schemeClr val="tx1"/>
+          </a:solidFill>
+          <a:ln>
+            <a:noFill/>
+          </a:ln>
+        </p:spPr>
+        <p:style>
+          <a:lnRef idx="2">
+            <a:schemeClr val="accent1">
+              <a:shade val="50000"/>
+            </a:schemeClr>
+          </a:lnRef>
+          <a:fillRef idx="1">
+            <a:schemeClr val="accent1"/>
+          </a:fillRef>
+          <a:effectRef idx="0">
+            <a:schemeClr val="accent1"/>
+          </a:effectRef>
+          <a:fontRef idx="minor">
+            <a:schemeClr val="lt1"/>
+          </a:fontRef>
+        </p:style>
+        <p:txBody>
+          <a:bodyPr rtlCol="0" anchor="ctr"/>
+          <a:lstStyle/>
+          <a:p>
+            <a:pPr algn="ctr"/>
+            <a:endParaRPr lang="en-US"/>
+          </a:p>
+        </p:txBody>
+      </p:sp>
+      <p:sp>
+        <p:nvSpPr>
+          <p:cNvPr id="4" name="Titre 3">
+            <a:extLst>
+              <a:ext uri="{FF2B5EF4-FFF2-40B4-BE49-F238E27FC236}">
+                <a16:creationId xmlns:a16="http://schemas.microsoft.com/office/drawing/2014/main" id="{542D000B-A318-4B26-83CA-878DDF364313}"/>
+              </a:ext>
+            </a:extLst>
+          </p:cNvPr>
+          <p:cNvSpPr>
+            <a:spLocks noGrp="1"/>
+          </p:cNvSpPr>
+          <p:nvPr>
+            <p:ph type="title"/>
+          </p:nvPr>
+        </p:nvSpPr>
+        <p:spPr>
+          <a:xfrm>
+            <a:off x="797105" y="1625608"/>
+            <a:ext cx="5240953" cy="2722164"/>
+          </a:xfrm>
+        </p:spPr>
+        <p:txBody>
+          <a:bodyPr vert="horz" lIns="91440" tIns="45720" rIns="91440" bIns="45720" rtlCol="0" anchor="b">
+            <a:normAutofit/>
+          </a:bodyPr>
+          <a:lstStyle/>
+          <a:p>
+            <a:pPr>
+              <a:lnSpc>
+                <a:spcPct val="90000"/>
+              </a:lnSpc>
+            </a:pPr>
+            <a:br>
+              <a:rPr lang="en-US" sz="3800" kern="1200" spc="-150">
+                <a:solidFill>
+                  <a:schemeClr val="tx1"/>
+                </a:solidFill>
+                <a:latin typeface="+mj-lt"/>
+                <a:ea typeface="+mj-ea"/>
+                <a:cs typeface="+mj-cs"/>
+              </a:rPr>
+            </a:br>
+            <a:r>
+              <a:rPr lang="en-US" sz="3800" kern="1200" spc="-150">
+                <a:solidFill>
+                  <a:schemeClr val="tx1"/>
+                </a:solidFill>
+                <a:effectLst/>
+                <a:latin typeface="+mj-lt"/>
+                <a:ea typeface="+mj-ea"/>
+                <a:cs typeface="+mj-cs"/>
+              </a:rPr>
+              <a:t>How does semantic memory affects learning?</a:t>
+            </a:r>
+            <a:br>
+              <a:rPr lang="en-US" sz="3800" kern="1200" spc="-150">
+                <a:solidFill>
+                  <a:schemeClr val="tx1"/>
+                </a:solidFill>
+                <a:effectLst/>
+                <a:latin typeface="+mj-lt"/>
+                <a:ea typeface="+mj-ea"/>
+                <a:cs typeface="+mj-cs"/>
+              </a:rPr>
+            </a:br>
+            <a:endParaRPr lang="en-US" sz="3800" kern="1200" spc="-150">
+              <a:solidFill>
+                <a:schemeClr val="tx1"/>
+              </a:solidFill>
+              <a:latin typeface="+mj-lt"/>
+              <a:ea typeface="+mj-ea"/>
+              <a:cs typeface="+mj-cs"/>
+            </a:endParaRPr>
+          </a:p>
+        </p:txBody>
+      </p:sp>
+      <p:pic>
+        <p:nvPicPr>
+          <p:cNvPr id="9" name="Graphic 8" descr="Cerveau">
+            <a:extLst>
+              <a:ext uri="{FF2B5EF4-FFF2-40B4-BE49-F238E27FC236}">
+                <a16:creationId xmlns:a16="http://schemas.microsoft.com/office/drawing/2014/main" id="{00561B80-2527-4BFD-A7CE-896E4B345693}"/>
+              </a:ext>
+            </a:extLst>
+          </p:cNvPr>
+          <p:cNvPicPr>
+            <a:picLocks noChangeAspect="1"/>
+          </p:cNvPicPr>
+          <p:nvPr/>
+        </p:nvPicPr>
+        <p:blipFill>
+          <a:blip r:embed="rId2">
+            <a:extLst>
+              <a:ext uri="{28A0092B-C50C-407E-A947-70E740481C1C}">
+                <a14:useLocalDpi xmlns:a14="http://schemas.microsoft.com/office/drawing/2010/main" val="0"/>
+              </a:ext>
+              <a:ext uri="{96DAC541-7B7A-43D3-8B79-37D633B846F1}">
+                <asvg:svgBlip xmlns:asvg="http://schemas.microsoft.com/office/drawing/2016/SVG/main" r:embed="rId3"/>
+              </a:ext>
+            </a:extLst>
+          </a:blip>
+          <a:stretch>
+            <a:fillRect/>
+          </a:stretch>
+        </p:blipFill>
+        <p:spPr>
+          <a:xfrm>
+            <a:off x="6958090" y="1497220"/>
+            <a:ext cx="4127230" cy="4127230"/>
+          </a:xfrm>
+          <a:prstGeom prst="rect">
+            <a:avLst/>
+          </a:prstGeom>
+        </p:spPr>
+      </p:pic>
+      <p:sp>
+        <p:nvSpPr>
+          <p:cNvPr id="22" name="Cross 21">
+            <a:extLst>
+              <a:ext uri="{FF2B5EF4-FFF2-40B4-BE49-F238E27FC236}">
+                <a16:creationId xmlns:a16="http://schemas.microsoft.com/office/drawing/2014/main" id="{2D31923D-AB54-2C41-B985-E3F1AB437D09}"/>
+              </a:ext>
+              <a:ext uri="{C183D7F6-B498-43B3-948B-1728B52AA6E4}">
+                <adec:decorative xmlns:adec="http://schemas.microsoft.com/office/drawing/2017/decorative" val="1"/>
+              </a:ext>
+            </a:extLst>
+          </p:cNvPr>
+          <p:cNvSpPr>
+            <a:spLocks noGrp="1" noRot="1" noChangeAspect="1" noMove="1" noResize="1" noEditPoints="1" noAdjustHandles="1" noChangeArrowheads="1" noChangeShapeType="1" noTextEdit="1"/>
+          </p:cNvSpPr>
+          <p:nvPr>
+            <p:extLst>
+              <p:ext uri="{386F3935-93C4-4BCD-93E2-E3B085C9AB24}">
+                <p16:designElem xmlns:p16="http://schemas.microsoft.com/office/powerpoint/2015/main" val="1"/>
+              </p:ext>
+            </p:extLst>
+          </p:nvPr>
+        </p:nvSpPr>
+        <p:spPr>
+          <a:xfrm>
+            <a:off x="6300144" y="5624450"/>
+            <a:ext cx="524933" cy="524933"/>
+          </a:xfrm>
+          <a:prstGeom prst="plus">
+            <a:avLst>
+              <a:gd name="adj" fmla="val 39516"/>
+            </a:avLst>
+          </a:prstGeom>
+          <a:solidFill>
+            <a:schemeClr val="tx1"/>
+          </a:solidFill>
+          <a:ln>
+            <a:noFill/>
+          </a:ln>
+        </p:spPr>
+        <p:style>
+          <a:lnRef idx="2">
+            <a:schemeClr val="accent1">
+              <a:shade val="50000"/>
+            </a:schemeClr>
+          </a:lnRef>
+          <a:fillRef idx="1">
+            <a:schemeClr val="accent1"/>
+          </a:fillRef>
+          <a:effectRef idx="0">
+            <a:schemeClr val="accent1"/>
+          </a:effectRef>
+          <a:fontRef idx="minor">
+            <a:schemeClr val="lt1"/>
+          </a:fontRef>
+        </p:style>
+        <p:txBody>
+          <a:bodyPr rtlCol="0" anchor="ctr"/>
+          <a:lstStyle/>
+          <a:p>
+            <a:pPr algn="ctr"/>
+            <a:endParaRPr lang="en-US"/>
+          </a:p>
+        </p:txBody>
+      </p:sp>
+    </p:spTree>
+    <p:extLst>
+      <p:ext uri="{BB962C8B-B14F-4D97-AF65-F5344CB8AC3E}">
+        <p14:creationId xmlns:p14="http://schemas.microsoft.com/office/powerpoint/2010/main" val="4117017109"/>
+      </p:ext>
+    </p:extLst>
+  </p:cSld>
+  <p:clrMapOvr>
+    <a:masterClrMapping/>
+  </p:clrMapOvr>
+</p:sld>
+</file>
+
+<file path=ppt/slides/slide3.xml><?xml version="1.0" encoding="utf-8"?>
 <p:sld xmlns:a="http://schemas.openxmlformats.org/drawingml/2006/main" xmlns:r="http://schemas.openxmlformats.org/officeDocument/2006/relationships" xmlns:p="http://schemas.openxmlformats.org/presentationml/2006/main">
   <p:cSld>
     <p:spTree>
@@ -13972,41 +14777,12 @@
           <a:chExt cx="0" cy="0"/>
         </a:xfrm>
       </p:grpSpPr>
-      <p:pic>
-        <p:nvPicPr>
-          <p:cNvPr id="9" name="Image 8">
-            <a:extLst>
-              <a:ext uri="{FF2B5EF4-FFF2-40B4-BE49-F238E27FC236}">
-                <a16:creationId xmlns:a16="http://schemas.microsoft.com/office/drawing/2014/main" id="{EBA92942-A1D1-447B-B42D-48BC338F9B89}"/>
-              </a:ext>
-            </a:extLst>
-          </p:cNvPr>
-          <p:cNvPicPr>
-            <a:picLocks noChangeAspect="1"/>
-          </p:cNvPicPr>
-          <p:nvPr/>
-        </p:nvPicPr>
-        <p:blipFill rotWithShape="1">
-          <a:blip r:embed="rId2"/>
-          <a:srcRect l="61377" t="5678" b="14445"/>
-          <a:stretch/>
-        </p:blipFill>
-        <p:spPr>
-          <a:xfrm>
-            <a:off x="8516983" y="1927996"/>
-            <a:ext cx="3109868" cy="4843834"/>
-          </a:xfrm>
-          <a:prstGeom prst="rect">
-            <a:avLst/>
-          </a:prstGeom>
-        </p:spPr>
-      </p:pic>
       <p:sp>
         <p:nvSpPr>
           <p:cNvPr id="2" name="Titre 1">
             <a:extLst>
               <a:ext uri="{FF2B5EF4-FFF2-40B4-BE49-F238E27FC236}">
-                <a16:creationId xmlns:a16="http://schemas.microsoft.com/office/drawing/2014/main" id="{0D7906A2-D678-43D3-B258-4780D44C7C6E}"/>
+                <a16:creationId xmlns:a16="http://schemas.microsoft.com/office/drawing/2014/main" id="{E630D365-8E3C-47E7-B591-81792EB54503}"/>
               </a:ext>
             </a:extLst>
           </p:cNvPr>
@@ -14020,7 +14796,7 @@
         <p:spPr>
           <a:xfrm>
             <a:off x="565149" y="1204721"/>
-            <a:ext cx="10912148" cy="1446550"/>
+            <a:ext cx="8267296" cy="827987"/>
           </a:xfrm>
         </p:spPr>
         <p:txBody>
@@ -14030,43 +14806,348 @@
           <a:lstStyle/>
           <a:p>
             <a:r>
-              <a:rPr lang="fr-FR" sz="3600" dirty="0" err="1"/>
-              <a:t>Reactivation</a:t>
-            </a:r>
-            <a:r>
-              <a:rPr lang="fr-FR" sz="3600" dirty="0"/>
-              <a:t> of </a:t>
-            </a:r>
-            <a:r>
-              <a:rPr lang="fr-FR" sz="3600" dirty="0" err="1"/>
-              <a:t>associated</a:t>
-            </a:r>
-            <a:r>
-              <a:rPr lang="fr-FR" sz="3600" dirty="0"/>
-              <a:t> stimuli </a:t>
-            </a:r>
-            <a:r>
-              <a:rPr lang="fr-FR" sz="3600" dirty="0" err="1"/>
-              <a:t>with</a:t>
-            </a:r>
-            <a:r>
-              <a:rPr lang="fr-FR" sz="3600" dirty="0"/>
-              <a:t> </a:t>
-            </a:r>
-            <a:r>
-              <a:rPr lang="fr-FR" sz="3600" dirty="0" err="1"/>
-              <a:t>learning</a:t>
-            </a:r>
-            <a:endParaRPr lang="fr-FR" sz="3600" dirty="0"/>
+              <a:rPr lang="fr-FR" sz="3600" dirty="0">
+                <a:solidFill>
+                  <a:schemeClr val="tx2">
+                    <a:lumMod val="75000"/>
+                    <a:lumOff val="25000"/>
+                  </a:schemeClr>
+                </a:solidFill>
+              </a:rPr>
+              <a:t>1.1 Associative </a:t>
+            </a:r>
+            <a:r>
+              <a:rPr lang="fr-FR" sz="3600" dirty="0" err="1">
+                <a:solidFill>
+                  <a:schemeClr val="tx2">
+                    <a:lumMod val="75000"/>
+                    <a:lumOff val="25000"/>
+                  </a:schemeClr>
+                </a:solidFill>
+              </a:rPr>
+              <a:t>Inference</a:t>
+            </a:r>
+            <a:endParaRPr lang="fr-FR" sz="3600" dirty="0">
+              <a:solidFill>
+                <a:schemeClr val="tx2">
+                  <a:lumMod val="75000"/>
+                  <a:lumOff val="25000"/>
+                </a:schemeClr>
+              </a:solidFill>
+            </a:endParaRPr>
+          </a:p>
+        </p:txBody>
+      </p:sp>
+      <p:graphicFrame>
+        <p:nvGraphicFramePr>
+          <p:cNvPr id="4" name="Espace réservé du contenu 3">
+            <a:extLst>
+              <a:ext uri="{FF2B5EF4-FFF2-40B4-BE49-F238E27FC236}">
+                <a16:creationId xmlns:a16="http://schemas.microsoft.com/office/drawing/2014/main" id="{F6355573-05FF-4E18-932A-B8C967B66F7B}"/>
+              </a:ext>
+            </a:extLst>
+          </p:cNvPr>
+          <p:cNvGraphicFramePr>
+            <a:graphicFrameLocks noGrp="1"/>
+          </p:cNvGraphicFramePr>
+          <p:nvPr>
+            <p:ph sz="half" idx="1"/>
+            <p:extLst>
+              <p:ext uri="{D42A27DB-BD31-4B8C-83A1-F6EECF244321}">
+                <p14:modId xmlns:p14="http://schemas.microsoft.com/office/powerpoint/2010/main" val="1589386613"/>
+              </p:ext>
+            </p:extLst>
+          </p:nvPr>
+        </p:nvGraphicFramePr>
+        <p:xfrm>
+          <a:off x="565150" y="2692400"/>
+          <a:ext cx="3828174" cy="1270000"/>
+        </p:xfrm>
+        <a:graphic>
+          <a:graphicData uri="http://schemas.openxmlformats.org/drawingml/2006/diagram">
+            <dgm:relIds xmlns:dgm="http://schemas.openxmlformats.org/drawingml/2006/diagram" xmlns:r="http://schemas.openxmlformats.org/officeDocument/2006/relationships" r:dm="rId2" r:lo="rId3" r:qs="rId4" r:cs="rId5"/>
+          </a:graphicData>
+        </a:graphic>
+      </p:graphicFrame>
+      <p:graphicFrame>
+        <p:nvGraphicFramePr>
+          <p:cNvPr id="21" name="Espace réservé du contenu 3">
+            <a:extLst>
+              <a:ext uri="{FF2B5EF4-FFF2-40B4-BE49-F238E27FC236}">
+                <a16:creationId xmlns:a16="http://schemas.microsoft.com/office/drawing/2014/main" id="{43B1C0F4-6B14-488B-BA57-19551FA7DC3F}"/>
+              </a:ext>
+            </a:extLst>
+          </p:cNvPr>
+          <p:cNvGraphicFramePr>
+            <a:graphicFrameLocks/>
+          </p:cNvGraphicFramePr>
+          <p:nvPr>
+            <p:extLst>
+              <p:ext uri="{D42A27DB-BD31-4B8C-83A1-F6EECF244321}">
+                <p14:modId xmlns:p14="http://schemas.microsoft.com/office/powerpoint/2010/main" val="418715336"/>
+              </p:ext>
+            </p:extLst>
+          </p:nvPr>
+        </p:nvGraphicFramePr>
+        <p:xfrm>
+          <a:off x="565149" y="4003529"/>
+          <a:ext cx="3828174" cy="1270000"/>
+        </p:xfrm>
+        <a:graphic>
+          <a:graphicData uri="http://schemas.openxmlformats.org/drawingml/2006/diagram">
+            <dgm:relIds xmlns:dgm="http://schemas.openxmlformats.org/drawingml/2006/diagram" xmlns:r="http://schemas.openxmlformats.org/officeDocument/2006/relationships" r:dm="rId7" r:lo="rId8" r:qs="rId9" r:cs="rId10"/>
+          </a:graphicData>
+        </a:graphic>
+      </p:graphicFrame>
+      <p:graphicFrame>
+        <p:nvGraphicFramePr>
+          <p:cNvPr id="22" name="Espace réservé du contenu 3">
+            <a:extLst>
+              <a:ext uri="{FF2B5EF4-FFF2-40B4-BE49-F238E27FC236}">
+                <a16:creationId xmlns:a16="http://schemas.microsoft.com/office/drawing/2014/main" id="{822173BF-012D-42F5-8881-0EAFA7564A19}"/>
+              </a:ext>
+            </a:extLst>
+          </p:cNvPr>
+          <p:cNvGraphicFramePr>
+            <a:graphicFrameLocks/>
+          </p:cNvGraphicFramePr>
+          <p:nvPr>
+            <p:extLst>
+              <p:ext uri="{D42A27DB-BD31-4B8C-83A1-F6EECF244321}">
+                <p14:modId xmlns:p14="http://schemas.microsoft.com/office/powerpoint/2010/main" val="3963558745"/>
+              </p:ext>
+            </p:extLst>
+          </p:nvPr>
+        </p:nvGraphicFramePr>
+        <p:xfrm>
+          <a:off x="7034266" y="3220508"/>
+          <a:ext cx="3828174" cy="1270000"/>
+        </p:xfrm>
+        <a:graphic>
+          <a:graphicData uri="http://schemas.openxmlformats.org/drawingml/2006/diagram">
+            <dgm:relIds xmlns:dgm="http://schemas.openxmlformats.org/drawingml/2006/diagram" xmlns:r="http://schemas.openxmlformats.org/officeDocument/2006/relationships" r:dm="rId12" r:lo="rId13" r:qs="rId14" r:cs="rId15"/>
+          </a:graphicData>
+        </a:graphic>
+      </p:graphicFrame>
+      <p:sp>
+        <p:nvSpPr>
+          <p:cNvPr id="10" name="Flèche : droite 9">
+            <a:extLst>
+              <a:ext uri="{FF2B5EF4-FFF2-40B4-BE49-F238E27FC236}">
+                <a16:creationId xmlns:a16="http://schemas.microsoft.com/office/drawing/2014/main" id="{795BA2BE-04D0-4806-B5A4-D0575F38B4B6}"/>
+              </a:ext>
+            </a:extLst>
+          </p:cNvPr>
+          <p:cNvSpPr/>
+          <p:nvPr/>
+        </p:nvSpPr>
+        <p:spPr>
+          <a:xfrm>
+            <a:off x="5224590" y="3678268"/>
+            <a:ext cx="978408" cy="484632"/>
+          </a:xfrm>
+          <a:prstGeom prst="rightArrow">
+            <a:avLst/>
+          </a:prstGeom>
+          <a:solidFill>
+            <a:schemeClr val="bg2">
+              <a:lumMod val="50000"/>
+            </a:schemeClr>
+          </a:solidFill>
+          <a:ln>
+            <a:noFill/>
+          </a:ln>
+        </p:spPr>
+        <p:style>
+          <a:lnRef idx="2">
+            <a:schemeClr val="accent1">
+              <a:shade val="50000"/>
+            </a:schemeClr>
+          </a:lnRef>
+          <a:fillRef idx="1">
+            <a:schemeClr val="accent1"/>
+          </a:fillRef>
+          <a:effectRef idx="0">
+            <a:schemeClr val="accent1"/>
+          </a:effectRef>
+          <a:fontRef idx="minor">
+            <a:schemeClr val="lt1"/>
+          </a:fontRef>
+        </p:style>
+        <p:txBody>
+          <a:bodyPr rtlCol="0" anchor="ctr"/>
+          <a:lstStyle/>
+          <a:p>
+            <a:pPr algn="ctr"/>
+            <a:endParaRPr lang="fr-FR"/>
           </a:p>
         </p:txBody>
       </p:sp>
       <p:sp>
         <p:nvSpPr>
-          <p:cNvPr id="11" name="Espace réservé du contenu 2">
+          <p:cNvPr id="23" name="Titre 1">
             <a:extLst>
               <a:ext uri="{FF2B5EF4-FFF2-40B4-BE49-F238E27FC236}">
-                <a16:creationId xmlns:a16="http://schemas.microsoft.com/office/drawing/2014/main" id="{37F5FA14-6F37-46E5-A173-B2CE1A7E3EEB}"/>
+                <a16:creationId xmlns:a16="http://schemas.microsoft.com/office/drawing/2014/main" id="{6F01ED53-CC15-4262-AAD1-F9717CC0B2DD}"/>
+              </a:ext>
+            </a:extLst>
+          </p:cNvPr>
+          <p:cNvSpPr txBox="1">
+            <a:spLocks/>
+          </p:cNvSpPr>
+          <p:nvPr/>
+        </p:nvSpPr>
+        <p:spPr>
+          <a:xfrm>
+            <a:off x="565148" y="460882"/>
+            <a:ext cx="11626851" cy="827987"/>
+          </a:xfrm>
+          <a:prstGeom prst="rect">
+            <a:avLst/>
+          </a:prstGeom>
+          <a:solidFill>
+            <a:schemeClr val="bg2"/>
+          </a:solidFill>
+        </p:spPr>
+        <p:txBody>
+          <a:bodyPr vert="horz" lIns="91440" tIns="45720" rIns="91440" bIns="45720" rtlCol="0" anchor="t">
+            <a:normAutofit/>
+          </a:bodyPr>
+          <a:lstStyle>
+            <a:lvl1pPr algn="l" defTabSz="914400" rtl="0" eaLnBrk="1" latinLnBrk="0" hangingPunct="1">
+              <a:lnSpc>
+                <a:spcPct val="100000"/>
+              </a:lnSpc>
+              <a:spcBef>
+                <a:spcPct val="0"/>
+              </a:spcBef>
+              <a:buNone/>
+              <a:defRPr sz="4400" kern="1200">
+                <a:solidFill>
+                  <a:schemeClr val="tx1"/>
+                </a:solidFill>
+                <a:latin typeface="+mj-lt"/>
+                <a:ea typeface="+mj-ea"/>
+                <a:cs typeface="+mj-cs"/>
+              </a:defRPr>
+            </a:lvl1pPr>
+          </a:lstStyle>
+          <a:p>
+            <a:r>
+              <a:rPr lang="fr-FR" sz="4800" dirty="0">
+                <a:solidFill>
+                  <a:schemeClr val="bg2">
+                    <a:lumMod val="50000"/>
+                  </a:schemeClr>
+                </a:solidFill>
+              </a:rPr>
+              <a:t>1. Introduction</a:t>
+            </a:r>
+            <a:r>
+              <a:rPr lang="fr-FR" dirty="0">
+                <a:solidFill>
+                  <a:schemeClr val="bg2">
+                    <a:lumMod val="50000"/>
+                  </a:schemeClr>
+                </a:solidFill>
+              </a:rPr>
+              <a:t> </a:t>
+            </a:r>
+          </a:p>
+        </p:txBody>
+      </p:sp>
+    </p:spTree>
+    <p:extLst>
+      <p:ext uri="{BB962C8B-B14F-4D97-AF65-F5344CB8AC3E}">
+        <p14:creationId xmlns:p14="http://schemas.microsoft.com/office/powerpoint/2010/main" val="3085752662"/>
+      </p:ext>
+    </p:extLst>
+  </p:cSld>
+  <p:clrMapOvr>
+    <a:masterClrMapping/>
+  </p:clrMapOvr>
+</p:sld>
+</file>
+
+<file path=ppt/slides/slide4.xml><?xml version="1.0" encoding="utf-8"?>
+<p:sld xmlns:a="http://schemas.openxmlformats.org/drawingml/2006/main" xmlns:r="http://schemas.openxmlformats.org/officeDocument/2006/relationships" xmlns:p="http://schemas.openxmlformats.org/presentationml/2006/main">
+  <p:cSld>
+    <p:spTree>
+      <p:nvGrpSpPr>
+        <p:cNvPr id="1" name=""/>
+        <p:cNvGrpSpPr/>
+        <p:nvPr/>
+      </p:nvGrpSpPr>
+      <p:grpSpPr>
+        <a:xfrm>
+          <a:off x="0" y="0"/>
+          <a:ext cx="0" cy="0"/>
+          <a:chOff x="0" y="0"/>
+          <a:chExt cx="0" cy="0"/>
+        </a:xfrm>
+      </p:grpSpPr>
+      <p:sp>
+        <p:nvSpPr>
+          <p:cNvPr id="2" name="Titre 1">
+            <a:extLst>
+              <a:ext uri="{FF2B5EF4-FFF2-40B4-BE49-F238E27FC236}">
+                <a16:creationId xmlns:a16="http://schemas.microsoft.com/office/drawing/2014/main" id="{B970B3AD-65F7-49FC-A4C4-384F7BE46A35}"/>
+              </a:ext>
+            </a:extLst>
+          </p:cNvPr>
+          <p:cNvSpPr>
+            <a:spLocks noGrp="1"/>
+          </p:cNvSpPr>
+          <p:nvPr>
+            <p:ph type="title"/>
+          </p:nvPr>
+        </p:nvSpPr>
+        <p:spPr/>
+        <p:txBody>
+          <a:bodyPr>
+            <a:normAutofit/>
+          </a:bodyPr>
+          <a:lstStyle/>
+          <a:p>
+            <a:r>
+              <a:rPr lang="fr-FR" sz="3600" dirty="0">
+                <a:solidFill>
+                  <a:schemeClr val="tx2">
+                    <a:lumMod val="25000"/>
+                    <a:lumOff val="75000"/>
+                  </a:schemeClr>
+                </a:solidFill>
+              </a:rPr>
+              <a:t>1.1 Associative </a:t>
+            </a:r>
+            <a:r>
+              <a:rPr lang="fr-FR" sz="3600" dirty="0" err="1">
+                <a:solidFill>
+                  <a:schemeClr val="tx2">
+                    <a:lumMod val="25000"/>
+                    <a:lumOff val="75000"/>
+                  </a:schemeClr>
+                </a:solidFill>
+              </a:rPr>
+              <a:t>Inference</a:t>
+            </a:r>
+            <a:endParaRPr lang="fr-FR" sz="3600" dirty="0">
+              <a:solidFill>
+                <a:schemeClr val="tx2">
+                  <a:lumMod val="25000"/>
+                  <a:lumOff val="75000"/>
+                </a:schemeClr>
+              </a:solidFill>
+            </a:endParaRPr>
+          </a:p>
+        </p:txBody>
+      </p:sp>
+      <p:sp>
+        <p:nvSpPr>
+          <p:cNvPr id="3" name="Espace réservé du contenu 2">
+            <a:extLst>
+              <a:ext uri="{FF2B5EF4-FFF2-40B4-BE49-F238E27FC236}">
+                <a16:creationId xmlns:a16="http://schemas.microsoft.com/office/drawing/2014/main" id="{671D125C-5B7C-4BC9-A340-3406D2D30C0D}"/>
               </a:ext>
             </a:extLst>
           </p:cNvPr>
@@ -14079,93 +15160,481 @@
         </p:nvSpPr>
         <p:spPr>
           <a:xfrm>
-            <a:off x="565111" y="2691637"/>
-            <a:ext cx="5139003" cy="3189733"/>
+            <a:off x="565149" y="1927995"/>
+            <a:ext cx="5136442" cy="4536525"/>
           </a:xfrm>
         </p:spPr>
         <p:txBody>
           <a:bodyPr>
-            <a:normAutofit/>
+            <a:noAutofit/>
           </a:bodyPr>
           <a:lstStyle/>
           <a:p>
             <a:r>
-              <a:rPr lang="en-US" sz="1800" b="0" i="0" dirty="0">
+              <a:rPr lang="fr-FR" sz="1300" dirty="0" err="1"/>
+              <a:t>Vmpfc</a:t>
+            </a:r>
+            <a:r>
+              <a:rPr lang="fr-FR" sz="1300" dirty="0"/>
+              <a:t>-hippo for abstraction/state</a:t>
+            </a:r>
+          </a:p>
+          <a:p>
+            <a:pPr lvl="1"/>
+            <a:r>
+              <a:rPr lang="fr-FR" sz="1300" dirty="0" err="1"/>
+              <a:t>Vmpfc</a:t>
+            </a:r>
+            <a:r>
+              <a:rPr lang="fr-FR" sz="1300" dirty="0"/>
+              <a:t> </a:t>
+            </a:r>
+            <a:r>
+              <a:rPr lang="fr-FR" sz="1300" dirty="0" err="1"/>
+              <a:t>helps</a:t>
+            </a:r>
+            <a:r>
+              <a:rPr lang="fr-FR" sz="1300" dirty="0"/>
+              <a:t> (</a:t>
+            </a:r>
+            <a:r>
+              <a:rPr lang="fr-FR" sz="1300" dirty="0" err="1"/>
+              <a:t>bad</a:t>
+            </a:r>
+            <a:r>
+              <a:rPr lang="fr-FR" sz="1300" dirty="0"/>
+              <a:t> if </a:t>
+            </a:r>
+            <a:r>
+              <a:rPr lang="fr-FR" sz="1300" dirty="0" err="1"/>
+              <a:t>lesion</a:t>
+            </a:r>
+            <a:r>
+              <a:rPr lang="fr-FR" sz="1300" dirty="0"/>
+              <a:t> Spalding 2018), </a:t>
+            </a:r>
+            <a:r>
+              <a:rPr lang="fr-FR" sz="1300" dirty="0" err="1"/>
+              <a:t>sadacca</a:t>
+            </a:r>
+            <a:r>
+              <a:rPr lang="fr-FR" sz="1300" dirty="0"/>
+              <a:t> 2018</a:t>
+            </a:r>
+          </a:p>
+          <a:p>
+            <a:pPr lvl="1"/>
+            <a:r>
+              <a:rPr lang="fr-FR" sz="1300" dirty="0"/>
+              <a:t>Dopamine </a:t>
+            </a:r>
+            <a:r>
+              <a:rPr lang="fr-FR" sz="1300" dirty="0" err="1"/>
+              <a:t>helps</a:t>
+            </a:r>
+            <a:r>
+              <a:rPr lang="fr-FR" sz="1300" dirty="0"/>
+              <a:t> (Lee 2021 , Clos 2019)</a:t>
+            </a:r>
+          </a:p>
+          <a:p>
+            <a:pPr lvl="1"/>
+            <a:r>
+              <a:rPr lang="fr-FR" sz="1300" dirty="0" err="1"/>
+              <a:t>Role</a:t>
+            </a:r>
+            <a:r>
+              <a:rPr lang="fr-FR" sz="1300" dirty="0"/>
+              <a:t> for </a:t>
+            </a:r>
+            <a:r>
+              <a:rPr lang="fr-FR" sz="1300" dirty="0" err="1"/>
+              <a:t>midbrain</a:t>
+            </a:r>
+            <a:r>
+              <a:rPr lang="fr-FR" sz="1300" dirty="0"/>
+              <a:t> dopamine (</a:t>
+            </a:r>
+            <a:r>
+              <a:rPr lang="fr-FR" sz="1300" dirty="0" err="1"/>
+              <a:t>Shohamy</a:t>
+            </a:r>
+            <a:r>
+              <a:rPr lang="fr-FR" sz="1300" dirty="0"/>
+              <a:t> 2018,, 2016</a:t>
+            </a:r>
+          </a:p>
+          <a:p>
+            <a:pPr lvl="1"/>
+            <a:r>
+              <a:rPr lang="fr-FR" sz="1300" dirty="0" err="1"/>
+              <a:t>Kahnt</a:t>
+            </a:r>
+            <a:r>
+              <a:rPr lang="fr-FR" sz="1300" dirty="0"/>
+              <a:t> 2012 FC </a:t>
+            </a:r>
+            <a:r>
+              <a:rPr lang="fr-FR" sz="1300" dirty="0" err="1"/>
+              <a:t>striqtum</a:t>
+            </a:r>
+            <a:r>
+              <a:rPr lang="fr-FR" sz="1300" dirty="0"/>
+              <a:t> hippo </a:t>
+            </a:r>
+            <a:r>
+              <a:rPr lang="fr-FR" sz="1300" dirty="0" err="1"/>
+              <a:t>imp</a:t>
+            </a:r>
+            <a:r>
+              <a:rPr lang="fr-FR" sz="1300" dirty="0"/>
+              <a:t> for généralisation</a:t>
+            </a:r>
+          </a:p>
+          <a:p>
+            <a:pPr lvl="1"/>
+            <a:r>
+              <a:rPr lang="fr-FR" sz="1300" dirty="0" err="1"/>
+              <a:t>hPC-mpfc</a:t>
+            </a:r>
+            <a:r>
+              <a:rPr lang="fr-FR" sz="1300" dirty="0"/>
+              <a:t> </a:t>
+            </a:r>
+            <a:r>
+              <a:rPr lang="fr-FR" sz="1300" dirty="0" err="1"/>
+              <a:t>coupling</a:t>
+            </a:r>
+            <a:r>
+              <a:rPr lang="fr-FR" sz="1300" dirty="0"/>
+              <a:t> </a:t>
+            </a:r>
+            <a:r>
+              <a:rPr lang="fr-FR" sz="1300" dirty="0" err="1"/>
+              <a:t>during</a:t>
+            </a:r>
+            <a:r>
+              <a:rPr lang="fr-FR" sz="1300" dirty="0"/>
+              <a:t> BC </a:t>
+            </a:r>
+            <a:r>
+              <a:rPr lang="fr-FR" sz="1300" dirty="0" err="1"/>
+              <a:t>learning</a:t>
+            </a:r>
+            <a:r>
+              <a:rPr lang="fr-FR" sz="1300" dirty="0"/>
+              <a:t>, </a:t>
+            </a:r>
+            <a:r>
+              <a:rPr lang="fr-FR" sz="1300" dirty="0" err="1"/>
+              <a:t>Schlichting</a:t>
+            </a:r>
+            <a:r>
+              <a:rPr lang="fr-FR" sz="1300" dirty="0"/>
+              <a:t> 2016</a:t>
+            </a:r>
+          </a:p>
+          <a:p>
+            <a:r>
+              <a:rPr lang="fr-FR" sz="1300" dirty="0"/>
+              <a:t>Striatum – VTA for </a:t>
+            </a:r>
+            <a:r>
+              <a:rPr lang="fr-FR" sz="1300" dirty="0" err="1"/>
+              <a:t>reinforcement</a:t>
+            </a:r>
+            <a:r>
+              <a:rPr lang="fr-FR" sz="1300" dirty="0"/>
+              <a:t> </a:t>
+            </a:r>
+            <a:r>
+              <a:rPr lang="fr-FR" sz="1300" dirty="0" err="1"/>
+              <a:t>learning</a:t>
+            </a:r>
+            <a:endParaRPr lang="fr-FR" sz="1300" dirty="0"/>
+          </a:p>
+          <a:p>
+            <a:r>
+              <a:rPr lang="fr-FR" sz="1300" dirty="0" err="1"/>
+              <a:t>Anterior</a:t>
+            </a:r>
+            <a:r>
+              <a:rPr lang="fr-FR" sz="1300" dirty="0"/>
+              <a:t> vs </a:t>
+            </a:r>
+            <a:r>
+              <a:rPr lang="fr-FR" sz="1300" dirty="0" err="1"/>
+              <a:t>posterior</a:t>
+            </a:r>
+            <a:r>
+              <a:rPr lang="fr-FR" sz="1300" dirty="0"/>
+              <a:t> </a:t>
+            </a:r>
+            <a:r>
+              <a:rPr lang="fr-FR" sz="1300" dirty="0" err="1"/>
+              <a:t>hippocampus</a:t>
+            </a:r>
+            <a:r>
+              <a:rPr lang="fr-FR" sz="1300" dirty="0"/>
+              <a:t>?</a:t>
+            </a:r>
+          </a:p>
+          <a:p>
+            <a:pPr lvl="1"/>
+            <a:r>
+              <a:rPr lang="fr-FR" sz="1300" dirty="0" err="1"/>
+              <a:t>Anterior</a:t>
+            </a:r>
+            <a:r>
+              <a:rPr lang="fr-FR" sz="1300" dirty="0"/>
+              <a:t> H for asso, </a:t>
+            </a:r>
+            <a:r>
+              <a:rPr lang="fr-FR" sz="1300" dirty="0" err="1"/>
+              <a:t>giovanello</a:t>
+            </a:r>
+            <a:r>
+              <a:rPr lang="fr-FR" sz="1300" dirty="0"/>
+              <a:t> 2004</a:t>
+            </a:r>
+          </a:p>
+          <a:p>
+            <a:pPr lvl="1"/>
+            <a:r>
+              <a:rPr lang="fr-FR" sz="1300" dirty="0"/>
+              <a:t>Ant H </a:t>
+            </a:r>
+            <a:r>
+              <a:rPr lang="fr-FR" sz="1300" dirty="0" err="1"/>
+              <a:t>configural</a:t>
+            </a:r>
+            <a:r>
+              <a:rPr lang="fr-FR" sz="1300" dirty="0"/>
+              <a:t> </a:t>
+            </a:r>
+            <a:r>
+              <a:rPr lang="fr-FR" sz="1300" dirty="0" err="1"/>
+              <a:t>strategy</a:t>
+            </a:r>
+            <a:r>
+              <a:rPr lang="fr-FR" sz="1300" dirty="0"/>
+              <a:t> Duncan 2018</a:t>
+            </a:r>
+          </a:p>
+          <a:p>
+            <a:pPr lvl="1"/>
+            <a:r>
+              <a:rPr lang="fr-FR" sz="1300" dirty="0"/>
+              <a:t>Ant H généralisation, </a:t>
+            </a:r>
+            <a:r>
+              <a:rPr lang="fr-FR" sz="1300" dirty="0" err="1"/>
+              <a:t>Schlichting</a:t>
+            </a:r>
+            <a:r>
+              <a:rPr lang="fr-FR" sz="1300" dirty="0"/>
+              <a:t> 2015</a:t>
+            </a:r>
+          </a:p>
+          <a:p>
+            <a:pPr lvl="1"/>
+            <a:r>
+              <a:rPr lang="fr-FR" sz="1300" dirty="0"/>
+              <a:t>Ant H VTA </a:t>
+            </a:r>
+            <a:r>
+              <a:rPr lang="fr-FR" sz="1300" dirty="0" err="1"/>
+              <a:t>coupling</a:t>
+            </a:r>
+            <a:r>
+              <a:rPr lang="fr-FR" sz="1300" dirty="0"/>
+              <a:t> for </a:t>
+            </a:r>
+            <a:r>
+              <a:rPr lang="fr-FR" sz="1300" dirty="0" err="1"/>
+              <a:t>novelty</a:t>
+            </a:r>
+            <a:r>
+              <a:rPr lang="fr-FR" sz="1300" dirty="0"/>
+              <a:t> Cowan 2021</a:t>
+            </a:r>
+          </a:p>
+          <a:p>
+            <a:pPr lvl="1"/>
+            <a:r>
+              <a:rPr lang="fr-FR" sz="1300" dirty="0"/>
+              <a:t>Ant H rpz prototype vs </a:t>
+            </a:r>
+            <a:r>
+              <a:rPr lang="fr-FR" sz="1300" dirty="0" err="1"/>
+              <a:t>exemplar</a:t>
+            </a:r>
+            <a:r>
+              <a:rPr lang="fr-FR" sz="1300" dirty="0"/>
+              <a:t> Bowman 2018</a:t>
+            </a:r>
+          </a:p>
+          <a:p>
+            <a:pPr lvl="1"/>
+            <a:r>
+              <a:rPr lang="fr-FR" sz="1300" dirty="0"/>
+              <a:t>Ant H + </a:t>
+            </a:r>
+            <a:r>
+              <a:rPr lang="fr-FR" sz="1300" dirty="0" err="1"/>
+              <a:t>episodiv</a:t>
+            </a:r>
+            <a:r>
+              <a:rPr lang="fr-FR" sz="1300" dirty="0"/>
+              <a:t> vs post </a:t>
+            </a:r>
+            <a:r>
+              <a:rPr lang="fr-FR" sz="1300" dirty="0" err="1"/>
+              <a:t>retrieval</a:t>
+            </a:r>
+            <a:r>
+              <a:rPr lang="fr-FR" sz="1300" dirty="0"/>
+              <a:t>? Wang 2021</a:t>
+            </a:r>
+          </a:p>
+          <a:p>
+            <a:pPr lvl="1"/>
+            <a:r>
+              <a:rPr lang="fr-FR" sz="1300" dirty="0"/>
+              <a:t>Ant H = pattern </a:t>
+            </a:r>
+            <a:r>
+              <a:rPr lang="fr-FR" sz="1300" dirty="0" err="1"/>
+              <a:t>separation</a:t>
+            </a:r>
+            <a:r>
+              <a:rPr lang="fr-FR" sz="1300" dirty="0"/>
+              <a:t> of non </a:t>
+            </a:r>
+            <a:r>
+              <a:rPr lang="fr-FR" sz="1300" dirty="0" err="1"/>
+              <a:t>associated</a:t>
+            </a:r>
+            <a:r>
+              <a:rPr lang="fr-FR" sz="1300" dirty="0"/>
+              <a:t> memory (RSA) </a:t>
+            </a:r>
+            <a:r>
+              <a:rPr lang="fr-FR" sz="1300" dirty="0" err="1"/>
+              <a:t>Schlichting</a:t>
+            </a:r>
+            <a:r>
+              <a:rPr lang="fr-FR" sz="1300" dirty="0"/>
+              <a:t> 2015</a:t>
+            </a:r>
+          </a:p>
+        </p:txBody>
+      </p:sp>
+      <p:sp>
+        <p:nvSpPr>
+          <p:cNvPr id="4" name="Espace réservé du contenu 3">
+            <a:extLst>
+              <a:ext uri="{FF2B5EF4-FFF2-40B4-BE49-F238E27FC236}">
+                <a16:creationId xmlns:a16="http://schemas.microsoft.com/office/drawing/2014/main" id="{B8304830-2528-4664-8AAC-B53D3342E7AC}"/>
+              </a:ext>
+            </a:extLst>
+          </p:cNvPr>
+          <p:cNvSpPr>
+            <a:spLocks noGrp="1"/>
+          </p:cNvSpPr>
+          <p:nvPr>
+            <p:ph sz="half" idx="2"/>
+          </p:nvPr>
+        </p:nvSpPr>
+        <p:spPr/>
+        <p:txBody>
+          <a:bodyPr>
+            <a:normAutofit fontScale="55000" lnSpcReduction="20000"/>
+          </a:bodyPr>
+          <a:lstStyle/>
+          <a:p>
+            <a:r>
+              <a:rPr lang="en-US" sz="3800" b="0" i="0" dirty="0">
                 <a:solidFill>
                   <a:srgbClr val="000000"/>
                 </a:solidFill>
                 <a:effectLst/>
-                <a:latin typeface="AdvPSA183"/>
+                <a:latin typeface="Calibri" panose="020F0502020204030204" pitchFamily="34" charset="0"/>
               </a:rPr>
-              <a:t>Greater </a:t>
-            </a:r>
-            <a:r>
-              <a:rPr lang="en-US" sz="1800" b="1" i="0" dirty="0">
-                <a:solidFill>
-                  <a:srgbClr val="000000"/>
-                </a:solidFill>
-                <a:effectLst/>
-                <a:latin typeface="AdvPSA183"/>
-              </a:rPr>
-              <a:t>learning-related hippocampal decreases </a:t>
-            </a:r>
-            <a:r>
-              <a:rPr lang="en-US" sz="1800" b="0" i="0" dirty="0">
-                <a:solidFill>
-                  <a:srgbClr val="000000"/>
-                </a:solidFill>
-                <a:effectLst/>
-                <a:latin typeface="AdvPSA183"/>
-              </a:rPr>
-              <a:t>(first - last parameter estimate) across encoding repetitions were associated with greater AC performance at test.</a:t>
-            </a:r>
-            <a:br>
-              <a:rPr lang="en-US" sz="1800" b="0" i="0" dirty="0">
-                <a:solidFill>
-                  <a:srgbClr val="000000"/>
-                </a:solidFill>
-                <a:effectLst/>
-                <a:latin typeface="AdvPSA183"/>
-              </a:rPr>
-            </a:br>
-            <a:endParaRPr lang="en-US" sz="1800" b="0" i="0" dirty="0">
+              <a:t>preexisting semantic associations seem to facilitate associative learning, but not for people with hippocampal lesions (Ryan et al., 2016)</a:t>
+            </a:r>
+          </a:p>
+          <a:p>
+            <a:endParaRPr lang="en-US" sz="3800" dirty="0">
               <a:solidFill>
                 <a:srgbClr val="000000"/>
               </a:solidFill>
-              <a:effectLst/>
-              <a:latin typeface="AdvPSA183"/>
+              <a:latin typeface="Calibri" panose="020F0502020204030204" pitchFamily="34" charset="0"/>
             </a:endParaRPr>
           </a:p>
           <a:p>
             <a:r>
-              <a:rPr lang="en-US" sz="1800" b="0" i="0" dirty="0">
-                <a:solidFill>
-                  <a:srgbClr val="000000"/>
-                </a:solidFill>
-                <a:effectLst/>
-                <a:latin typeface="AdvPSA183"/>
-              </a:rPr>
-              <a:t>Greater </a:t>
-            </a:r>
-            <a:r>
-              <a:rPr lang="en-US" sz="1800" b="1" i="0" dirty="0">
-                <a:solidFill>
-                  <a:srgbClr val="000000"/>
-                </a:solidFill>
-                <a:effectLst/>
-                <a:latin typeface="AdvPSA183"/>
-              </a:rPr>
-              <a:t>activation increases in VMPFC </a:t>
-            </a:r>
-            <a:r>
-              <a:rPr lang="en-US" sz="1800" b="0" i="0" dirty="0">
-                <a:solidFill>
-                  <a:srgbClr val="000000"/>
-                </a:solidFill>
-                <a:effectLst/>
-                <a:latin typeface="AdvPSA183"/>
-              </a:rPr>
-              <a:t>(last-first parameter estimate) across encoding repetitions were associated with greater AC performance at test</a:t>
+              <a:rPr lang="fr-FR" sz="3800" dirty="0"/>
+              <a:t>New = </a:t>
+            </a:r>
+            <a:r>
+              <a:rPr lang="fr-FR" sz="3800" dirty="0" err="1"/>
+              <a:t>semantic</a:t>
+            </a:r>
+            <a:r>
+              <a:rPr lang="fr-FR" sz="3800" dirty="0"/>
+              <a:t> </a:t>
+            </a:r>
+            <a:r>
+              <a:rPr lang="fr-FR" sz="3800" dirty="0" err="1"/>
+              <a:t>link</a:t>
+            </a:r>
+            <a:r>
+              <a:rPr lang="fr-FR" sz="3800" dirty="0"/>
+              <a:t> </a:t>
+            </a:r>
+            <a:r>
+              <a:rPr lang="fr-FR" sz="3800" dirty="0" err="1"/>
+              <a:t>between</a:t>
+            </a:r>
+            <a:r>
+              <a:rPr lang="fr-FR" sz="3800" dirty="0"/>
+              <a:t> A &amp; B</a:t>
+            </a:r>
+          </a:p>
+          <a:p>
+            <a:pPr lvl="1"/>
+            <a:r>
+              <a:rPr lang="fr-FR" sz="3800" dirty="0" err="1"/>
+              <a:t>Already</a:t>
+            </a:r>
+            <a:r>
+              <a:rPr lang="fr-FR" sz="3800" dirty="0"/>
+              <a:t> </a:t>
+            </a:r>
+            <a:r>
+              <a:rPr lang="fr-FR" sz="3800" dirty="0" err="1"/>
+              <a:t>existing</a:t>
+            </a:r>
+            <a:r>
+              <a:rPr lang="fr-FR" sz="3800" dirty="0"/>
+              <a:t> </a:t>
+            </a:r>
+            <a:r>
+              <a:rPr lang="fr-FR" sz="3800" dirty="0" err="1"/>
+              <a:t>link</a:t>
+            </a:r>
+            <a:r>
+              <a:rPr lang="fr-FR" sz="3800" dirty="0"/>
+              <a:t> in </a:t>
+            </a:r>
+            <a:r>
+              <a:rPr lang="fr-FR" sz="3800" dirty="0" err="1"/>
+              <a:t>hippocampus</a:t>
+            </a:r>
+            <a:r>
+              <a:rPr lang="fr-FR" sz="3800" dirty="0"/>
+              <a:t>?</a:t>
             </a:r>
             <a:br>
               <a:rPr lang="en-US" dirty="0"/>
@@ -14176,10 +15645,10 @@
       </p:sp>
       <p:sp>
         <p:nvSpPr>
-          <p:cNvPr id="12" name="Titre 1">
+          <p:cNvPr id="7" name="Titre 1">
             <a:extLst>
               <a:ext uri="{FF2B5EF4-FFF2-40B4-BE49-F238E27FC236}">
-                <a16:creationId xmlns:a16="http://schemas.microsoft.com/office/drawing/2014/main" id="{81EBC3AA-3742-4C43-A032-EB725B1EF27C}"/>
+                <a16:creationId xmlns:a16="http://schemas.microsoft.com/office/drawing/2014/main" id="{A64F8508-4BA3-46F8-AAAB-2A657C07EC24}"/>
               </a:ext>
             </a:extLst>
           </p:cNvPr>
@@ -14232,7 +15701,7 @@
                   </a:schemeClr>
                 </a:solidFill>
               </a:rPr>
-              <a:t>1. Background</a:t>
+              <a:t>1. Introduction</a:t>
             </a:r>
             <a:r>
               <a:rPr lang="fr-FR" dirty="0">
@@ -14247,39 +15716,908 @@
           </a:p>
         </p:txBody>
       </p:sp>
-      <p:pic>
-        <p:nvPicPr>
-          <p:cNvPr id="10" name="Image 9">
+    </p:spTree>
+    <p:extLst>
+      <p:ext uri="{BB962C8B-B14F-4D97-AF65-F5344CB8AC3E}">
+        <p14:creationId xmlns:p14="http://schemas.microsoft.com/office/powerpoint/2010/main" val="1039424115"/>
+      </p:ext>
+    </p:extLst>
+  </p:cSld>
+  <p:clrMapOvr>
+    <a:masterClrMapping/>
+  </p:clrMapOvr>
+</p:sld>
+</file>
+
+<file path=ppt/slides/slide5.xml><?xml version="1.0" encoding="utf-8"?>
+<p:sld xmlns:a="http://schemas.openxmlformats.org/drawingml/2006/main" xmlns:r="http://schemas.openxmlformats.org/officeDocument/2006/relationships" xmlns:p="http://schemas.openxmlformats.org/presentationml/2006/main">
+  <p:cSld>
+    <p:spTree>
+      <p:nvGrpSpPr>
+        <p:cNvPr id="1" name=""/>
+        <p:cNvGrpSpPr/>
+        <p:nvPr/>
+      </p:nvGrpSpPr>
+      <p:grpSpPr>
+        <a:xfrm>
+          <a:off x="0" y="0"/>
+          <a:ext cx="0" cy="0"/>
+          <a:chOff x="0" y="0"/>
+          <a:chExt cx="0" cy="0"/>
+        </a:xfrm>
+      </p:grpSpPr>
+      <p:sp>
+        <p:nvSpPr>
+          <p:cNvPr id="2" name="Titre 1">
             <a:extLst>
               <a:ext uri="{FF2B5EF4-FFF2-40B4-BE49-F238E27FC236}">
-                <a16:creationId xmlns:a16="http://schemas.microsoft.com/office/drawing/2014/main" id="{1457A95A-06A6-422B-BBFB-15B689CE9577}"/>
+                <a16:creationId xmlns:a16="http://schemas.microsoft.com/office/drawing/2014/main" id="{C337622B-3282-4054-AD68-EF98229AD749}"/>
               </a:ext>
             </a:extLst>
           </p:cNvPr>
-          <p:cNvPicPr>
-            <a:picLocks noChangeAspect="1"/>
-          </p:cNvPicPr>
-          <p:nvPr/>
-        </p:nvPicPr>
-        <p:blipFill rotWithShape="1">
-          <a:blip r:embed="rId2"/>
-          <a:srcRect l="2486" t="5678" r="76964" b="14445"/>
-          <a:stretch/>
-        </p:blipFill>
+          <p:cNvSpPr>
+            <a:spLocks noGrp="1"/>
+          </p:cNvSpPr>
+          <p:nvPr>
+            <p:ph type="title"/>
+          </p:nvPr>
+        </p:nvSpPr>
         <p:spPr>
           <a:xfrm>
-            <a:off x="6862354" y="1927996"/>
-            <a:ext cx="1654629" cy="4843834"/>
+            <a:off x="565149" y="1204721"/>
+            <a:ext cx="8267296" cy="758903"/>
+          </a:xfrm>
+        </p:spPr>
+        <p:txBody>
+          <a:bodyPr>
+            <a:normAutofit/>
+          </a:bodyPr>
+          <a:lstStyle/>
+          <a:p>
+            <a:r>
+              <a:rPr lang="fr-FR" sz="3600" dirty="0">
+                <a:solidFill>
+                  <a:schemeClr val="tx2">
+                    <a:lumMod val="75000"/>
+                    <a:lumOff val="25000"/>
+                  </a:schemeClr>
+                </a:solidFill>
+              </a:rPr>
+              <a:t>1.2 </a:t>
+            </a:r>
+            <a:r>
+              <a:rPr lang="fr-FR" sz="3600" dirty="0" err="1">
+                <a:solidFill>
+                  <a:schemeClr val="tx2">
+                    <a:lumMod val="75000"/>
+                    <a:lumOff val="25000"/>
+                  </a:schemeClr>
+                </a:solidFill>
+              </a:rPr>
+              <a:t>Paradigm</a:t>
+            </a:r>
+            <a:endParaRPr lang="fr-FR" sz="3600" dirty="0">
+              <a:solidFill>
+                <a:schemeClr val="tx2">
+                  <a:lumMod val="75000"/>
+                  <a:lumOff val="25000"/>
+                </a:schemeClr>
+              </a:solidFill>
+            </a:endParaRPr>
+          </a:p>
+        </p:txBody>
+      </p:sp>
+      <p:sp>
+        <p:nvSpPr>
+          <p:cNvPr id="5" name="Espace réservé du contenu 2">
+            <a:extLst>
+              <a:ext uri="{FF2B5EF4-FFF2-40B4-BE49-F238E27FC236}">
+                <a16:creationId xmlns:a16="http://schemas.microsoft.com/office/drawing/2014/main" id="{BD3931D8-7531-4146-90DF-A7D4E9D05F10}"/>
+              </a:ext>
+            </a:extLst>
+          </p:cNvPr>
+          <p:cNvSpPr txBox="1">
+            <a:spLocks/>
+          </p:cNvSpPr>
+          <p:nvPr/>
+        </p:nvSpPr>
+        <p:spPr>
+          <a:xfrm>
+            <a:off x="565149" y="2018999"/>
+            <a:ext cx="3944098" cy="644372"/>
           </a:xfrm>
           <a:prstGeom prst="rect">
             <a:avLst/>
           </a:prstGeom>
         </p:spPr>
+        <p:txBody>
+          <a:bodyPr vert="horz" lIns="91440" tIns="45720" rIns="91440" bIns="45720" rtlCol="0">
+            <a:normAutofit/>
+          </a:bodyPr>
+          <a:lstStyle>
+            <a:lvl1pPr marL="228600" indent="-228600" algn="l" defTabSz="914400" rtl="0" eaLnBrk="1" latinLnBrk="0" hangingPunct="1">
+              <a:lnSpc>
+                <a:spcPct val="100000"/>
+              </a:lnSpc>
+              <a:spcBef>
+                <a:spcPts val="1000"/>
+              </a:spcBef>
+              <a:buFont typeface="System Font Regular"/>
+              <a:buChar char="–"/>
+              <a:defRPr sz="2400" b="0" i="0" kern="1200">
+                <a:solidFill>
+                  <a:schemeClr val="tx1"/>
+                </a:solidFill>
+                <a:latin typeface="+mn-lt"/>
+                <a:ea typeface="+mn-ea"/>
+                <a:cs typeface="+mn-cs"/>
+              </a:defRPr>
+            </a:lvl1pPr>
+            <a:lvl2pPr marL="685800" indent="-228600" algn="l" defTabSz="914400" rtl="0" eaLnBrk="1" latinLnBrk="0" hangingPunct="1">
+              <a:lnSpc>
+                <a:spcPct val="100000"/>
+              </a:lnSpc>
+              <a:spcBef>
+                <a:spcPts val="500"/>
+              </a:spcBef>
+              <a:buFont typeface="System Font Regular"/>
+              <a:buChar char="–"/>
+              <a:defRPr sz="2000" b="0" i="0" kern="1200">
+                <a:solidFill>
+                  <a:schemeClr val="tx1"/>
+                </a:solidFill>
+                <a:latin typeface="+mn-lt"/>
+                <a:ea typeface="+mn-ea"/>
+                <a:cs typeface="+mn-cs"/>
+              </a:defRPr>
+            </a:lvl2pPr>
+            <a:lvl3pPr marL="1143000" indent="-228600" algn="l" defTabSz="914400" rtl="0" eaLnBrk="1" latinLnBrk="0" hangingPunct="1">
+              <a:lnSpc>
+                <a:spcPct val="100000"/>
+              </a:lnSpc>
+              <a:spcBef>
+                <a:spcPts val="500"/>
+              </a:spcBef>
+              <a:buFont typeface="System Font Regular"/>
+              <a:buChar char="–"/>
+              <a:defRPr sz="1800" b="0" i="0" kern="1200">
+                <a:solidFill>
+                  <a:schemeClr val="tx1"/>
+                </a:solidFill>
+                <a:latin typeface="+mn-lt"/>
+                <a:ea typeface="+mn-ea"/>
+                <a:cs typeface="+mn-cs"/>
+              </a:defRPr>
+            </a:lvl3pPr>
+            <a:lvl4pPr marL="1600200" indent="-228600" algn="l" defTabSz="914400" rtl="0" eaLnBrk="1" latinLnBrk="0" hangingPunct="1">
+              <a:lnSpc>
+                <a:spcPct val="100000"/>
+              </a:lnSpc>
+              <a:spcBef>
+                <a:spcPts val="500"/>
+              </a:spcBef>
+              <a:buFont typeface="System Font Regular"/>
+              <a:buChar char="–"/>
+              <a:defRPr sz="1600" b="0" i="0" kern="1200">
+                <a:solidFill>
+                  <a:schemeClr val="tx1"/>
+                </a:solidFill>
+                <a:latin typeface="+mn-lt"/>
+                <a:ea typeface="+mn-ea"/>
+                <a:cs typeface="+mn-cs"/>
+              </a:defRPr>
+            </a:lvl4pPr>
+            <a:lvl5pPr marL="2057400" indent="-228600" algn="l" defTabSz="914400" rtl="0" eaLnBrk="1" latinLnBrk="0" hangingPunct="1">
+              <a:lnSpc>
+                <a:spcPct val="100000"/>
+              </a:lnSpc>
+              <a:spcBef>
+                <a:spcPts val="500"/>
+              </a:spcBef>
+              <a:buFont typeface="System Font Regular"/>
+              <a:buChar char="–"/>
+              <a:defRPr sz="1600" b="0" i="0" kern="1200">
+                <a:solidFill>
+                  <a:schemeClr val="tx1"/>
+                </a:solidFill>
+                <a:latin typeface="+mn-lt"/>
+                <a:ea typeface="+mn-ea"/>
+                <a:cs typeface="+mn-cs"/>
+              </a:defRPr>
+            </a:lvl5pPr>
+            <a:lvl6pPr marL="2514600" indent="-228600" algn="l" defTabSz="914400" rtl="0" eaLnBrk="1" latinLnBrk="0" hangingPunct="1">
+              <a:lnSpc>
+                <a:spcPct val="90000"/>
+              </a:lnSpc>
+              <a:spcBef>
+                <a:spcPts val="500"/>
+              </a:spcBef>
+              <a:buFont typeface="Arial" panose="020B0604020202020204" pitchFamily="34" charset="0"/>
+              <a:buChar char="•"/>
+              <a:defRPr sz="1800" kern="1200">
+                <a:solidFill>
+                  <a:schemeClr val="tx1"/>
+                </a:solidFill>
+                <a:latin typeface="+mn-lt"/>
+                <a:ea typeface="+mn-ea"/>
+                <a:cs typeface="+mn-cs"/>
+              </a:defRPr>
+            </a:lvl6pPr>
+            <a:lvl7pPr marL="2971800" indent="-228600" algn="l" defTabSz="914400" rtl="0" eaLnBrk="1" latinLnBrk="0" hangingPunct="1">
+              <a:lnSpc>
+                <a:spcPct val="90000"/>
+              </a:lnSpc>
+              <a:spcBef>
+                <a:spcPts val="500"/>
+              </a:spcBef>
+              <a:buFont typeface="Arial" panose="020B0604020202020204" pitchFamily="34" charset="0"/>
+              <a:buChar char="•"/>
+              <a:defRPr sz="1800" kern="1200">
+                <a:solidFill>
+                  <a:schemeClr val="tx1"/>
+                </a:solidFill>
+                <a:latin typeface="+mn-lt"/>
+                <a:ea typeface="+mn-ea"/>
+                <a:cs typeface="+mn-cs"/>
+              </a:defRPr>
+            </a:lvl7pPr>
+            <a:lvl8pPr marL="3429000" indent="-228600" algn="l" defTabSz="914400" rtl="0" eaLnBrk="1" latinLnBrk="0" hangingPunct="1">
+              <a:lnSpc>
+                <a:spcPct val="90000"/>
+              </a:lnSpc>
+              <a:spcBef>
+                <a:spcPts val="500"/>
+              </a:spcBef>
+              <a:buFont typeface="Arial" panose="020B0604020202020204" pitchFamily="34" charset="0"/>
+              <a:buChar char="•"/>
+              <a:defRPr sz="1800" kern="1200">
+                <a:solidFill>
+                  <a:schemeClr val="tx1"/>
+                </a:solidFill>
+                <a:latin typeface="+mn-lt"/>
+                <a:ea typeface="+mn-ea"/>
+                <a:cs typeface="+mn-cs"/>
+              </a:defRPr>
+            </a:lvl8pPr>
+            <a:lvl9pPr marL="3886200" indent="-228600" algn="l" defTabSz="914400" rtl="0" eaLnBrk="1" latinLnBrk="0" hangingPunct="1">
+              <a:lnSpc>
+                <a:spcPct val="90000"/>
+              </a:lnSpc>
+              <a:spcBef>
+                <a:spcPts val="500"/>
+              </a:spcBef>
+              <a:buFont typeface="Arial" panose="020B0604020202020204" pitchFamily="34" charset="0"/>
+              <a:buChar char="•"/>
+              <a:defRPr sz="1800" kern="1200">
+                <a:solidFill>
+                  <a:schemeClr val="tx1"/>
+                </a:solidFill>
+                <a:latin typeface="+mn-lt"/>
+                <a:ea typeface="+mn-ea"/>
+                <a:cs typeface="+mn-cs"/>
+              </a:defRPr>
+            </a:lvl9pPr>
+          </a:lstStyle>
+          <a:p>
+            <a:r>
+              <a:rPr lang="fr-FR" dirty="0"/>
+              <a:t>Wimmer &amp; </a:t>
+            </a:r>
+            <a:r>
+              <a:rPr lang="fr-FR" dirty="0" err="1"/>
+              <a:t>Shohamy</a:t>
+            </a:r>
+            <a:r>
+              <a:rPr lang="fr-FR" dirty="0"/>
+              <a:t> 2012</a:t>
+            </a:r>
+          </a:p>
+        </p:txBody>
+      </p:sp>
+      <p:pic>
+        <p:nvPicPr>
+          <p:cNvPr id="6" name="Picture 2">
+            <a:extLst>
+              <a:ext uri="{FF2B5EF4-FFF2-40B4-BE49-F238E27FC236}">
+                <a16:creationId xmlns:a16="http://schemas.microsoft.com/office/drawing/2014/main" id="{8B8029E6-15A3-469C-8433-2D3CF1777CB6}"/>
+              </a:ext>
+            </a:extLst>
+          </p:cNvPr>
+          <p:cNvPicPr>
+            <a:picLocks noChangeAspect="1" noChangeArrowheads="1"/>
+          </p:cNvPicPr>
+          <p:nvPr/>
+        </p:nvPicPr>
+        <p:blipFill>
+          <a:blip r:embed="rId2">
+            <a:extLst>
+              <a:ext uri="{28A0092B-C50C-407E-A947-70E740481C1C}">
+                <a14:useLocalDpi xmlns:a14="http://schemas.microsoft.com/office/drawing/2010/main" val="0"/>
+              </a:ext>
+            </a:extLst>
+          </a:blip>
+          <a:srcRect/>
+          <a:stretch>
+            <a:fillRect/>
+          </a:stretch>
+        </p:blipFill>
+        <p:spPr bwMode="auto">
+          <a:xfrm>
+            <a:off x="336051" y="2760179"/>
+            <a:ext cx="7058825" cy="2681325"/>
+          </a:xfrm>
+          <a:prstGeom prst="rect">
+            <a:avLst/>
+          </a:prstGeom>
+          <a:noFill/>
+          <a:extLst>
+            <a:ext uri="{909E8E84-426E-40DD-AFC4-6F175D3DCCD1}">
+              <a14:hiddenFill xmlns:a14="http://schemas.microsoft.com/office/drawing/2010/main">
+                <a:solidFill>
+                  <a:srgbClr val="FFFFFF"/>
+                </a:solidFill>
+              </a14:hiddenFill>
+            </a:ext>
+          </a:extLst>
+        </p:spPr>
       </p:pic>
+      <p:grpSp>
+        <p:nvGrpSpPr>
+          <p:cNvPr id="7" name="Groupe 6">
+            <a:extLst>
+              <a:ext uri="{FF2B5EF4-FFF2-40B4-BE49-F238E27FC236}">
+                <a16:creationId xmlns:a16="http://schemas.microsoft.com/office/drawing/2014/main" id="{6662715F-03C5-487E-9135-92BED0645B98}"/>
+              </a:ext>
+            </a:extLst>
+          </p:cNvPr>
+          <p:cNvGrpSpPr/>
+          <p:nvPr/>
+        </p:nvGrpSpPr>
+        <p:grpSpPr>
+          <a:xfrm>
+            <a:off x="6909306" y="1871082"/>
+            <a:ext cx="4946643" cy="3904997"/>
+            <a:chOff x="6909305" y="2691637"/>
+            <a:chExt cx="4946643" cy="3904997"/>
+          </a:xfrm>
+        </p:grpSpPr>
+        <p:pic>
+          <p:nvPicPr>
+            <p:cNvPr id="8" name="Image 7">
+              <a:extLst>
+                <a:ext uri="{FF2B5EF4-FFF2-40B4-BE49-F238E27FC236}">
+                  <a16:creationId xmlns:a16="http://schemas.microsoft.com/office/drawing/2014/main" id="{7334968C-CE0A-4020-ADF8-EFD0E811DBFC}"/>
+                </a:ext>
+              </a:extLst>
+            </p:cNvPr>
+            <p:cNvPicPr>
+              <a:picLocks noChangeAspect="1"/>
+            </p:cNvPicPr>
+            <p:nvPr/>
+          </p:nvPicPr>
+          <p:blipFill rotWithShape="1">
+            <a:blip r:embed="rId3"/>
+            <a:srcRect t="9640"/>
+            <a:stretch/>
+          </p:blipFill>
+          <p:spPr>
+            <a:xfrm>
+              <a:off x="8133387" y="3721971"/>
+              <a:ext cx="2760628" cy="2874663"/>
+            </a:xfrm>
+            <a:prstGeom prst="rect">
+              <a:avLst/>
+            </a:prstGeom>
+          </p:spPr>
+        </p:pic>
+        <p:sp>
+          <p:nvSpPr>
+            <p:cNvPr id="9" name="Espace réservé du contenu 2">
+              <a:extLst>
+                <a:ext uri="{FF2B5EF4-FFF2-40B4-BE49-F238E27FC236}">
+                  <a16:creationId xmlns:a16="http://schemas.microsoft.com/office/drawing/2014/main" id="{3E6587E0-19BB-4F1D-81C0-B8235218EFDE}"/>
+                </a:ext>
+              </a:extLst>
+            </p:cNvPr>
+            <p:cNvSpPr txBox="1">
+              <a:spLocks/>
+            </p:cNvSpPr>
+            <p:nvPr/>
+          </p:nvSpPr>
+          <p:spPr>
+            <a:xfrm>
+              <a:off x="6909305" y="2691637"/>
+              <a:ext cx="4946643" cy="3189733"/>
+            </a:xfrm>
+            <a:prstGeom prst="rect">
+              <a:avLst/>
+            </a:prstGeom>
+          </p:spPr>
+          <p:txBody>
+            <a:bodyPr vert="horz" lIns="91440" tIns="45720" rIns="91440" bIns="45720" rtlCol="0">
+              <a:normAutofit/>
+            </a:bodyPr>
+            <a:lstStyle>
+              <a:lvl1pPr marL="228600" indent="-228600" algn="l" defTabSz="914400" rtl="0" eaLnBrk="1" latinLnBrk="0" hangingPunct="1">
+                <a:lnSpc>
+                  <a:spcPct val="100000"/>
+                </a:lnSpc>
+                <a:spcBef>
+                  <a:spcPts val="1000"/>
+                </a:spcBef>
+                <a:buFont typeface="System Font Regular"/>
+                <a:buChar char="–"/>
+                <a:defRPr sz="2400" b="0" i="0" kern="1200">
+                  <a:solidFill>
+                    <a:schemeClr val="tx1"/>
+                  </a:solidFill>
+                  <a:latin typeface="+mn-lt"/>
+                  <a:ea typeface="+mn-ea"/>
+                  <a:cs typeface="+mn-cs"/>
+                </a:defRPr>
+              </a:lvl1pPr>
+              <a:lvl2pPr marL="685800" indent="-228600" algn="l" defTabSz="914400" rtl="0" eaLnBrk="1" latinLnBrk="0" hangingPunct="1">
+                <a:lnSpc>
+                  <a:spcPct val="100000"/>
+                </a:lnSpc>
+                <a:spcBef>
+                  <a:spcPts val="500"/>
+                </a:spcBef>
+                <a:buFont typeface="System Font Regular"/>
+                <a:buChar char="–"/>
+                <a:defRPr sz="2000" b="0" i="0" kern="1200">
+                  <a:solidFill>
+                    <a:schemeClr val="tx1"/>
+                  </a:solidFill>
+                  <a:latin typeface="+mn-lt"/>
+                  <a:ea typeface="+mn-ea"/>
+                  <a:cs typeface="+mn-cs"/>
+                </a:defRPr>
+              </a:lvl2pPr>
+              <a:lvl3pPr marL="1143000" indent="-228600" algn="l" defTabSz="914400" rtl="0" eaLnBrk="1" latinLnBrk="0" hangingPunct="1">
+                <a:lnSpc>
+                  <a:spcPct val="100000"/>
+                </a:lnSpc>
+                <a:spcBef>
+                  <a:spcPts val="500"/>
+                </a:spcBef>
+                <a:buFont typeface="System Font Regular"/>
+                <a:buChar char="–"/>
+                <a:defRPr sz="1800" b="0" i="0" kern="1200">
+                  <a:solidFill>
+                    <a:schemeClr val="tx1"/>
+                  </a:solidFill>
+                  <a:latin typeface="+mn-lt"/>
+                  <a:ea typeface="+mn-ea"/>
+                  <a:cs typeface="+mn-cs"/>
+                </a:defRPr>
+              </a:lvl3pPr>
+              <a:lvl4pPr marL="1600200" indent="-228600" algn="l" defTabSz="914400" rtl="0" eaLnBrk="1" latinLnBrk="0" hangingPunct="1">
+                <a:lnSpc>
+                  <a:spcPct val="100000"/>
+                </a:lnSpc>
+                <a:spcBef>
+                  <a:spcPts val="500"/>
+                </a:spcBef>
+                <a:buFont typeface="System Font Regular"/>
+                <a:buChar char="–"/>
+                <a:defRPr sz="1600" b="0" i="0" kern="1200">
+                  <a:solidFill>
+                    <a:schemeClr val="tx1"/>
+                  </a:solidFill>
+                  <a:latin typeface="+mn-lt"/>
+                  <a:ea typeface="+mn-ea"/>
+                  <a:cs typeface="+mn-cs"/>
+                </a:defRPr>
+              </a:lvl4pPr>
+              <a:lvl5pPr marL="2057400" indent="-228600" algn="l" defTabSz="914400" rtl="0" eaLnBrk="1" latinLnBrk="0" hangingPunct="1">
+                <a:lnSpc>
+                  <a:spcPct val="100000"/>
+                </a:lnSpc>
+                <a:spcBef>
+                  <a:spcPts val="500"/>
+                </a:spcBef>
+                <a:buFont typeface="System Font Regular"/>
+                <a:buChar char="–"/>
+                <a:defRPr sz="1600" b="0" i="0" kern="1200">
+                  <a:solidFill>
+                    <a:schemeClr val="tx1"/>
+                  </a:solidFill>
+                  <a:latin typeface="+mn-lt"/>
+                  <a:ea typeface="+mn-ea"/>
+                  <a:cs typeface="+mn-cs"/>
+                </a:defRPr>
+              </a:lvl5pPr>
+              <a:lvl6pPr marL="2514600" indent="-228600" algn="l" defTabSz="914400" rtl="0" eaLnBrk="1" latinLnBrk="0" hangingPunct="1">
+                <a:lnSpc>
+                  <a:spcPct val="90000"/>
+                </a:lnSpc>
+                <a:spcBef>
+                  <a:spcPts val="500"/>
+                </a:spcBef>
+                <a:buFont typeface="Arial" panose="020B0604020202020204" pitchFamily="34" charset="0"/>
+                <a:buChar char="•"/>
+                <a:defRPr sz="1800" kern="1200">
+                  <a:solidFill>
+                    <a:schemeClr val="tx1"/>
+                  </a:solidFill>
+                  <a:latin typeface="+mn-lt"/>
+                  <a:ea typeface="+mn-ea"/>
+                  <a:cs typeface="+mn-cs"/>
+                </a:defRPr>
+              </a:lvl6pPr>
+              <a:lvl7pPr marL="2971800" indent="-228600" algn="l" defTabSz="914400" rtl="0" eaLnBrk="1" latinLnBrk="0" hangingPunct="1">
+                <a:lnSpc>
+                  <a:spcPct val="90000"/>
+                </a:lnSpc>
+                <a:spcBef>
+                  <a:spcPts val="500"/>
+                </a:spcBef>
+                <a:buFont typeface="Arial" panose="020B0604020202020204" pitchFamily="34" charset="0"/>
+                <a:buChar char="•"/>
+                <a:defRPr sz="1800" kern="1200">
+                  <a:solidFill>
+                    <a:schemeClr val="tx1"/>
+                  </a:solidFill>
+                  <a:latin typeface="+mn-lt"/>
+                  <a:ea typeface="+mn-ea"/>
+                  <a:cs typeface="+mn-cs"/>
+                </a:defRPr>
+              </a:lvl7pPr>
+              <a:lvl8pPr marL="3429000" indent="-228600" algn="l" defTabSz="914400" rtl="0" eaLnBrk="1" latinLnBrk="0" hangingPunct="1">
+                <a:lnSpc>
+                  <a:spcPct val="90000"/>
+                </a:lnSpc>
+                <a:spcBef>
+                  <a:spcPts val="500"/>
+                </a:spcBef>
+                <a:buFont typeface="Arial" panose="020B0604020202020204" pitchFamily="34" charset="0"/>
+                <a:buChar char="•"/>
+                <a:defRPr sz="1800" kern="1200">
+                  <a:solidFill>
+                    <a:schemeClr val="tx1"/>
+                  </a:solidFill>
+                  <a:latin typeface="+mn-lt"/>
+                  <a:ea typeface="+mn-ea"/>
+                  <a:cs typeface="+mn-cs"/>
+                </a:defRPr>
+              </a:lvl8pPr>
+              <a:lvl9pPr marL="3886200" indent="-228600" algn="l" defTabSz="914400" rtl="0" eaLnBrk="1" latinLnBrk="0" hangingPunct="1">
+                <a:lnSpc>
+                  <a:spcPct val="90000"/>
+                </a:lnSpc>
+                <a:spcBef>
+                  <a:spcPts val="500"/>
+                </a:spcBef>
+                <a:buFont typeface="Arial" panose="020B0604020202020204" pitchFamily="34" charset="0"/>
+                <a:buChar char="•"/>
+                <a:defRPr sz="1800" kern="1200">
+                  <a:solidFill>
+                    <a:schemeClr val="tx1"/>
+                  </a:solidFill>
+                  <a:latin typeface="+mn-lt"/>
+                  <a:ea typeface="+mn-ea"/>
+                  <a:cs typeface="+mn-cs"/>
+                </a:defRPr>
+              </a:lvl9pPr>
+            </a:lstStyle>
+            <a:p>
+              <a:r>
+                <a:rPr lang="fr-FR" dirty="0" err="1"/>
+                <a:t>Category</a:t>
+              </a:r>
+              <a:r>
+                <a:rPr lang="fr-FR" dirty="0"/>
+                <a:t> </a:t>
+              </a:r>
+              <a:r>
+                <a:rPr lang="fr-FR" dirty="0" err="1"/>
+                <a:t>specific</a:t>
+              </a:r>
+              <a:r>
+                <a:rPr lang="fr-FR" dirty="0"/>
+                <a:t> </a:t>
+              </a:r>
+              <a:r>
+                <a:rPr lang="fr-FR" dirty="0" err="1"/>
+                <a:t>visual</a:t>
+              </a:r>
+              <a:r>
+                <a:rPr lang="fr-FR" dirty="0"/>
+                <a:t> areas</a:t>
+              </a:r>
+            </a:p>
+            <a:p>
+              <a:pPr lvl="1"/>
+              <a:r>
+                <a:rPr lang="fr-FR" dirty="0"/>
+                <a:t>Train </a:t>
+              </a:r>
+              <a:r>
+                <a:rPr lang="fr-FR" dirty="0" err="1"/>
+                <a:t>category</a:t>
+              </a:r>
+              <a:r>
+                <a:rPr lang="fr-FR" dirty="0"/>
+                <a:t> classifier</a:t>
+              </a:r>
+            </a:p>
+          </p:txBody>
+        </p:sp>
+      </p:grpSp>
+      <p:sp>
+        <p:nvSpPr>
+          <p:cNvPr id="11" name="Titre 1">
+            <a:extLst>
+              <a:ext uri="{FF2B5EF4-FFF2-40B4-BE49-F238E27FC236}">
+                <a16:creationId xmlns:a16="http://schemas.microsoft.com/office/drawing/2014/main" id="{725C18CE-38AD-4851-A32E-95A6835107C8}"/>
+              </a:ext>
+            </a:extLst>
+          </p:cNvPr>
+          <p:cNvSpPr txBox="1">
+            <a:spLocks/>
+          </p:cNvSpPr>
+          <p:nvPr/>
+        </p:nvSpPr>
+        <p:spPr>
+          <a:xfrm>
+            <a:off x="565149" y="393479"/>
+            <a:ext cx="11626851" cy="827987"/>
+          </a:xfrm>
+          <a:prstGeom prst="rect">
+            <a:avLst/>
+          </a:prstGeom>
+          <a:solidFill>
+            <a:schemeClr val="bg2"/>
+          </a:solidFill>
+        </p:spPr>
+        <p:txBody>
+          <a:bodyPr vert="horz" lIns="91440" tIns="45720" rIns="91440" bIns="45720" rtlCol="0" anchor="t">
+            <a:normAutofit/>
+          </a:bodyPr>
+          <a:lstStyle>
+            <a:lvl1pPr algn="l" defTabSz="914400" rtl="0" eaLnBrk="1" latinLnBrk="0" hangingPunct="1">
+              <a:lnSpc>
+                <a:spcPct val="100000"/>
+              </a:lnSpc>
+              <a:spcBef>
+                <a:spcPct val="0"/>
+              </a:spcBef>
+              <a:buNone/>
+              <a:defRPr sz="4400" kern="1200">
+                <a:solidFill>
+                  <a:schemeClr val="tx1"/>
+                </a:solidFill>
+                <a:latin typeface="+mj-lt"/>
+                <a:ea typeface="+mj-ea"/>
+                <a:cs typeface="+mj-cs"/>
+              </a:defRPr>
+            </a:lvl1pPr>
+          </a:lstStyle>
+          <a:p>
+            <a:r>
+              <a:rPr lang="fr-FR" sz="4800" dirty="0">
+                <a:solidFill>
+                  <a:schemeClr val="bg2">
+                    <a:lumMod val="90000"/>
+                  </a:schemeClr>
+                </a:solidFill>
+              </a:rPr>
+              <a:t>1. Introduction</a:t>
+            </a:r>
+            <a:r>
+              <a:rPr lang="fr-FR" dirty="0">
+                <a:solidFill>
+                  <a:schemeClr val="bg2">
+                    <a:lumMod val="90000"/>
+                  </a:schemeClr>
+                </a:solidFill>
+              </a:rPr>
+              <a:t> </a:t>
+            </a:r>
+          </a:p>
+        </p:txBody>
+      </p:sp>
+      <p:sp>
+        <p:nvSpPr>
+          <p:cNvPr id="12" name="Espace réservé du contenu 2">
+            <a:extLst>
+              <a:ext uri="{FF2B5EF4-FFF2-40B4-BE49-F238E27FC236}">
+                <a16:creationId xmlns:a16="http://schemas.microsoft.com/office/drawing/2014/main" id="{CA22B084-62FE-45A8-B007-32103F831729}"/>
+              </a:ext>
+            </a:extLst>
+          </p:cNvPr>
+          <p:cNvSpPr txBox="1">
+            <a:spLocks/>
+          </p:cNvSpPr>
+          <p:nvPr/>
+        </p:nvSpPr>
+        <p:spPr>
+          <a:xfrm>
+            <a:off x="879895" y="5802973"/>
+            <a:ext cx="6708130" cy="826428"/>
+          </a:xfrm>
+          <a:prstGeom prst="rect">
+            <a:avLst/>
+          </a:prstGeom>
+        </p:spPr>
+        <p:txBody>
+          <a:bodyPr vert="horz" lIns="91440" tIns="45720" rIns="91440" bIns="45720" rtlCol="0">
+            <a:normAutofit/>
+          </a:bodyPr>
+          <a:lstStyle>
+            <a:lvl1pPr marL="228600" indent="-228600" algn="l" defTabSz="914400" rtl="0" eaLnBrk="1" latinLnBrk="0" hangingPunct="1">
+              <a:lnSpc>
+                <a:spcPct val="100000"/>
+              </a:lnSpc>
+              <a:spcBef>
+                <a:spcPts val="1000"/>
+              </a:spcBef>
+              <a:buFont typeface="System Font Regular"/>
+              <a:buChar char="–"/>
+              <a:defRPr sz="2400" b="0" i="0" kern="1200">
+                <a:solidFill>
+                  <a:schemeClr val="tx1"/>
+                </a:solidFill>
+                <a:latin typeface="+mn-lt"/>
+                <a:ea typeface="+mn-ea"/>
+                <a:cs typeface="+mn-cs"/>
+              </a:defRPr>
+            </a:lvl1pPr>
+            <a:lvl2pPr marL="685800" indent="-228600" algn="l" defTabSz="914400" rtl="0" eaLnBrk="1" latinLnBrk="0" hangingPunct="1">
+              <a:lnSpc>
+                <a:spcPct val="100000"/>
+              </a:lnSpc>
+              <a:spcBef>
+                <a:spcPts val="500"/>
+              </a:spcBef>
+              <a:buFont typeface="System Font Regular"/>
+              <a:buChar char="–"/>
+              <a:defRPr sz="2000" b="0" i="0" kern="1200">
+                <a:solidFill>
+                  <a:schemeClr val="tx1"/>
+                </a:solidFill>
+                <a:latin typeface="+mn-lt"/>
+                <a:ea typeface="+mn-ea"/>
+                <a:cs typeface="+mn-cs"/>
+              </a:defRPr>
+            </a:lvl2pPr>
+            <a:lvl3pPr marL="1143000" indent="-228600" algn="l" defTabSz="914400" rtl="0" eaLnBrk="1" latinLnBrk="0" hangingPunct="1">
+              <a:lnSpc>
+                <a:spcPct val="100000"/>
+              </a:lnSpc>
+              <a:spcBef>
+                <a:spcPts val="500"/>
+              </a:spcBef>
+              <a:buFont typeface="System Font Regular"/>
+              <a:buChar char="–"/>
+              <a:defRPr sz="1800" b="0" i="0" kern="1200">
+                <a:solidFill>
+                  <a:schemeClr val="tx1"/>
+                </a:solidFill>
+                <a:latin typeface="+mn-lt"/>
+                <a:ea typeface="+mn-ea"/>
+                <a:cs typeface="+mn-cs"/>
+              </a:defRPr>
+            </a:lvl3pPr>
+            <a:lvl4pPr marL="1600200" indent="-228600" algn="l" defTabSz="914400" rtl="0" eaLnBrk="1" latinLnBrk="0" hangingPunct="1">
+              <a:lnSpc>
+                <a:spcPct val="100000"/>
+              </a:lnSpc>
+              <a:spcBef>
+                <a:spcPts val="500"/>
+              </a:spcBef>
+              <a:buFont typeface="System Font Regular"/>
+              <a:buChar char="–"/>
+              <a:defRPr sz="1600" b="0" i="0" kern="1200">
+                <a:solidFill>
+                  <a:schemeClr val="tx1"/>
+                </a:solidFill>
+                <a:latin typeface="+mn-lt"/>
+                <a:ea typeface="+mn-ea"/>
+                <a:cs typeface="+mn-cs"/>
+              </a:defRPr>
+            </a:lvl4pPr>
+            <a:lvl5pPr marL="2057400" indent="-228600" algn="l" defTabSz="914400" rtl="0" eaLnBrk="1" latinLnBrk="0" hangingPunct="1">
+              <a:lnSpc>
+                <a:spcPct val="100000"/>
+              </a:lnSpc>
+              <a:spcBef>
+                <a:spcPts val="500"/>
+              </a:spcBef>
+              <a:buFont typeface="System Font Regular"/>
+              <a:buChar char="–"/>
+              <a:defRPr sz="1600" b="0" i="0" kern="1200">
+                <a:solidFill>
+                  <a:schemeClr val="tx1"/>
+                </a:solidFill>
+                <a:latin typeface="+mn-lt"/>
+                <a:ea typeface="+mn-ea"/>
+                <a:cs typeface="+mn-cs"/>
+              </a:defRPr>
+            </a:lvl5pPr>
+            <a:lvl6pPr marL="2514600" indent="-228600" algn="l" defTabSz="914400" rtl="0" eaLnBrk="1" latinLnBrk="0" hangingPunct="1">
+              <a:lnSpc>
+                <a:spcPct val="90000"/>
+              </a:lnSpc>
+              <a:spcBef>
+                <a:spcPts val="500"/>
+              </a:spcBef>
+              <a:buFont typeface="Arial" panose="020B0604020202020204" pitchFamily="34" charset="0"/>
+              <a:buChar char="•"/>
+              <a:defRPr sz="1800" kern="1200">
+                <a:solidFill>
+                  <a:schemeClr val="tx1"/>
+                </a:solidFill>
+                <a:latin typeface="+mn-lt"/>
+                <a:ea typeface="+mn-ea"/>
+                <a:cs typeface="+mn-cs"/>
+              </a:defRPr>
+            </a:lvl6pPr>
+            <a:lvl7pPr marL="2971800" indent="-228600" algn="l" defTabSz="914400" rtl="0" eaLnBrk="1" latinLnBrk="0" hangingPunct="1">
+              <a:lnSpc>
+                <a:spcPct val="90000"/>
+              </a:lnSpc>
+              <a:spcBef>
+                <a:spcPts val="500"/>
+              </a:spcBef>
+              <a:buFont typeface="Arial" panose="020B0604020202020204" pitchFamily="34" charset="0"/>
+              <a:buChar char="•"/>
+              <a:defRPr sz="1800" kern="1200">
+                <a:solidFill>
+                  <a:schemeClr val="tx1"/>
+                </a:solidFill>
+                <a:latin typeface="+mn-lt"/>
+                <a:ea typeface="+mn-ea"/>
+                <a:cs typeface="+mn-cs"/>
+              </a:defRPr>
+            </a:lvl7pPr>
+            <a:lvl8pPr marL="3429000" indent="-228600" algn="l" defTabSz="914400" rtl="0" eaLnBrk="1" latinLnBrk="0" hangingPunct="1">
+              <a:lnSpc>
+                <a:spcPct val="90000"/>
+              </a:lnSpc>
+              <a:spcBef>
+                <a:spcPts val="500"/>
+              </a:spcBef>
+              <a:buFont typeface="Arial" panose="020B0604020202020204" pitchFamily="34" charset="0"/>
+              <a:buChar char="•"/>
+              <a:defRPr sz="1800" kern="1200">
+                <a:solidFill>
+                  <a:schemeClr val="tx1"/>
+                </a:solidFill>
+                <a:latin typeface="+mn-lt"/>
+                <a:ea typeface="+mn-ea"/>
+                <a:cs typeface="+mn-cs"/>
+              </a:defRPr>
+            </a:lvl8pPr>
+            <a:lvl9pPr marL="3886200" indent="-228600" algn="l" defTabSz="914400" rtl="0" eaLnBrk="1" latinLnBrk="0" hangingPunct="1">
+              <a:lnSpc>
+                <a:spcPct val="90000"/>
+              </a:lnSpc>
+              <a:spcBef>
+                <a:spcPts val="500"/>
+              </a:spcBef>
+              <a:buFont typeface="Arial" panose="020B0604020202020204" pitchFamily="34" charset="0"/>
+              <a:buChar char="•"/>
+              <a:defRPr sz="1800" kern="1200">
+                <a:solidFill>
+                  <a:schemeClr val="tx1"/>
+                </a:solidFill>
+                <a:latin typeface="+mn-lt"/>
+                <a:ea typeface="+mn-ea"/>
+                <a:cs typeface="+mn-cs"/>
+              </a:defRPr>
+            </a:lvl9pPr>
+          </a:lstStyle>
+          <a:p>
+            <a:endParaRPr lang="fr-FR" dirty="0"/>
+          </a:p>
+        </p:txBody>
+      </p:sp>
     </p:spTree>
     <p:extLst>
       <p:ext uri="{BB962C8B-B14F-4D97-AF65-F5344CB8AC3E}">
-        <p14:creationId xmlns:p14="http://schemas.microsoft.com/office/powerpoint/2010/main" val="2272786622"/>
+        <p14:creationId xmlns:p14="http://schemas.microsoft.com/office/powerpoint/2010/main" val="1301503486"/>
       </p:ext>
     </p:extLst>
   </p:cSld>
@@ -14322,98 +16660,903 @@
             <p:ph type="title"/>
           </p:nvPr>
         </p:nvSpPr>
-        <p:spPr/>
+        <p:spPr>
+          <a:xfrm>
+            <a:off x="565148" y="1204721"/>
+            <a:ext cx="9920615" cy="1446550"/>
+          </a:xfrm>
+        </p:spPr>
         <p:txBody>
-          <a:bodyPr/>
+          <a:bodyPr>
+            <a:normAutofit/>
+          </a:bodyPr>
           <a:lstStyle/>
           <a:p>
-            <a:endParaRPr lang="fr-FR" dirty="0"/>
+            <a:r>
+              <a:rPr lang="fr-FR" sz="3600" dirty="0">
+                <a:solidFill>
+                  <a:schemeClr val="tx2">
+                    <a:lumMod val="25000"/>
+                    <a:lumOff val="75000"/>
+                  </a:schemeClr>
+                </a:solidFill>
+              </a:rPr>
+              <a:t>1.2 </a:t>
+            </a:r>
+            <a:r>
+              <a:rPr lang="fr-FR" sz="3600" dirty="0" err="1">
+                <a:solidFill>
+                  <a:schemeClr val="tx2">
+                    <a:lumMod val="25000"/>
+                    <a:lumOff val="75000"/>
+                  </a:schemeClr>
+                </a:solidFill>
+              </a:rPr>
+              <a:t>Paradigm</a:t>
+            </a:r>
+            <a:r>
+              <a:rPr lang="fr-FR" sz="3600" dirty="0">
+                <a:solidFill>
+                  <a:schemeClr val="tx2">
+                    <a:lumMod val="25000"/>
+                    <a:lumOff val="75000"/>
+                  </a:schemeClr>
+                </a:solidFill>
+              </a:rPr>
+              <a:t> </a:t>
+            </a:r>
+            <a:r>
+              <a:rPr lang="fr-FR" sz="3600" dirty="0">
+                <a:solidFill>
+                  <a:schemeClr val="tx2">
+                    <a:lumMod val="75000"/>
+                    <a:lumOff val="25000"/>
+                  </a:schemeClr>
+                </a:solidFill>
+              </a:rPr>
+              <a:t>– Association Phase</a:t>
+            </a:r>
+            <a:endParaRPr lang="fr-FR" sz="3600" dirty="0"/>
+          </a:p>
+        </p:txBody>
+      </p:sp>
+      <p:pic>
+        <p:nvPicPr>
+          <p:cNvPr id="6" name="Image 5">
+            <a:extLst>
+              <a:ext uri="{FF2B5EF4-FFF2-40B4-BE49-F238E27FC236}">
+                <a16:creationId xmlns:a16="http://schemas.microsoft.com/office/drawing/2014/main" id="{9D242227-3C3E-4F92-B815-E2E5BC8B930A}"/>
+              </a:ext>
+            </a:extLst>
+          </p:cNvPr>
+          <p:cNvPicPr>
+            <a:picLocks noChangeAspect="1"/>
+          </p:cNvPicPr>
+          <p:nvPr/>
+        </p:nvPicPr>
+        <p:blipFill>
+          <a:blip r:embed="rId2"/>
+          <a:stretch>
+            <a:fillRect/>
+          </a:stretch>
+        </p:blipFill>
+        <p:spPr>
+          <a:xfrm>
+            <a:off x="1296123" y="3138705"/>
+            <a:ext cx="3596640" cy="2843058"/>
+          </a:xfrm>
+          <a:prstGeom prst="rect">
+            <a:avLst/>
+          </a:prstGeom>
+        </p:spPr>
+      </p:pic>
+      <p:sp>
+        <p:nvSpPr>
+          <p:cNvPr id="7" name="Espace réservé du contenu 2">
+            <a:extLst>
+              <a:ext uri="{FF2B5EF4-FFF2-40B4-BE49-F238E27FC236}">
+                <a16:creationId xmlns:a16="http://schemas.microsoft.com/office/drawing/2014/main" id="{F4FA8FED-33D8-48F7-912F-0B9EFE9C3EAA}"/>
+              </a:ext>
+            </a:extLst>
+          </p:cNvPr>
+          <p:cNvSpPr txBox="1">
+            <a:spLocks/>
+          </p:cNvSpPr>
+          <p:nvPr/>
+        </p:nvSpPr>
+        <p:spPr>
+          <a:xfrm>
+            <a:off x="565147" y="2006748"/>
+            <a:ext cx="4946644" cy="3189733"/>
+          </a:xfrm>
+          <a:prstGeom prst="rect">
+            <a:avLst/>
+          </a:prstGeom>
+        </p:spPr>
+        <p:txBody>
+          <a:bodyPr vert="horz" lIns="91440" tIns="45720" rIns="91440" bIns="45720" rtlCol="0">
+            <a:normAutofit/>
+          </a:bodyPr>
+          <a:lstStyle>
+            <a:lvl1pPr marL="228600" indent="-228600" algn="l" defTabSz="914400" rtl="0" eaLnBrk="1" latinLnBrk="0" hangingPunct="1">
+              <a:lnSpc>
+                <a:spcPct val="100000"/>
+              </a:lnSpc>
+              <a:spcBef>
+                <a:spcPts val="1000"/>
+              </a:spcBef>
+              <a:buFont typeface="System Font Regular"/>
+              <a:buChar char="–"/>
+              <a:defRPr sz="2400" b="0" i="0" kern="1200">
+                <a:solidFill>
+                  <a:schemeClr val="tx1"/>
+                </a:solidFill>
+                <a:latin typeface="+mn-lt"/>
+                <a:ea typeface="+mn-ea"/>
+                <a:cs typeface="+mn-cs"/>
+              </a:defRPr>
+            </a:lvl1pPr>
+            <a:lvl2pPr marL="685800" indent="-228600" algn="l" defTabSz="914400" rtl="0" eaLnBrk="1" latinLnBrk="0" hangingPunct="1">
+              <a:lnSpc>
+                <a:spcPct val="100000"/>
+              </a:lnSpc>
+              <a:spcBef>
+                <a:spcPts val="500"/>
+              </a:spcBef>
+              <a:buFont typeface="System Font Regular"/>
+              <a:buChar char="–"/>
+              <a:defRPr sz="2000" b="0" i="0" kern="1200">
+                <a:solidFill>
+                  <a:schemeClr val="tx1"/>
+                </a:solidFill>
+                <a:latin typeface="+mn-lt"/>
+                <a:ea typeface="+mn-ea"/>
+                <a:cs typeface="+mn-cs"/>
+              </a:defRPr>
+            </a:lvl2pPr>
+            <a:lvl3pPr marL="1143000" indent="-228600" algn="l" defTabSz="914400" rtl="0" eaLnBrk="1" latinLnBrk="0" hangingPunct="1">
+              <a:lnSpc>
+                <a:spcPct val="100000"/>
+              </a:lnSpc>
+              <a:spcBef>
+                <a:spcPts val="500"/>
+              </a:spcBef>
+              <a:buFont typeface="System Font Regular"/>
+              <a:buChar char="–"/>
+              <a:defRPr sz="1800" b="0" i="0" kern="1200">
+                <a:solidFill>
+                  <a:schemeClr val="tx1"/>
+                </a:solidFill>
+                <a:latin typeface="+mn-lt"/>
+                <a:ea typeface="+mn-ea"/>
+                <a:cs typeface="+mn-cs"/>
+              </a:defRPr>
+            </a:lvl3pPr>
+            <a:lvl4pPr marL="1600200" indent="-228600" algn="l" defTabSz="914400" rtl="0" eaLnBrk="1" latinLnBrk="0" hangingPunct="1">
+              <a:lnSpc>
+                <a:spcPct val="100000"/>
+              </a:lnSpc>
+              <a:spcBef>
+                <a:spcPts val="500"/>
+              </a:spcBef>
+              <a:buFont typeface="System Font Regular"/>
+              <a:buChar char="–"/>
+              <a:defRPr sz="1600" b="0" i="0" kern="1200">
+                <a:solidFill>
+                  <a:schemeClr val="tx1"/>
+                </a:solidFill>
+                <a:latin typeface="+mn-lt"/>
+                <a:ea typeface="+mn-ea"/>
+                <a:cs typeface="+mn-cs"/>
+              </a:defRPr>
+            </a:lvl4pPr>
+            <a:lvl5pPr marL="2057400" indent="-228600" algn="l" defTabSz="914400" rtl="0" eaLnBrk="1" latinLnBrk="0" hangingPunct="1">
+              <a:lnSpc>
+                <a:spcPct val="100000"/>
+              </a:lnSpc>
+              <a:spcBef>
+                <a:spcPts val="500"/>
+              </a:spcBef>
+              <a:buFont typeface="System Font Regular"/>
+              <a:buChar char="–"/>
+              <a:defRPr sz="1600" b="0" i="0" kern="1200">
+                <a:solidFill>
+                  <a:schemeClr val="tx1"/>
+                </a:solidFill>
+                <a:latin typeface="+mn-lt"/>
+                <a:ea typeface="+mn-ea"/>
+                <a:cs typeface="+mn-cs"/>
+              </a:defRPr>
+            </a:lvl5pPr>
+            <a:lvl6pPr marL="2514600" indent="-228600" algn="l" defTabSz="914400" rtl="0" eaLnBrk="1" latinLnBrk="0" hangingPunct="1">
+              <a:lnSpc>
+                <a:spcPct val="90000"/>
+              </a:lnSpc>
+              <a:spcBef>
+                <a:spcPts val="500"/>
+              </a:spcBef>
+              <a:buFont typeface="Arial" panose="020B0604020202020204" pitchFamily="34" charset="0"/>
+              <a:buChar char="•"/>
+              <a:defRPr sz="1800" kern="1200">
+                <a:solidFill>
+                  <a:schemeClr val="tx1"/>
+                </a:solidFill>
+                <a:latin typeface="+mn-lt"/>
+                <a:ea typeface="+mn-ea"/>
+                <a:cs typeface="+mn-cs"/>
+              </a:defRPr>
+            </a:lvl6pPr>
+            <a:lvl7pPr marL="2971800" indent="-228600" algn="l" defTabSz="914400" rtl="0" eaLnBrk="1" latinLnBrk="0" hangingPunct="1">
+              <a:lnSpc>
+                <a:spcPct val="90000"/>
+              </a:lnSpc>
+              <a:spcBef>
+                <a:spcPts val="500"/>
+              </a:spcBef>
+              <a:buFont typeface="Arial" panose="020B0604020202020204" pitchFamily="34" charset="0"/>
+              <a:buChar char="•"/>
+              <a:defRPr sz="1800" kern="1200">
+                <a:solidFill>
+                  <a:schemeClr val="tx1"/>
+                </a:solidFill>
+                <a:latin typeface="+mn-lt"/>
+                <a:ea typeface="+mn-ea"/>
+                <a:cs typeface="+mn-cs"/>
+              </a:defRPr>
+            </a:lvl7pPr>
+            <a:lvl8pPr marL="3429000" indent="-228600" algn="l" defTabSz="914400" rtl="0" eaLnBrk="1" latinLnBrk="0" hangingPunct="1">
+              <a:lnSpc>
+                <a:spcPct val="90000"/>
+              </a:lnSpc>
+              <a:spcBef>
+                <a:spcPts val="500"/>
+              </a:spcBef>
+              <a:buFont typeface="Arial" panose="020B0604020202020204" pitchFamily="34" charset="0"/>
+              <a:buChar char="•"/>
+              <a:defRPr sz="1800" kern="1200">
+                <a:solidFill>
+                  <a:schemeClr val="tx1"/>
+                </a:solidFill>
+                <a:latin typeface="+mn-lt"/>
+                <a:ea typeface="+mn-ea"/>
+                <a:cs typeface="+mn-cs"/>
+              </a:defRPr>
+            </a:lvl8pPr>
+            <a:lvl9pPr marL="3886200" indent="-228600" algn="l" defTabSz="914400" rtl="0" eaLnBrk="1" latinLnBrk="0" hangingPunct="1">
+              <a:lnSpc>
+                <a:spcPct val="90000"/>
+              </a:lnSpc>
+              <a:spcBef>
+                <a:spcPts val="500"/>
+              </a:spcBef>
+              <a:buFont typeface="Arial" panose="020B0604020202020204" pitchFamily="34" charset="0"/>
+              <a:buChar char="•"/>
+              <a:defRPr sz="1800" kern="1200">
+                <a:solidFill>
+                  <a:schemeClr val="tx1"/>
+                </a:solidFill>
+                <a:latin typeface="+mn-lt"/>
+                <a:ea typeface="+mn-ea"/>
+                <a:cs typeface="+mn-cs"/>
+              </a:defRPr>
+            </a:lvl9pPr>
+          </a:lstStyle>
+          <a:p>
+            <a:r>
+              <a:rPr lang="fr-FR" sz="2000" dirty="0" err="1"/>
+              <a:t>Hippocampus</a:t>
+            </a:r>
+            <a:r>
+              <a:rPr lang="fr-FR" sz="2000" dirty="0"/>
+              <a:t> activation </a:t>
+            </a:r>
+            <a:r>
+              <a:rPr lang="fr-FR" sz="2000" dirty="0" err="1"/>
+              <a:t>during</a:t>
+            </a:r>
+            <a:r>
+              <a:rPr lang="fr-FR" sz="2000" dirty="0"/>
+              <a:t> </a:t>
+            </a:r>
+            <a:r>
+              <a:rPr lang="fr-FR" sz="2000" dirty="0" err="1"/>
+              <a:t>learning</a:t>
+            </a:r>
+            <a:r>
+              <a:rPr lang="fr-FR" sz="2000" dirty="0"/>
+              <a:t> (A-B) </a:t>
+            </a:r>
+            <a:r>
+              <a:rPr lang="fr-FR" sz="2000" dirty="0" err="1"/>
+              <a:t>predicts</a:t>
+            </a:r>
+            <a:r>
+              <a:rPr lang="fr-FR" sz="2000" dirty="0"/>
+              <a:t> associative performance (in </a:t>
+            </a:r>
+            <a:r>
+              <a:rPr lang="fr-FR" sz="2000" dirty="0" err="1"/>
+              <a:t>decision</a:t>
+            </a:r>
+            <a:r>
+              <a:rPr lang="fr-FR" sz="2000" dirty="0"/>
+              <a:t> phase)</a:t>
+            </a:r>
           </a:p>
         </p:txBody>
       </p:sp>
       <p:sp>
         <p:nvSpPr>
-          <p:cNvPr id="3" name="Espace réservé du contenu 2">
+          <p:cNvPr id="9" name="Titre 1">
             <a:extLst>
               <a:ext uri="{FF2B5EF4-FFF2-40B4-BE49-F238E27FC236}">
-                <a16:creationId xmlns:a16="http://schemas.microsoft.com/office/drawing/2014/main" id="{A5DF7940-389D-4E83-A1C9-DB0598FB8D02}"/>
+                <a16:creationId xmlns:a16="http://schemas.microsoft.com/office/drawing/2014/main" id="{DDE7140D-18B5-469E-848B-06B48A4B8F5F}"/>
               </a:ext>
             </a:extLst>
           </p:cNvPr>
-          <p:cNvSpPr>
-            <a:spLocks noGrp="1"/>
+          <p:cNvSpPr txBox="1">
+            <a:spLocks/>
           </p:cNvSpPr>
-          <p:nvPr>
-            <p:ph sz="half" idx="1"/>
-          </p:nvPr>
+          <p:nvPr/>
         </p:nvSpPr>
-        <p:spPr/>
+        <p:spPr>
+          <a:xfrm>
+            <a:off x="565149" y="393479"/>
+            <a:ext cx="11626851" cy="827987"/>
+          </a:xfrm>
+          <a:prstGeom prst="rect">
+            <a:avLst/>
+          </a:prstGeom>
+          <a:solidFill>
+            <a:schemeClr val="bg2"/>
+          </a:solidFill>
+        </p:spPr>
         <p:txBody>
-          <a:bodyPr/>
-          <a:lstStyle/>
-          <a:p>
-            <a:r>
-              <a:rPr lang="fr-FR" dirty="0"/>
-              <a:t>Wimmer &amp; </a:t>
-            </a:r>
-            <a:r>
-              <a:rPr lang="fr-FR" dirty="0" err="1"/>
-              <a:t>Shohamy</a:t>
-            </a:r>
-            <a:r>
-              <a:rPr lang="fr-FR" dirty="0"/>
-              <a:t> 2012</a:t>
+          <a:bodyPr vert="horz" lIns="91440" tIns="45720" rIns="91440" bIns="45720" rtlCol="0" anchor="t">
+            <a:normAutofit/>
+          </a:bodyPr>
+          <a:lstStyle>
+            <a:lvl1pPr algn="l" defTabSz="914400" rtl="0" eaLnBrk="1" latinLnBrk="0" hangingPunct="1">
+              <a:lnSpc>
+                <a:spcPct val="100000"/>
+              </a:lnSpc>
+              <a:spcBef>
+                <a:spcPct val="0"/>
+              </a:spcBef>
+              <a:buNone/>
+              <a:defRPr sz="4400" kern="1200">
+                <a:solidFill>
+                  <a:schemeClr val="tx1"/>
+                </a:solidFill>
+                <a:latin typeface="+mj-lt"/>
+                <a:ea typeface="+mj-ea"/>
+                <a:cs typeface="+mj-cs"/>
+              </a:defRPr>
+            </a:lvl1pPr>
+          </a:lstStyle>
+          <a:p>
+            <a:r>
+              <a:rPr lang="fr-FR" sz="4800" dirty="0">
+                <a:solidFill>
+                  <a:schemeClr val="bg2">
+                    <a:lumMod val="90000"/>
+                  </a:schemeClr>
+                </a:solidFill>
+              </a:rPr>
+              <a:t>1. Introduction</a:t>
+            </a:r>
+            <a:r>
+              <a:rPr lang="fr-FR" dirty="0">
+                <a:solidFill>
+                  <a:schemeClr val="bg2">
+                    <a:lumMod val="90000"/>
+                  </a:schemeClr>
+                </a:solidFill>
+              </a:rPr>
+              <a:t> </a:t>
             </a:r>
           </a:p>
         </p:txBody>
       </p:sp>
       <p:pic>
         <p:nvPicPr>
-          <p:cNvPr id="1026" name="Picture 2">
+          <p:cNvPr id="10" name="Image 9">
             <a:extLst>
               <a:ext uri="{FF2B5EF4-FFF2-40B4-BE49-F238E27FC236}">
-                <a16:creationId xmlns:a16="http://schemas.microsoft.com/office/drawing/2014/main" id="{C0E02E93-519B-4AAC-84DF-8CC8AAF72EE3}"/>
+                <a16:creationId xmlns:a16="http://schemas.microsoft.com/office/drawing/2014/main" id="{BE7BA493-8858-4796-9D9D-774954A7632C}"/>
               </a:ext>
             </a:extLst>
           </p:cNvPr>
           <p:cNvPicPr>
-            <a:picLocks noChangeAspect="1" noChangeArrowheads="1"/>
+            <a:picLocks noChangeAspect="1"/>
           </p:cNvPicPr>
           <p:nvPr/>
         </p:nvPicPr>
         <p:blipFill>
-          <a:blip r:embed="rId2">
-            <a:extLst>
-              <a:ext uri="{28A0092B-C50C-407E-A947-70E740481C1C}">
-                <a14:useLocalDpi xmlns:a14="http://schemas.microsoft.com/office/drawing/2010/main" val="0"/>
-              </a:ext>
-            </a:extLst>
-          </a:blip>
-          <a:srcRect/>
+          <a:blip r:embed="rId3"/>
           <a:stretch>
             <a:fillRect/>
           </a:stretch>
         </p:blipFill>
-        <p:spPr bwMode="auto">
+        <p:spPr>
           <a:xfrm>
-            <a:off x="416472" y="3429000"/>
-            <a:ext cx="7848600" cy="2981325"/>
+            <a:off x="6866802" y="2597516"/>
+            <a:ext cx="4029075" cy="3467100"/>
           </a:xfrm>
           <a:prstGeom prst="rect">
             <a:avLst/>
           </a:prstGeom>
-          <a:noFill/>
-          <a:extLst>
-            <a:ext uri="{909E8E84-426E-40DD-AFC4-6F175D3DCCD1}">
-              <a14:hiddenFill xmlns:a14="http://schemas.microsoft.com/office/drawing/2010/main">
-                <a:solidFill>
-                  <a:srgbClr val="FFFFFF"/>
-                </a:solidFill>
-              </a14:hiddenFill>
-            </a:ext>
-          </a:extLst>
         </p:spPr>
       </p:pic>
+      <p:sp>
+        <p:nvSpPr>
+          <p:cNvPr id="12" name="Espace réservé du contenu 2">
+            <a:extLst>
+              <a:ext uri="{FF2B5EF4-FFF2-40B4-BE49-F238E27FC236}">
+                <a16:creationId xmlns:a16="http://schemas.microsoft.com/office/drawing/2014/main" id="{616870D5-50EE-43D3-8A0F-6AFFFC79FB63}"/>
+              </a:ext>
+            </a:extLst>
+          </p:cNvPr>
+          <p:cNvSpPr txBox="1">
+            <a:spLocks/>
+          </p:cNvSpPr>
+          <p:nvPr/>
+        </p:nvSpPr>
+        <p:spPr>
+          <a:xfrm>
+            <a:off x="6417412" y="2006747"/>
+            <a:ext cx="4946644" cy="3189733"/>
+          </a:xfrm>
+          <a:prstGeom prst="rect">
+            <a:avLst/>
+          </a:prstGeom>
+        </p:spPr>
+        <p:txBody>
+          <a:bodyPr vert="horz" lIns="91440" tIns="45720" rIns="91440" bIns="45720" rtlCol="0">
+            <a:normAutofit/>
+          </a:bodyPr>
+          <a:lstStyle>
+            <a:lvl1pPr marL="228600" indent="-228600" algn="l" defTabSz="914400" rtl="0" eaLnBrk="1" latinLnBrk="0" hangingPunct="1">
+              <a:lnSpc>
+                <a:spcPct val="100000"/>
+              </a:lnSpc>
+              <a:spcBef>
+                <a:spcPts val="1000"/>
+              </a:spcBef>
+              <a:buFont typeface="System Font Regular"/>
+              <a:buChar char="–"/>
+              <a:defRPr sz="2400" b="0" i="0" kern="1200">
+                <a:solidFill>
+                  <a:schemeClr val="tx1"/>
+                </a:solidFill>
+                <a:latin typeface="+mn-lt"/>
+                <a:ea typeface="+mn-ea"/>
+                <a:cs typeface="+mn-cs"/>
+              </a:defRPr>
+            </a:lvl1pPr>
+            <a:lvl2pPr marL="685800" indent="-228600" algn="l" defTabSz="914400" rtl="0" eaLnBrk="1" latinLnBrk="0" hangingPunct="1">
+              <a:lnSpc>
+                <a:spcPct val="100000"/>
+              </a:lnSpc>
+              <a:spcBef>
+                <a:spcPts val="500"/>
+              </a:spcBef>
+              <a:buFont typeface="System Font Regular"/>
+              <a:buChar char="–"/>
+              <a:defRPr sz="2000" b="0" i="0" kern="1200">
+                <a:solidFill>
+                  <a:schemeClr val="tx1"/>
+                </a:solidFill>
+                <a:latin typeface="+mn-lt"/>
+                <a:ea typeface="+mn-ea"/>
+                <a:cs typeface="+mn-cs"/>
+              </a:defRPr>
+            </a:lvl2pPr>
+            <a:lvl3pPr marL="1143000" indent="-228600" algn="l" defTabSz="914400" rtl="0" eaLnBrk="1" latinLnBrk="0" hangingPunct="1">
+              <a:lnSpc>
+                <a:spcPct val="100000"/>
+              </a:lnSpc>
+              <a:spcBef>
+                <a:spcPts val="500"/>
+              </a:spcBef>
+              <a:buFont typeface="System Font Regular"/>
+              <a:buChar char="–"/>
+              <a:defRPr sz="1800" b="0" i="0" kern="1200">
+                <a:solidFill>
+                  <a:schemeClr val="tx1"/>
+                </a:solidFill>
+                <a:latin typeface="+mn-lt"/>
+                <a:ea typeface="+mn-ea"/>
+                <a:cs typeface="+mn-cs"/>
+              </a:defRPr>
+            </a:lvl3pPr>
+            <a:lvl4pPr marL="1600200" indent="-228600" algn="l" defTabSz="914400" rtl="0" eaLnBrk="1" latinLnBrk="0" hangingPunct="1">
+              <a:lnSpc>
+                <a:spcPct val="100000"/>
+              </a:lnSpc>
+              <a:spcBef>
+                <a:spcPts val="500"/>
+              </a:spcBef>
+              <a:buFont typeface="System Font Regular"/>
+              <a:buChar char="–"/>
+              <a:defRPr sz="1600" b="0" i="0" kern="1200">
+                <a:solidFill>
+                  <a:schemeClr val="tx1"/>
+                </a:solidFill>
+                <a:latin typeface="+mn-lt"/>
+                <a:ea typeface="+mn-ea"/>
+                <a:cs typeface="+mn-cs"/>
+              </a:defRPr>
+            </a:lvl4pPr>
+            <a:lvl5pPr marL="2057400" indent="-228600" algn="l" defTabSz="914400" rtl="0" eaLnBrk="1" latinLnBrk="0" hangingPunct="1">
+              <a:lnSpc>
+                <a:spcPct val="100000"/>
+              </a:lnSpc>
+              <a:spcBef>
+                <a:spcPts val="500"/>
+              </a:spcBef>
+              <a:buFont typeface="System Font Regular"/>
+              <a:buChar char="–"/>
+              <a:defRPr sz="1600" b="0" i="0" kern="1200">
+                <a:solidFill>
+                  <a:schemeClr val="tx1"/>
+                </a:solidFill>
+                <a:latin typeface="+mn-lt"/>
+                <a:ea typeface="+mn-ea"/>
+                <a:cs typeface="+mn-cs"/>
+              </a:defRPr>
+            </a:lvl5pPr>
+            <a:lvl6pPr marL="2514600" indent="-228600" algn="l" defTabSz="914400" rtl="0" eaLnBrk="1" latinLnBrk="0" hangingPunct="1">
+              <a:lnSpc>
+                <a:spcPct val="90000"/>
+              </a:lnSpc>
+              <a:spcBef>
+                <a:spcPts val="500"/>
+              </a:spcBef>
+              <a:buFont typeface="Arial" panose="020B0604020202020204" pitchFamily="34" charset="0"/>
+              <a:buChar char="•"/>
+              <a:defRPr sz="1800" kern="1200">
+                <a:solidFill>
+                  <a:schemeClr val="tx1"/>
+                </a:solidFill>
+                <a:latin typeface="+mn-lt"/>
+                <a:ea typeface="+mn-ea"/>
+                <a:cs typeface="+mn-cs"/>
+              </a:defRPr>
+            </a:lvl6pPr>
+            <a:lvl7pPr marL="2971800" indent="-228600" algn="l" defTabSz="914400" rtl="0" eaLnBrk="1" latinLnBrk="0" hangingPunct="1">
+              <a:lnSpc>
+                <a:spcPct val="90000"/>
+              </a:lnSpc>
+              <a:spcBef>
+                <a:spcPts val="500"/>
+              </a:spcBef>
+              <a:buFont typeface="Arial" panose="020B0604020202020204" pitchFamily="34" charset="0"/>
+              <a:buChar char="•"/>
+              <a:defRPr sz="1800" kern="1200">
+                <a:solidFill>
+                  <a:schemeClr val="tx1"/>
+                </a:solidFill>
+                <a:latin typeface="+mn-lt"/>
+                <a:ea typeface="+mn-ea"/>
+                <a:cs typeface="+mn-cs"/>
+              </a:defRPr>
+            </a:lvl7pPr>
+            <a:lvl8pPr marL="3429000" indent="-228600" algn="l" defTabSz="914400" rtl="0" eaLnBrk="1" latinLnBrk="0" hangingPunct="1">
+              <a:lnSpc>
+                <a:spcPct val="90000"/>
+              </a:lnSpc>
+              <a:spcBef>
+                <a:spcPts val="500"/>
+              </a:spcBef>
+              <a:buFont typeface="Arial" panose="020B0604020202020204" pitchFamily="34" charset="0"/>
+              <a:buChar char="•"/>
+              <a:defRPr sz="1800" kern="1200">
+                <a:solidFill>
+                  <a:schemeClr val="tx1"/>
+                </a:solidFill>
+                <a:latin typeface="+mn-lt"/>
+                <a:ea typeface="+mn-ea"/>
+                <a:cs typeface="+mn-cs"/>
+              </a:defRPr>
+            </a:lvl8pPr>
+            <a:lvl9pPr marL="3886200" indent="-228600" algn="l" defTabSz="914400" rtl="0" eaLnBrk="1" latinLnBrk="0" hangingPunct="1">
+              <a:lnSpc>
+                <a:spcPct val="90000"/>
+              </a:lnSpc>
+              <a:spcBef>
+                <a:spcPts val="500"/>
+              </a:spcBef>
+              <a:buFont typeface="Arial" panose="020B0604020202020204" pitchFamily="34" charset="0"/>
+              <a:buChar char="•"/>
+              <a:defRPr sz="1800" kern="1200">
+                <a:solidFill>
+                  <a:schemeClr val="tx1"/>
+                </a:solidFill>
+                <a:latin typeface="+mn-lt"/>
+                <a:ea typeface="+mn-ea"/>
+                <a:cs typeface="+mn-cs"/>
+              </a:defRPr>
+            </a:lvl9pPr>
+          </a:lstStyle>
+          <a:p>
+            <a:r>
+              <a:rPr lang="fr-FR" sz="2000" dirty="0"/>
+              <a:t>But </a:t>
+            </a:r>
+            <a:r>
+              <a:rPr lang="fr-FR" sz="2000" dirty="0" err="1"/>
+              <a:t>decreases</a:t>
+            </a:r>
+            <a:r>
+              <a:rPr lang="fr-FR" sz="2000" dirty="0"/>
+              <a:t> as </a:t>
+            </a:r>
+            <a:r>
+              <a:rPr lang="fr-FR" sz="2000" dirty="0" err="1"/>
+              <a:t>learning</a:t>
+            </a:r>
+            <a:r>
+              <a:rPr lang="fr-FR" sz="2000" dirty="0"/>
+              <a:t> </a:t>
+            </a:r>
+            <a:r>
+              <a:rPr lang="fr-FR" sz="2000" dirty="0" err="1"/>
+              <a:t>occurs</a:t>
+            </a:r>
+            <a:r>
+              <a:rPr lang="fr-FR" sz="2000" dirty="0"/>
+              <a:t>?</a:t>
+            </a:r>
+          </a:p>
+        </p:txBody>
+      </p:sp>
+      <p:sp>
+        <p:nvSpPr>
+          <p:cNvPr id="13" name="Espace réservé du contenu 2">
+            <a:extLst>
+              <a:ext uri="{FF2B5EF4-FFF2-40B4-BE49-F238E27FC236}">
+                <a16:creationId xmlns:a16="http://schemas.microsoft.com/office/drawing/2014/main" id="{6F8FC363-B9F5-41A9-A799-7F6C189CCF8D}"/>
+              </a:ext>
+            </a:extLst>
+          </p:cNvPr>
+          <p:cNvSpPr txBox="1">
+            <a:spLocks/>
+          </p:cNvSpPr>
+          <p:nvPr/>
+        </p:nvSpPr>
+        <p:spPr>
+          <a:xfrm>
+            <a:off x="3138544" y="6064616"/>
+            <a:ext cx="4946644" cy="590769"/>
+          </a:xfrm>
+          <a:prstGeom prst="rect">
+            <a:avLst/>
+          </a:prstGeom>
+        </p:spPr>
+        <p:txBody>
+          <a:bodyPr vert="horz" lIns="91440" tIns="45720" rIns="91440" bIns="45720" rtlCol="0">
+            <a:normAutofit fontScale="92500" lnSpcReduction="20000"/>
+          </a:bodyPr>
+          <a:lstStyle>
+            <a:lvl1pPr marL="228600" indent="-228600" algn="l" defTabSz="914400" rtl="0" eaLnBrk="1" latinLnBrk="0" hangingPunct="1">
+              <a:lnSpc>
+                <a:spcPct val="100000"/>
+              </a:lnSpc>
+              <a:spcBef>
+                <a:spcPts val="1000"/>
+              </a:spcBef>
+              <a:buFont typeface="System Font Regular"/>
+              <a:buChar char="–"/>
+              <a:defRPr sz="2400" b="0" i="0" kern="1200">
+                <a:solidFill>
+                  <a:schemeClr val="tx1"/>
+                </a:solidFill>
+                <a:latin typeface="+mn-lt"/>
+                <a:ea typeface="+mn-ea"/>
+                <a:cs typeface="+mn-cs"/>
+              </a:defRPr>
+            </a:lvl1pPr>
+            <a:lvl2pPr marL="685800" indent="-228600" algn="l" defTabSz="914400" rtl="0" eaLnBrk="1" latinLnBrk="0" hangingPunct="1">
+              <a:lnSpc>
+                <a:spcPct val="100000"/>
+              </a:lnSpc>
+              <a:spcBef>
+                <a:spcPts val="500"/>
+              </a:spcBef>
+              <a:buFont typeface="System Font Regular"/>
+              <a:buChar char="–"/>
+              <a:defRPr sz="2000" b="0" i="0" kern="1200">
+                <a:solidFill>
+                  <a:schemeClr val="tx1"/>
+                </a:solidFill>
+                <a:latin typeface="+mn-lt"/>
+                <a:ea typeface="+mn-ea"/>
+                <a:cs typeface="+mn-cs"/>
+              </a:defRPr>
+            </a:lvl2pPr>
+            <a:lvl3pPr marL="1143000" indent="-228600" algn="l" defTabSz="914400" rtl="0" eaLnBrk="1" latinLnBrk="0" hangingPunct="1">
+              <a:lnSpc>
+                <a:spcPct val="100000"/>
+              </a:lnSpc>
+              <a:spcBef>
+                <a:spcPts val="500"/>
+              </a:spcBef>
+              <a:buFont typeface="System Font Regular"/>
+              <a:buChar char="–"/>
+              <a:defRPr sz="1800" b="0" i="0" kern="1200">
+                <a:solidFill>
+                  <a:schemeClr val="tx1"/>
+                </a:solidFill>
+                <a:latin typeface="+mn-lt"/>
+                <a:ea typeface="+mn-ea"/>
+                <a:cs typeface="+mn-cs"/>
+              </a:defRPr>
+            </a:lvl3pPr>
+            <a:lvl4pPr marL="1600200" indent="-228600" algn="l" defTabSz="914400" rtl="0" eaLnBrk="1" latinLnBrk="0" hangingPunct="1">
+              <a:lnSpc>
+                <a:spcPct val="100000"/>
+              </a:lnSpc>
+              <a:spcBef>
+                <a:spcPts val="500"/>
+              </a:spcBef>
+              <a:buFont typeface="System Font Regular"/>
+              <a:buChar char="–"/>
+              <a:defRPr sz="1600" b="0" i="0" kern="1200">
+                <a:solidFill>
+                  <a:schemeClr val="tx1"/>
+                </a:solidFill>
+                <a:latin typeface="+mn-lt"/>
+                <a:ea typeface="+mn-ea"/>
+                <a:cs typeface="+mn-cs"/>
+              </a:defRPr>
+            </a:lvl4pPr>
+            <a:lvl5pPr marL="2057400" indent="-228600" algn="l" defTabSz="914400" rtl="0" eaLnBrk="1" latinLnBrk="0" hangingPunct="1">
+              <a:lnSpc>
+                <a:spcPct val="100000"/>
+              </a:lnSpc>
+              <a:spcBef>
+                <a:spcPts val="500"/>
+              </a:spcBef>
+              <a:buFont typeface="System Font Regular"/>
+              <a:buChar char="–"/>
+              <a:defRPr sz="1600" b="0" i="0" kern="1200">
+                <a:solidFill>
+                  <a:schemeClr val="tx1"/>
+                </a:solidFill>
+                <a:latin typeface="+mn-lt"/>
+                <a:ea typeface="+mn-ea"/>
+                <a:cs typeface="+mn-cs"/>
+              </a:defRPr>
+            </a:lvl5pPr>
+            <a:lvl6pPr marL="2514600" indent="-228600" algn="l" defTabSz="914400" rtl="0" eaLnBrk="1" latinLnBrk="0" hangingPunct="1">
+              <a:lnSpc>
+                <a:spcPct val="90000"/>
+              </a:lnSpc>
+              <a:spcBef>
+                <a:spcPts val="500"/>
+              </a:spcBef>
+              <a:buFont typeface="Arial" panose="020B0604020202020204" pitchFamily="34" charset="0"/>
+              <a:buChar char="•"/>
+              <a:defRPr sz="1800" kern="1200">
+                <a:solidFill>
+                  <a:schemeClr val="tx1"/>
+                </a:solidFill>
+                <a:latin typeface="+mn-lt"/>
+                <a:ea typeface="+mn-ea"/>
+                <a:cs typeface="+mn-cs"/>
+              </a:defRPr>
+            </a:lvl6pPr>
+            <a:lvl7pPr marL="2971800" indent="-228600" algn="l" defTabSz="914400" rtl="0" eaLnBrk="1" latinLnBrk="0" hangingPunct="1">
+              <a:lnSpc>
+                <a:spcPct val="90000"/>
+              </a:lnSpc>
+              <a:spcBef>
+                <a:spcPts val="500"/>
+              </a:spcBef>
+              <a:buFont typeface="Arial" panose="020B0604020202020204" pitchFamily="34" charset="0"/>
+              <a:buChar char="•"/>
+              <a:defRPr sz="1800" kern="1200">
+                <a:solidFill>
+                  <a:schemeClr val="tx1"/>
+                </a:solidFill>
+                <a:latin typeface="+mn-lt"/>
+                <a:ea typeface="+mn-ea"/>
+                <a:cs typeface="+mn-cs"/>
+              </a:defRPr>
+            </a:lvl7pPr>
+            <a:lvl8pPr marL="3429000" indent="-228600" algn="l" defTabSz="914400" rtl="0" eaLnBrk="1" latinLnBrk="0" hangingPunct="1">
+              <a:lnSpc>
+                <a:spcPct val="90000"/>
+              </a:lnSpc>
+              <a:spcBef>
+                <a:spcPts val="500"/>
+              </a:spcBef>
+              <a:buFont typeface="Arial" panose="020B0604020202020204" pitchFamily="34" charset="0"/>
+              <a:buChar char="•"/>
+              <a:defRPr sz="1800" kern="1200">
+                <a:solidFill>
+                  <a:schemeClr val="tx1"/>
+                </a:solidFill>
+                <a:latin typeface="+mn-lt"/>
+                <a:ea typeface="+mn-ea"/>
+                <a:cs typeface="+mn-cs"/>
+              </a:defRPr>
+            </a:lvl8pPr>
+            <a:lvl9pPr marL="3886200" indent="-228600" algn="l" defTabSz="914400" rtl="0" eaLnBrk="1" latinLnBrk="0" hangingPunct="1">
+              <a:lnSpc>
+                <a:spcPct val="90000"/>
+              </a:lnSpc>
+              <a:spcBef>
+                <a:spcPts val="500"/>
+              </a:spcBef>
+              <a:buFont typeface="Arial" panose="020B0604020202020204" pitchFamily="34" charset="0"/>
+              <a:buChar char="•"/>
+              <a:defRPr sz="1800" kern="1200">
+                <a:solidFill>
+                  <a:schemeClr val="tx1"/>
+                </a:solidFill>
+                <a:latin typeface="+mn-lt"/>
+                <a:ea typeface="+mn-ea"/>
+                <a:cs typeface="+mn-cs"/>
+              </a:defRPr>
+            </a:lvl9pPr>
+          </a:lstStyle>
+          <a:p>
+            <a:pPr marL="0" indent="0">
+              <a:buNone/>
+            </a:pPr>
+            <a:r>
+              <a:rPr lang="fr-FR" sz="2000" dirty="0" err="1"/>
+              <a:t>Less</a:t>
+            </a:r>
+            <a:r>
+              <a:rPr lang="fr-FR" sz="2000" dirty="0"/>
+              <a:t> </a:t>
+            </a:r>
+            <a:r>
+              <a:rPr lang="fr-FR" sz="2000" dirty="0" err="1"/>
+              <a:t>hippocampal</a:t>
+            </a:r>
+            <a:r>
+              <a:rPr lang="fr-FR" sz="2000" dirty="0"/>
+              <a:t> </a:t>
+            </a:r>
+            <a:r>
+              <a:rPr lang="fr-FR" sz="2000" dirty="0" err="1"/>
+              <a:t>involvement</a:t>
+            </a:r>
+            <a:r>
+              <a:rPr lang="fr-FR" sz="2000" dirty="0"/>
+              <a:t> </a:t>
+            </a:r>
+            <a:r>
+              <a:rPr lang="fr-FR" sz="2000" dirty="0" err="1"/>
+              <a:t>necessary</a:t>
+            </a:r>
+            <a:r>
+              <a:rPr lang="fr-FR" sz="2000" dirty="0"/>
+              <a:t> for </a:t>
+            </a:r>
+            <a:r>
+              <a:rPr lang="fr-FR" sz="2000" dirty="0" err="1"/>
+              <a:t>semantically</a:t>
+            </a:r>
+            <a:r>
+              <a:rPr lang="fr-FR" sz="2000" dirty="0"/>
+              <a:t> </a:t>
+            </a:r>
+            <a:r>
+              <a:rPr lang="fr-FR" sz="2000" dirty="0" err="1"/>
+              <a:t>linked</a:t>
+            </a:r>
+            <a:r>
+              <a:rPr lang="fr-FR" sz="2000" dirty="0"/>
+              <a:t> pairs</a:t>
+            </a:r>
+          </a:p>
+        </p:txBody>
+      </p:sp>
     </p:spTree>
     <p:extLst>
       <p:ext uri="{BB962C8B-B14F-4D97-AF65-F5344CB8AC3E}">
@@ -14446,6 +17589,1838 @@
       </p:grpSpPr>
       <p:sp>
         <p:nvSpPr>
+          <p:cNvPr id="10" name="Espace réservé du contenu 2">
+            <a:extLst>
+              <a:ext uri="{FF2B5EF4-FFF2-40B4-BE49-F238E27FC236}">
+                <a16:creationId xmlns:a16="http://schemas.microsoft.com/office/drawing/2014/main" id="{474EBC27-2DAD-4997-B7D1-DF3C496B4FA7}"/>
+              </a:ext>
+            </a:extLst>
+          </p:cNvPr>
+          <p:cNvSpPr txBox="1">
+            <a:spLocks/>
+          </p:cNvSpPr>
+          <p:nvPr/>
+        </p:nvSpPr>
+        <p:spPr>
+          <a:xfrm>
+            <a:off x="702247" y="2707284"/>
+            <a:ext cx="4837941" cy="3189733"/>
+          </a:xfrm>
+          <a:prstGeom prst="rect">
+            <a:avLst/>
+          </a:prstGeom>
+        </p:spPr>
+        <p:txBody>
+          <a:bodyPr vert="horz" lIns="91440" tIns="45720" rIns="91440" bIns="45720" rtlCol="0">
+            <a:normAutofit/>
+          </a:bodyPr>
+          <a:lstStyle>
+            <a:lvl1pPr marL="228600" indent="-228600" algn="l" defTabSz="914400" rtl="0" eaLnBrk="1" latinLnBrk="0" hangingPunct="1">
+              <a:lnSpc>
+                <a:spcPct val="100000"/>
+              </a:lnSpc>
+              <a:spcBef>
+                <a:spcPts val="1000"/>
+              </a:spcBef>
+              <a:buFont typeface="System Font Regular"/>
+              <a:buChar char="–"/>
+              <a:defRPr sz="2400" b="0" i="0" kern="1200">
+                <a:solidFill>
+                  <a:schemeClr val="tx1"/>
+                </a:solidFill>
+                <a:latin typeface="+mn-lt"/>
+                <a:ea typeface="+mn-ea"/>
+                <a:cs typeface="+mn-cs"/>
+              </a:defRPr>
+            </a:lvl1pPr>
+            <a:lvl2pPr marL="685800" indent="-228600" algn="l" defTabSz="914400" rtl="0" eaLnBrk="1" latinLnBrk="0" hangingPunct="1">
+              <a:lnSpc>
+                <a:spcPct val="100000"/>
+              </a:lnSpc>
+              <a:spcBef>
+                <a:spcPts val="500"/>
+              </a:spcBef>
+              <a:buFont typeface="System Font Regular"/>
+              <a:buChar char="–"/>
+              <a:defRPr sz="2000" b="0" i="0" kern="1200">
+                <a:solidFill>
+                  <a:schemeClr val="tx1"/>
+                </a:solidFill>
+                <a:latin typeface="+mn-lt"/>
+                <a:ea typeface="+mn-ea"/>
+                <a:cs typeface="+mn-cs"/>
+              </a:defRPr>
+            </a:lvl2pPr>
+            <a:lvl3pPr marL="1143000" indent="-228600" algn="l" defTabSz="914400" rtl="0" eaLnBrk="1" latinLnBrk="0" hangingPunct="1">
+              <a:lnSpc>
+                <a:spcPct val="100000"/>
+              </a:lnSpc>
+              <a:spcBef>
+                <a:spcPts val="500"/>
+              </a:spcBef>
+              <a:buFont typeface="System Font Regular"/>
+              <a:buChar char="–"/>
+              <a:defRPr sz="1800" b="0" i="0" kern="1200">
+                <a:solidFill>
+                  <a:schemeClr val="tx1"/>
+                </a:solidFill>
+                <a:latin typeface="+mn-lt"/>
+                <a:ea typeface="+mn-ea"/>
+                <a:cs typeface="+mn-cs"/>
+              </a:defRPr>
+            </a:lvl3pPr>
+            <a:lvl4pPr marL="1600200" indent="-228600" algn="l" defTabSz="914400" rtl="0" eaLnBrk="1" latinLnBrk="0" hangingPunct="1">
+              <a:lnSpc>
+                <a:spcPct val="100000"/>
+              </a:lnSpc>
+              <a:spcBef>
+                <a:spcPts val="500"/>
+              </a:spcBef>
+              <a:buFont typeface="System Font Regular"/>
+              <a:buChar char="–"/>
+              <a:defRPr sz="1600" b="0" i="0" kern="1200">
+                <a:solidFill>
+                  <a:schemeClr val="tx1"/>
+                </a:solidFill>
+                <a:latin typeface="+mn-lt"/>
+                <a:ea typeface="+mn-ea"/>
+                <a:cs typeface="+mn-cs"/>
+              </a:defRPr>
+            </a:lvl4pPr>
+            <a:lvl5pPr marL="2057400" indent="-228600" algn="l" defTabSz="914400" rtl="0" eaLnBrk="1" latinLnBrk="0" hangingPunct="1">
+              <a:lnSpc>
+                <a:spcPct val="100000"/>
+              </a:lnSpc>
+              <a:spcBef>
+                <a:spcPts val="500"/>
+              </a:spcBef>
+              <a:buFont typeface="System Font Regular"/>
+              <a:buChar char="–"/>
+              <a:defRPr sz="1600" b="0" i="0" kern="1200">
+                <a:solidFill>
+                  <a:schemeClr val="tx1"/>
+                </a:solidFill>
+                <a:latin typeface="+mn-lt"/>
+                <a:ea typeface="+mn-ea"/>
+                <a:cs typeface="+mn-cs"/>
+              </a:defRPr>
+            </a:lvl5pPr>
+            <a:lvl6pPr marL="2514600" indent="-228600" algn="l" defTabSz="914400" rtl="0" eaLnBrk="1" latinLnBrk="0" hangingPunct="1">
+              <a:lnSpc>
+                <a:spcPct val="90000"/>
+              </a:lnSpc>
+              <a:spcBef>
+                <a:spcPts val="500"/>
+              </a:spcBef>
+              <a:buFont typeface="Arial" panose="020B0604020202020204" pitchFamily="34" charset="0"/>
+              <a:buChar char="•"/>
+              <a:defRPr sz="1800" kern="1200">
+                <a:solidFill>
+                  <a:schemeClr val="tx1"/>
+                </a:solidFill>
+                <a:latin typeface="+mn-lt"/>
+                <a:ea typeface="+mn-ea"/>
+                <a:cs typeface="+mn-cs"/>
+              </a:defRPr>
+            </a:lvl6pPr>
+            <a:lvl7pPr marL="2971800" indent="-228600" algn="l" defTabSz="914400" rtl="0" eaLnBrk="1" latinLnBrk="0" hangingPunct="1">
+              <a:lnSpc>
+                <a:spcPct val="90000"/>
+              </a:lnSpc>
+              <a:spcBef>
+                <a:spcPts val="500"/>
+              </a:spcBef>
+              <a:buFont typeface="Arial" panose="020B0604020202020204" pitchFamily="34" charset="0"/>
+              <a:buChar char="•"/>
+              <a:defRPr sz="1800" kern="1200">
+                <a:solidFill>
+                  <a:schemeClr val="tx1"/>
+                </a:solidFill>
+                <a:latin typeface="+mn-lt"/>
+                <a:ea typeface="+mn-ea"/>
+                <a:cs typeface="+mn-cs"/>
+              </a:defRPr>
+            </a:lvl7pPr>
+            <a:lvl8pPr marL="3429000" indent="-228600" algn="l" defTabSz="914400" rtl="0" eaLnBrk="1" latinLnBrk="0" hangingPunct="1">
+              <a:lnSpc>
+                <a:spcPct val="90000"/>
+              </a:lnSpc>
+              <a:spcBef>
+                <a:spcPts val="500"/>
+              </a:spcBef>
+              <a:buFont typeface="Arial" panose="020B0604020202020204" pitchFamily="34" charset="0"/>
+              <a:buChar char="•"/>
+              <a:defRPr sz="1800" kern="1200">
+                <a:solidFill>
+                  <a:schemeClr val="tx1"/>
+                </a:solidFill>
+                <a:latin typeface="+mn-lt"/>
+                <a:ea typeface="+mn-ea"/>
+                <a:cs typeface="+mn-cs"/>
+              </a:defRPr>
+            </a:lvl8pPr>
+            <a:lvl9pPr marL="3886200" indent="-228600" algn="l" defTabSz="914400" rtl="0" eaLnBrk="1" latinLnBrk="0" hangingPunct="1">
+              <a:lnSpc>
+                <a:spcPct val="90000"/>
+              </a:lnSpc>
+              <a:spcBef>
+                <a:spcPts val="500"/>
+              </a:spcBef>
+              <a:buFont typeface="Arial" panose="020B0604020202020204" pitchFamily="34" charset="0"/>
+              <a:buChar char="•"/>
+              <a:defRPr sz="1800" kern="1200">
+                <a:solidFill>
+                  <a:schemeClr val="tx1"/>
+                </a:solidFill>
+                <a:latin typeface="+mn-lt"/>
+                <a:ea typeface="+mn-ea"/>
+                <a:cs typeface="+mn-cs"/>
+              </a:defRPr>
+            </a:lvl9pPr>
+          </a:lstStyle>
+          <a:p>
+            <a:r>
+              <a:rPr lang="fr-FR" dirty="0" err="1"/>
+              <a:t>Reactivation</a:t>
+            </a:r>
+            <a:r>
+              <a:rPr lang="fr-FR" dirty="0"/>
+              <a:t> </a:t>
+            </a:r>
+            <a:r>
+              <a:rPr lang="fr-FR" dirty="0" err="1"/>
+              <a:t>predict</a:t>
+            </a:r>
+            <a:r>
+              <a:rPr lang="fr-FR" dirty="0"/>
+              <a:t> performance in </a:t>
+            </a:r>
+            <a:r>
+              <a:rPr lang="fr-FR" dirty="0" err="1"/>
+              <a:t>Decision</a:t>
+            </a:r>
+            <a:r>
+              <a:rPr lang="fr-FR" dirty="0"/>
+              <a:t> phase (Wimmer)</a:t>
+            </a:r>
+          </a:p>
+          <a:p>
+            <a:r>
+              <a:rPr lang="fr-FR" dirty="0"/>
+              <a:t>Striatum- hippo FC </a:t>
+            </a:r>
+            <a:r>
+              <a:rPr lang="fr-FR" dirty="0" err="1"/>
+              <a:t>correls</a:t>
+            </a:r>
+            <a:r>
+              <a:rPr lang="fr-FR" dirty="0"/>
+              <a:t> </a:t>
+            </a:r>
+            <a:r>
+              <a:rPr lang="fr-FR" dirty="0" err="1"/>
+              <a:t>with</a:t>
+            </a:r>
+            <a:r>
+              <a:rPr lang="fr-FR" dirty="0"/>
+              <a:t> performance in </a:t>
+            </a:r>
+            <a:r>
+              <a:rPr lang="fr-FR" dirty="0" err="1"/>
+              <a:t>Decision</a:t>
+            </a:r>
+            <a:r>
+              <a:rPr lang="fr-FR" dirty="0"/>
+              <a:t> Phase (Wimmer)</a:t>
+            </a:r>
+          </a:p>
+          <a:p>
+            <a:endParaRPr lang="fr-FR" dirty="0"/>
+          </a:p>
+        </p:txBody>
+      </p:sp>
+      <p:sp>
+        <p:nvSpPr>
+          <p:cNvPr id="18" name="Titre 1">
+            <a:extLst>
+              <a:ext uri="{FF2B5EF4-FFF2-40B4-BE49-F238E27FC236}">
+                <a16:creationId xmlns:a16="http://schemas.microsoft.com/office/drawing/2014/main" id="{6905F0E3-F438-49D7-BFE3-C11C67E4682F}"/>
+              </a:ext>
+            </a:extLst>
+          </p:cNvPr>
+          <p:cNvSpPr txBox="1">
+            <a:spLocks/>
+          </p:cNvSpPr>
+          <p:nvPr/>
+        </p:nvSpPr>
+        <p:spPr>
+          <a:xfrm>
+            <a:off x="565149" y="393479"/>
+            <a:ext cx="11626851" cy="827987"/>
+          </a:xfrm>
+          <a:prstGeom prst="rect">
+            <a:avLst/>
+          </a:prstGeom>
+          <a:solidFill>
+            <a:schemeClr val="bg2"/>
+          </a:solidFill>
+        </p:spPr>
+        <p:txBody>
+          <a:bodyPr vert="horz" lIns="91440" tIns="45720" rIns="91440" bIns="45720" rtlCol="0" anchor="t">
+            <a:normAutofit/>
+          </a:bodyPr>
+          <a:lstStyle>
+            <a:lvl1pPr algn="l" defTabSz="914400" rtl="0" eaLnBrk="1" latinLnBrk="0" hangingPunct="1">
+              <a:lnSpc>
+                <a:spcPct val="100000"/>
+              </a:lnSpc>
+              <a:spcBef>
+                <a:spcPct val="0"/>
+              </a:spcBef>
+              <a:buNone/>
+              <a:defRPr sz="4400" kern="1200">
+                <a:solidFill>
+                  <a:schemeClr val="tx1"/>
+                </a:solidFill>
+                <a:latin typeface="+mj-lt"/>
+                <a:ea typeface="+mj-ea"/>
+                <a:cs typeface="+mj-cs"/>
+              </a:defRPr>
+            </a:lvl1pPr>
+          </a:lstStyle>
+          <a:p>
+            <a:r>
+              <a:rPr lang="fr-FR" sz="4800" dirty="0">
+                <a:solidFill>
+                  <a:schemeClr val="bg2">
+                    <a:lumMod val="90000"/>
+                  </a:schemeClr>
+                </a:solidFill>
+              </a:rPr>
+              <a:t>1. Introduction</a:t>
+            </a:r>
+            <a:r>
+              <a:rPr lang="fr-FR" dirty="0">
+                <a:solidFill>
+                  <a:schemeClr val="bg2">
+                    <a:lumMod val="90000"/>
+                  </a:schemeClr>
+                </a:solidFill>
+              </a:rPr>
+              <a:t> </a:t>
+            </a:r>
+          </a:p>
+        </p:txBody>
+      </p:sp>
+      <p:sp>
+        <p:nvSpPr>
+          <p:cNvPr id="19" name="Titre 1">
+            <a:extLst>
+              <a:ext uri="{FF2B5EF4-FFF2-40B4-BE49-F238E27FC236}">
+                <a16:creationId xmlns:a16="http://schemas.microsoft.com/office/drawing/2014/main" id="{F8AD1416-B7FD-47E8-B256-C6E151127C8D}"/>
+              </a:ext>
+            </a:extLst>
+          </p:cNvPr>
+          <p:cNvSpPr>
+            <a:spLocks noGrp="1"/>
+          </p:cNvSpPr>
+          <p:nvPr>
+            <p:ph type="title"/>
+          </p:nvPr>
+        </p:nvSpPr>
+        <p:spPr/>
+        <p:txBody>
+          <a:bodyPr>
+            <a:normAutofit/>
+          </a:bodyPr>
+          <a:lstStyle/>
+          <a:p>
+            <a:r>
+              <a:rPr lang="fr-FR" sz="3600" dirty="0">
+                <a:solidFill>
+                  <a:schemeClr val="tx2">
+                    <a:lumMod val="25000"/>
+                    <a:lumOff val="75000"/>
+                  </a:schemeClr>
+                </a:solidFill>
+              </a:rPr>
+              <a:t>1.2 </a:t>
+            </a:r>
+            <a:r>
+              <a:rPr lang="fr-FR" sz="3600" dirty="0" err="1">
+                <a:solidFill>
+                  <a:schemeClr val="tx2">
+                    <a:lumMod val="25000"/>
+                    <a:lumOff val="75000"/>
+                  </a:schemeClr>
+                </a:solidFill>
+              </a:rPr>
+              <a:t>Paradigm</a:t>
+            </a:r>
+            <a:r>
+              <a:rPr lang="fr-FR" sz="3600" dirty="0">
+                <a:solidFill>
+                  <a:schemeClr val="tx2">
+                    <a:lumMod val="25000"/>
+                    <a:lumOff val="75000"/>
+                  </a:schemeClr>
+                </a:solidFill>
+              </a:rPr>
+              <a:t> </a:t>
+            </a:r>
+            <a:r>
+              <a:rPr lang="fr-FR" sz="3600" dirty="0">
+                <a:solidFill>
+                  <a:schemeClr val="tx2">
+                    <a:lumMod val="75000"/>
+                    <a:lumOff val="25000"/>
+                  </a:schemeClr>
+                </a:solidFill>
+              </a:rPr>
+              <a:t>– </a:t>
+            </a:r>
+            <a:r>
+              <a:rPr lang="fr-FR" sz="3600" dirty="0" err="1">
+                <a:solidFill>
+                  <a:schemeClr val="tx2">
+                    <a:lumMod val="75000"/>
+                    <a:lumOff val="25000"/>
+                  </a:schemeClr>
+                </a:solidFill>
+              </a:rPr>
+              <a:t>Reward</a:t>
+            </a:r>
+            <a:r>
+              <a:rPr lang="fr-FR" sz="3600" dirty="0">
+                <a:solidFill>
+                  <a:schemeClr val="tx2">
+                    <a:lumMod val="75000"/>
+                    <a:lumOff val="25000"/>
+                  </a:schemeClr>
+                </a:solidFill>
+              </a:rPr>
+              <a:t> &amp; </a:t>
+            </a:r>
+            <a:r>
+              <a:rPr lang="fr-FR" sz="3600" dirty="0" err="1">
+                <a:solidFill>
+                  <a:schemeClr val="tx2">
+                    <a:lumMod val="75000"/>
+                    <a:lumOff val="25000"/>
+                  </a:schemeClr>
+                </a:solidFill>
+              </a:rPr>
+              <a:t>Decision</a:t>
+            </a:r>
+            <a:r>
+              <a:rPr lang="fr-FR" sz="3600" dirty="0">
+                <a:solidFill>
+                  <a:schemeClr val="tx2">
+                    <a:lumMod val="75000"/>
+                    <a:lumOff val="25000"/>
+                  </a:schemeClr>
+                </a:solidFill>
+              </a:rPr>
+              <a:t> Phases</a:t>
+            </a:r>
+            <a:endParaRPr lang="fr-FR" sz="3600" dirty="0"/>
+          </a:p>
+        </p:txBody>
+      </p:sp>
+      <p:sp>
+        <p:nvSpPr>
+          <p:cNvPr id="21" name="Espace réservé du contenu 20">
+            <a:extLst>
+              <a:ext uri="{FF2B5EF4-FFF2-40B4-BE49-F238E27FC236}">
+                <a16:creationId xmlns:a16="http://schemas.microsoft.com/office/drawing/2014/main" id="{57ACD47B-21A2-4DFF-814F-A657F45C0C18}"/>
+              </a:ext>
+            </a:extLst>
+          </p:cNvPr>
+          <p:cNvSpPr>
+            <a:spLocks noGrp="1"/>
+          </p:cNvSpPr>
+          <p:nvPr>
+            <p:ph sz="half" idx="2"/>
+          </p:nvPr>
+        </p:nvSpPr>
+        <p:spPr/>
+        <p:txBody>
+          <a:bodyPr/>
+          <a:lstStyle/>
+          <a:p>
+            <a:r>
+              <a:rPr lang="fr-FR" dirty="0"/>
+              <a:t>Classifier </a:t>
+            </a:r>
+            <a:r>
+              <a:rPr lang="fr-FR" dirty="0" err="1"/>
+              <a:t>trained</a:t>
+            </a:r>
+            <a:r>
+              <a:rPr lang="fr-FR" dirty="0"/>
+              <a:t> to </a:t>
+            </a:r>
+            <a:r>
+              <a:rPr lang="fr-FR" dirty="0" err="1"/>
+              <a:t>differentiate</a:t>
+            </a:r>
+            <a:r>
+              <a:rPr lang="fr-FR" dirty="0"/>
+              <a:t> </a:t>
+            </a:r>
+            <a:r>
+              <a:rPr lang="fr-FR" dirty="0" err="1"/>
+              <a:t>rewarded</a:t>
+            </a:r>
+            <a:r>
+              <a:rPr lang="fr-FR" dirty="0"/>
+              <a:t> vs </a:t>
+            </a:r>
+            <a:r>
+              <a:rPr lang="fr-FR" dirty="0" err="1"/>
+              <a:t>unrewarded</a:t>
+            </a:r>
+            <a:r>
+              <a:rPr lang="fr-FR" dirty="0"/>
+              <a:t> stimuli </a:t>
+            </a:r>
+            <a:r>
+              <a:rPr lang="fr-FR" dirty="0" err="1"/>
+              <a:t>during</a:t>
+            </a:r>
+            <a:r>
+              <a:rPr lang="fr-FR" dirty="0"/>
+              <a:t> </a:t>
+            </a:r>
+            <a:r>
+              <a:rPr lang="fr-FR" dirty="0" err="1"/>
+              <a:t>Reward</a:t>
+            </a:r>
+            <a:r>
+              <a:rPr lang="fr-FR" dirty="0"/>
+              <a:t> phase can </a:t>
+            </a:r>
+            <a:r>
+              <a:rPr lang="fr-FR" dirty="0" err="1"/>
+              <a:t>accurately</a:t>
+            </a:r>
+            <a:r>
+              <a:rPr lang="fr-FR" dirty="0"/>
+              <a:t> </a:t>
+            </a:r>
+            <a:r>
+              <a:rPr lang="fr-FR" dirty="0" err="1"/>
+              <a:t>classify</a:t>
+            </a:r>
+            <a:r>
+              <a:rPr lang="fr-FR" dirty="0"/>
+              <a:t> </a:t>
+            </a:r>
+            <a:r>
+              <a:rPr lang="fr-FR" dirty="0" err="1"/>
+              <a:t>Decision</a:t>
+            </a:r>
+            <a:r>
+              <a:rPr lang="fr-FR" dirty="0"/>
+              <a:t> phase stimuli in OFC(Wang)</a:t>
+            </a:r>
+          </a:p>
+          <a:p>
+            <a:r>
+              <a:rPr lang="fr-FR" dirty="0"/>
+              <a:t>OFC-hippo FC </a:t>
+            </a:r>
+            <a:r>
+              <a:rPr lang="fr-FR" dirty="0" err="1"/>
+              <a:t>correls</a:t>
+            </a:r>
+            <a:r>
+              <a:rPr lang="fr-FR" dirty="0"/>
+              <a:t> </a:t>
+            </a:r>
+            <a:r>
+              <a:rPr lang="fr-FR" dirty="0" err="1"/>
+              <a:t>with</a:t>
+            </a:r>
+            <a:r>
+              <a:rPr lang="fr-FR" dirty="0"/>
+              <a:t> </a:t>
+            </a:r>
+            <a:r>
+              <a:rPr lang="fr-FR" dirty="0" err="1"/>
+              <a:t>reaction</a:t>
+            </a:r>
+            <a:r>
+              <a:rPr lang="fr-FR" dirty="0"/>
+              <a:t> times </a:t>
+            </a:r>
+            <a:r>
+              <a:rPr lang="fr-FR" dirty="0" err="1"/>
+              <a:t>during</a:t>
+            </a:r>
+            <a:r>
+              <a:rPr lang="fr-FR" dirty="0"/>
+              <a:t> </a:t>
+            </a:r>
+            <a:r>
+              <a:rPr lang="fr-FR" dirty="0" err="1"/>
+              <a:t>Decision</a:t>
+            </a:r>
+            <a:r>
+              <a:rPr lang="fr-FR" dirty="0"/>
+              <a:t> phase (Wang)</a:t>
+            </a:r>
+          </a:p>
+          <a:p>
+            <a:endParaRPr lang="fr-FR" dirty="0"/>
+          </a:p>
+        </p:txBody>
+      </p:sp>
+    </p:spTree>
+    <p:extLst>
+      <p:ext uri="{BB962C8B-B14F-4D97-AF65-F5344CB8AC3E}">
+        <p14:creationId xmlns:p14="http://schemas.microsoft.com/office/powerpoint/2010/main" val="3717806223"/>
+      </p:ext>
+    </p:extLst>
+  </p:cSld>
+  <p:clrMapOvr>
+    <a:masterClrMapping/>
+  </p:clrMapOvr>
+</p:sld>
+</file>
+
+<file path=ppt/slides/slide8.xml><?xml version="1.0" encoding="utf-8"?>
+<p:sld xmlns:a="http://schemas.openxmlformats.org/drawingml/2006/main" xmlns:r="http://schemas.openxmlformats.org/officeDocument/2006/relationships" xmlns:p="http://schemas.openxmlformats.org/presentationml/2006/main">
+  <p:cSld>
+    <p:spTree>
+      <p:nvGrpSpPr>
+        <p:cNvPr id="1" name=""/>
+        <p:cNvGrpSpPr/>
+        <p:nvPr/>
+      </p:nvGrpSpPr>
+      <p:grpSpPr>
+        <a:xfrm>
+          <a:off x="0" y="0"/>
+          <a:ext cx="0" cy="0"/>
+          <a:chOff x="0" y="0"/>
+          <a:chExt cx="0" cy="0"/>
+        </a:xfrm>
+      </p:grpSpPr>
+      <p:pic>
+        <p:nvPicPr>
+          <p:cNvPr id="6" name="Image 5">
+            <a:extLst>
+              <a:ext uri="{FF2B5EF4-FFF2-40B4-BE49-F238E27FC236}">
+                <a16:creationId xmlns:a16="http://schemas.microsoft.com/office/drawing/2014/main" id="{976286B6-9704-435D-918A-9C4B54BCF413}"/>
+              </a:ext>
+            </a:extLst>
+          </p:cNvPr>
+          <p:cNvPicPr>
+            <a:picLocks noChangeAspect="1"/>
+          </p:cNvPicPr>
+          <p:nvPr/>
+        </p:nvPicPr>
+        <p:blipFill rotWithShape="1">
+          <a:blip r:embed="rId2"/>
+          <a:srcRect l="25658" t="8130" r="6486" b="72806"/>
+          <a:stretch/>
+        </p:blipFill>
+        <p:spPr>
+          <a:xfrm>
+            <a:off x="4422202" y="1653988"/>
+            <a:ext cx="7290184" cy="1770035"/>
+          </a:xfrm>
+          <a:prstGeom prst="rect">
+            <a:avLst/>
+          </a:prstGeom>
+        </p:spPr>
+      </p:pic>
+      <p:sp>
+        <p:nvSpPr>
+          <p:cNvPr id="9" name="Rectangle 8">
+            <a:extLst>
+              <a:ext uri="{FF2B5EF4-FFF2-40B4-BE49-F238E27FC236}">
+                <a16:creationId xmlns:a16="http://schemas.microsoft.com/office/drawing/2014/main" id="{AA82BA66-F154-4D87-898E-0B57BF73B31E}"/>
+              </a:ext>
+            </a:extLst>
+          </p:cNvPr>
+          <p:cNvSpPr/>
+          <p:nvPr/>
+        </p:nvSpPr>
+        <p:spPr>
+          <a:xfrm>
+            <a:off x="7180014" y="4557994"/>
+            <a:ext cx="3172107" cy="278786"/>
+          </a:xfrm>
+          <a:prstGeom prst="rect">
+            <a:avLst/>
+          </a:prstGeom>
+          <a:solidFill>
+            <a:schemeClr val="bg1"/>
+          </a:solidFill>
+          <a:ln>
+            <a:solidFill>
+              <a:schemeClr val="bg1"/>
+            </a:solidFill>
+          </a:ln>
+        </p:spPr>
+        <p:style>
+          <a:lnRef idx="2">
+            <a:schemeClr val="accent1">
+              <a:shade val="50000"/>
+            </a:schemeClr>
+          </a:lnRef>
+          <a:fillRef idx="1">
+            <a:schemeClr val="accent1"/>
+          </a:fillRef>
+          <a:effectRef idx="0">
+            <a:schemeClr val="accent1"/>
+          </a:effectRef>
+          <a:fontRef idx="minor">
+            <a:schemeClr val="lt1"/>
+          </a:fontRef>
+        </p:style>
+        <p:txBody>
+          <a:bodyPr rtlCol="0" anchor="ctr"/>
+          <a:lstStyle/>
+          <a:p>
+            <a:pPr algn="ctr"/>
+            <a:endParaRPr lang="fr-FR"/>
+          </a:p>
+        </p:txBody>
+      </p:sp>
+      <p:sp>
+        <p:nvSpPr>
+          <p:cNvPr id="10" name="Rectangle 9">
+            <a:extLst>
+              <a:ext uri="{FF2B5EF4-FFF2-40B4-BE49-F238E27FC236}">
+                <a16:creationId xmlns:a16="http://schemas.microsoft.com/office/drawing/2014/main" id="{A67F8941-04A6-4D24-984E-C182727EB4C1}"/>
+              </a:ext>
+            </a:extLst>
+          </p:cNvPr>
+          <p:cNvSpPr/>
+          <p:nvPr/>
+        </p:nvSpPr>
+        <p:spPr>
+          <a:xfrm>
+            <a:off x="7757152" y="6148908"/>
+            <a:ext cx="3172107" cy="278786"/>
+          </a:xfrm>
+          <a:prstGeom prst="rect">
+            <a:avLst/>
+          </a:prstGeom>
+          <a:solidFill>
+            <a:schemeClr val="bg1"/>
+          </a:solidFill>
+          <a:ln>
+            <a:solidFill>
+              <a:schemeClr val="bg1"/>
+            </a:solidFill>
+          </a:ln>
+        </p:spPr>
+        <p:style>
+          <a:lnRef idx="2">
+            <a:schemeClr val="accent1">
+              <a:shade val="50000"/>
+            </a:schemeClr>
+          </a:lnRef>
+          <a:fillRef idx="1">
+            <a:schemeClr val="accent1"/>
+          </a:fillRef>
+          <a:effectRef idx="0">
+            <a:schemeClr val="accent1"/>
+          </a:effectRef>
+          <a:fontRef idx="minor">
+            <a:schemeClr val="lt1"/>
+          </a:fontRef>
+        </p:style>
+        <p:txBody>
+          <a:bodyPr rtlCol="0" anchor="ctr"/>
+          <a:lstStyle/>
+          <a:p>
+            <a:pPr algn="ctr"/>
+            <a:endParaRPr lang="fr-FR"/>
+          </a:p>
+        </p:txBody>
+      </p:sp>
+      <p:pic>
+        <p:nvPicPr>
+          <p:cNvPr id="15" name="Espace réservé du contenu 5">
+            <a:extLst>
+              <a:ext uri="{FF2B5EF4-FFF2-40B4-BE49-F238E27FC236}">
+                <a16:creationId xmlns:a16="http://schemas.microsoft.com/office/drawing/2014/main" id="{32755F0F-1693-43B0-A1CE-44C700A2AF30}"/>
+              </a:ext>
+            </a:extLst>
+          </p:cNvPr>
+          <p:cNvPicPr>
+            <a:picLocks noChangeAspect="1"/>
+          </p:cNvPicPr>
+          <p:nvPr/>
+        </p:nvPicPr>
+        <p:blipFill>
+          <a:blip r:embed="rId3">
+            <a:extLst>
+              <a:ext uri="{28A0092B-C50C-407E-A947-70E740481C1C}">
+                <a14:useLocalDpi xmlns:a14="http://schemas.microsoft.com/office/drawing/2010/main" val="0"/>
+              </a:ext>
+            </a:extLst>
+          </a:blip>
+          <a:stretch>
+            <a:fillRect/>
+          </a:stretch>
+        </p:blipFill>
+        <p:spPr>
+          <a:xfrm>
+            <a:off x="8393308" y="1734775"/>
+            <a:ext cx="1153357" cy="1153357"/>
+          </a:xfrm>
+          <a:prstGeom prst="rect">
+            <a:avLst/>
+          </a:prstGeom>
+        </p:spPr>
+      </p:pic>
+      <p:pic>
+        <p:nvPicPr>
+          <p:cNvPr id="16" name="Espace réservé du contenu 7" descr="Une image contenant neige, extérieur, ciel, nature&#10;&#10;Description générée automatiquement">
+            <a:extLst>
+              <a:ext uri="{FF2B5EF4-FFF2-40B4-BE49-F238E27FC236}">
+                <a16:creationId xmlns:a16="http://schemas.microsoft.com/office/drawing/2014/main" id="{68F611C8-FDA9-4A43-A799-2DF9D7558A52}"/>
+              </a:ext>
+            </a:extLst>
+          </p:cNvPr>
+          <p:cNvPicPr>
+            <a:picLocks noGrp="1" noChangeAspect="1"/>
+          </p:cNvPicPr>
+          <p:nvPr>
+            <p:ph sz="half" idx="2"/>
+          </p:nvPr>
+        </p:nvPicPr>
+        <p:blipFill>
+          <a:blip r:embed="rId4">
+            <a:extLst>
+              <a:ext uri="{28A0092B-C50C-407E-A947-70E740481C1C}">
+                <a14:useLocalDpi xmlns:a14="http://schemas.microsoft.com/office/drawing/2010/main" val="0"/>
+              </a:ext>
+            </a:extLst>
+          </a:blip>
+          <a:stretch>
+            <a:fillRect/>
+          </a:stretch>
+        </p:blipFill>
+        <p:spPr>
+          <a:xfrm>
+            <a:off x="4775254" y="1734022"/>
+            <a:ext cx="1153357" cy="1153357"/>
+          </a:xfrm>
+        </p:spPr>
+      </p:pic>
+      <p:sp>
+        <p:nvSpPr>
+          <p:cNvPr id="17" name="Titre 1">
+            <a:extLst>
+              <a:ext uri="{FF2B5EF4-FFF2-40B4-BE49-F238E27FC236}">
+                <a16:creationId xmlns:a16="http://schemas.microsoft.com/office/drawing/2014/main" id="{2CCE35E2-D4E1-49EF-9FEA-8F1EC40B37FD}"/>
+              </a:ext>
+            </a:extLst>
+          </p:cNvPr>
+          <p:cNvSpPr txBox="1">
+            <a:spLocks/>
+          </p:cNvSpPr>
+          <p:nvPr/>
+        </p:nvSpPr>
+        <p:spPr>
+          <a:xfrm>
+            <a:off x="565149" y="393479"/>
+            <a:ext cx="11626851" cy="827987"/>
+          </a:xfrm>
+          <a:prstGeom prst="rect">
+            <a:avLst/>
+          </a:prstGeom>
+          <a:solidFill>
+            <a:schemeClr val="bg2"/>
+          </a:solidFill>
+        </p:spPr>
+        <p:txBody>
+          <a:bodyPr vert="horz" lIns="91440" tIns="45720" rIns="91440" bIns="45720" rtlCol="0" anchor="t">
+            <a:normAutofit/>
+          </a:bodyPr>
+          <a:lstStyle>
+            <a:lvl1pPr algn="l" defTabSz="914400" rtl="0" eaLnBrk="1" latinLnBrk="0" hangingPunct="1">
+              <a:lnSpc>
+                <a:spcPct val="100000"/>
+              </a:lnSpc>
+              <a:spcBef>
+                <a:spcPct val="0"/>
+              </a:spcBef>
+              <a:buNone/>
+              <a:defRPr sz="4400" kern="1200">
+                <a:solidFill>
+                  <a:schemeClr val="tx1"/>
+                </a:solidFill>
+                <a:latin typeface="+mj-lt"/>
+                <a:ea typeface="+mj-ea"/>
+                <a:cs typeface="+mj-cs"/>
+              </a:defRPr>
+            </a:lvl1pPr>
+          </a:lstStyle>
+          <a:p>
+            <a:r>
+              <a:rPr lang="fr-FR" sz="4800" dirty="0">
+                <a:solidFill>
+                  <a:schemeClr val="bg2">
+                    <a:lumMod val="90000"/>
+                  </a:schemeClr>
+                </a:solidFill>
+              </a:rPr>
+              <a:t>2. </a:t>
+            </a:r>
+            <a:r>
+              <a:rPr lang="fr-FR" sz="4800" dirty="0" err="1">
+                <a:solidFill>
+                  <a:schemeClr val="bg2">
+                    <a:lumMod val="90000"/>
+                  </a:schemeClr>
+                </a:solidFill>
+              </a:rPr>
+              <a:t>Experiment</a:t>
+            </a:r>
+            <a:r>
+              <a:rPr lang="fr-FR" dirty="0">
+                <a:solidFill>
+                  <a:schemeClr val="bg2">
+                    <a:lumMod val="90000"/>
+                  </a:schemeClr>
+                </a:solidFill>
+              </a:rPr>
+              <a:t> </a:t>
+            </a:r>
+          </a:p>
+        </p:txBody>
+      </p:sp>
+      <p:pic>
+        <p:nvPicPr>
+          <p:cNvPr id="13" name="Image 12">
+            <a:extLst>
+              <a:ext uri="{FF2B5EF4-FFF2-40B4-BE49-F238E27FC236}">
+                <a16:creationId xmlns:a16="http://schemas.microsoft.com/office/drawing/2014/main" id="{32DCABFF-0459-453A-94EC-FCC32D049058}"/>
+              </a:ext>
+            </a:extLst>
+          </p:cNvPr>
+          <p:cNvPicPr>
+            <a:picLocks noChangeAspect="1"/>
+          </p:cNvPicPr>
+          <p:nvPr/>
+        </p:nvPicPr>
+        <p:blipFill rotWithShape="1">
+          <a:blip r:embed="rId2"/>
+          <a:srcRect l="25977" t="56355" r="22688" b="25281"/>
+          <a:stretch/>
+        </p:blipFill>
+        <p:spPr>
+          <a:xfrm>
+            <a:off x="4422200" y="5085659"/>
+            <a:ext cx="5515176" cy="1705106"/>
+          </a:xfrm>
+          <a:prstGeom prst="rect">
+            <a:avLst/>
+          </a:prstGeom>
+        </p:spPr>
+      </p:pic>
+      <p:pic>
+        <p:nvPicPr>
+          <p:cNvPr id="19" name="Espace réservé du contenu 7" descr="Une image contenant neige, extérieur, ciel, nature&#10;&#10;Description générée automatiquement">
+            <a:extLst>
+              <a:ext uri="{FF2B5EF4-FFF2-40B4-BE49-F238E27FC236}">
+                <a16:creationId xmlns:a16="http://schemas.microsoft.com/office/drawing/2014/main" id="{EEDD2214-FB1C-41AB-8ABC-D4545089EB52}"/>
+              </a:ext>
+            </a:extLst>
+          </p:cNvPr>
+          <p:cNvPicPr>
+            <a:picLocks noChangeAspect="1"/>
+          </p:cNvPicPr>
+          <p:nvPr/>
+        </p:nvPicPr>
+        <p:blipFill>
+          <a:blip r:embed="rId4">
+            <a:extLst>
+              <a:ext uri="{28A0092B-C50C-407E-A947-70E740481C1C}">
+                <a14:useLocalDpi xmlns:a14="http://schemas.microsoft.com/office/drawing/2010/main" val="0"/>
+              </a:ext>
+            </a:extLst>
+          </a:blip>
+          <a:stretch>
+            <a:fillRect/>
+          </a:stretch>
+        </p:blipFill>
+        <p:spPr>
+          <a:xfrm>
+            <a:off x="4796527" y="5242215"/>
+            <a:ext cx="1057301" cy="1057301"/>
+          </a:xfrm>
+          <a:prstGeom prst="rect">
+            <a:avLst/>
+          </a:prstGeom>
+        </p:spPr>
+      </p:pic>
+      <p:sp>
+        <p:nvSpPr>
+          <p:cNvPr id="20" name="Rectangle 19">
+            <a:extLst>
+              <a:ext uri="{FF2B5EF4-FFF2-40B4-BE49-F238E27FC236}">
+                <a16:creationId xmlns:a16="http://schemas.microsoft.com/office/drawing/2014/main" id="{26907984-5CC5-495C-BE47-086FDBE1AE6E}"/>
+              </a:ext>
+            </a:extLst>
+          </p:cNvPr>
+          <p:cNvSpPr/>
+          <p:nvPr/>
+        </p:nvSpPr>
+        <p:spPr>
+          <a:xfrm>
+            <a:off x="7107652" y="2943704"/>
+            <a:ext cx="674854" cy="243377"/>
+          </a:xfrm>
+          <a:prstGeom prst="rect">
+            <a:avLst/>
+          </a:prstGeom>
+          <a:solidFill>
+            <a:schemeClr val="bg1"/>
+          </a:solidFill>
+          <a:ln>
+            <a:solidFill>
+              <a:schemeClr val="bg1"/>
+            </a:solidFill>
+          </a:ln>
+        </p:spPr>
+        <p:style>
+          <a:lnRef idx="2">
+            <a:schemeClr val="accent1">
+              <a:shade val="50000"/>
+            </a:schemeClr>
+          </a:lnRef>
+          <a:fillRef idx="1">
+            <a:schemeClr val="accent1"/>
+          </a:fillRef>
+          <a:effectRef idx="0">
+            <a:schemeClr val="accent1"/>
+          </a:effectRef>
+          <a:fontRef idx="minor">
+            <a:schemeClr val="lt1"/>
+          </a:fontRef>
+        </p:style>
+        <p:txBody>
+          <a:bodyPr rtlCol="0" anchor="ctr"/>
+          <a:lstStyle/>
+          <a:p>
+            <a:pPr algn="ctr"/>
+            <a:endParaRPr lang="fr-FR"/>
+          </a:p>
+        </p:txBody>
+      </p:sp>
+      <p:pic>
+        <p:nvPicPr>
+          <p:cNvPr id="21" name="Image 20">
+            <a:extLst>
+              <a:ext uri="{FF2B5EF4-FFF2-40B4-BE49-F238E27FC236}">
+                <a16:creationId xmlns:a16="http://schemas.microsoft.com/office/drawing/2014/main" id="{DB74790F-60FD-4372-AB89-08C6934D43E7}"/>
+              </a:ext>
+            </a:extLst>
+          </p:cNvPr>
+          <p:cNvPicPr>
+            <a:picLocks noChangeAspect="1"/>
+          </p:cNvPicPr>
+          <p:nvPr/>
+        </p:nvPicPr>
+        <p:blipFill rotWithShape="1">
+          <a:blip r:embed="rId2"/>
+          <a:srcRect l="25658" t="8130" r="6486" b="72806"/>
+          <a:stretch/>
+        </p:blipFill>
+        <p:spPr>
+          <a:xfrm>
+            <a:off x="4422200" y="3385548"/>
+            <a:ext cx="7290184" cy="1770035"/>
+          </a:xfrm>
+          <a:prstGeom prst="rect">
+            <a:avLst/>
+          </a:prstGeom>
+        </p:spPr>
+      </p:pic>
+      <p:pic>
+        <p:nvPicPr>
+          <p:cNvPr id="18" name="Espace réservé du contenu 5">
+            <a:extLst>
+              <a:ext uri="{FF2B5EF4-FFF2-40B4-BE49-F238E27FC236}">
+                <a16:creationId xmlns:a16="http://schemas.microsoft.com/office/drawing/2014/main" id="{65CE61D0-1152-44D6-AD34-CE1B92FDCCF8}"/>
+              </a:ext>
+            </a:extLst>
+          </p:cNvPr>
+          <p:cNvPicPr>
+            <a:picLocks noChangeAspect="1"/>
+          </p:cNvPicPr>
+          <p:nvPr/>
+        </p:nvPicPr>
+        <p:blipFill>
+          <a:blip r:embed="rId3">
+            <a:extLst>
+              <a:ext uri="{28A0092B-C50C-407E-A947-70E740481C1C}">
+                <a14:useLocalDpi xmlns:a14="http://schemas.microsoft.com/office/drawing/2010/main" val="0"/>
+              </a:ext>
+            </a:extLst>
+          </a:blip>
+          <a:stretch>
+            <a:fillRect/>
+          </a:stretch>
+        </p:blipFill>
+        <p:spPr>
+          <a:xfrm>
+            <a:off x="4778564" y="3499384"/>
+            <a:ext cx="1075264" cy="1075264"/>
+          </a:xfrm>
+          <a:prstGeom prst="rect">
+            <a:avLst/>
+          </a:prstGeom>
+        </p:spPr>
+      </p:pic>
+      <p:pic>
+        <p:nvPicPr>
+          <p:cNvPr id="12" name="Image 11">
+            <a:extLst>
+              <a:ext uri="{FF2B5EF4-FFF2-40B4-BE49-F238E27FC236}">
+                <a16:creationId xmlns:a16="http://schemas.microsoft.com/office/drawing/2014/main" id="{203D4A66-4CB1-49A8-AC21-9B41CE03B9F9}"/>
+              </a:ext>
+            </a:extLst>
+          </p:cNvPr>
+          <p:cNvPicPr>
+            <a:picLocks noChangeAspect="1"/>
+          </p:cNvPicPr>
+          <p:nvPr/>
+        </p:nvPicPr>
+        <p:blipFill rotWithShape="1">
+          <a:blip r:embed="rId2"/>
+          <a:srcRect l="42570" t="45383" r="39157" b="50578"/>
+          <a:stretch/>
+        </p:blipFill>
+        <p:spPr>
+          <a:xfrm>
+            <a:off x="8014457" y="4676569"/>
+            <a:ext cx="1963271" cy="374839"/>
+          </a:xfrm>
+          <a:prstGeom prst="rect">
+            <a:avLst/>
+          </a:prstGeom>
+        </p:spPr>
+      </p:pic>
+      <p:pic>
+        <p:nvPicPr>
+          <p:cNvPr id="23" name="Image 22">
+            <a:extLst>
+              <a:ext uri="{FF2B5EF4-FFF2-40B4-BE49-F238E27FC236}">
+                <a16:creationId xmlns:a16="http://schemas.microsoft.com/office/drawing/2014/main" id="{21EB04EA-01E1-4381-AB7A-87756D135927}"/>
+              </a:ext>
+            </a:extLst>
+          </p:cNvPr>
+          <p:cNvPicPr>
+            <a:picLocks noChangeAspect="1"/>
+          </p:cNvPicPr>
+          <p:nvPr/>
+        </p:nvPicPr>
+        <p:blipFill rotWithShape="1">
+          <a:blip r:embed="rId2"/>
+          <a:srcRect l="25341" t="45521" r="60319" b="50362"/>
+          <a:stretch/>
+        </p:blipFill>
+        <p:spPr>
+          <a:xfrm>
+            <a:off x="4521068" y="4642220"/>
+            <a:ext cx="1540702" cy="382188"/>
+          </a:xfrm>
+          <a:prstGeom prst="rect">
+            <a:avLst/>
+          </a:prstGeom>
+        </p:spPr>
+      </p:pic>
+      <p:pic>
+        <p:nvPicPr>
+          <p:cNvPr id="24" name="Image 23" descr="Une image contenant pièce de monnaie&#10;&#10;Description générée automatiquement">
+            <a:extLst>
+              <a:ext uri="{FF2B5EF4-FFF2-40B4-BE49-F238E27FC236}">
+                <a16:creationId xmlns:a16="http://schemas.microsoft.com/office/drawing/2014/main" id="{9EDA45F4-D89D-45D6-9348-46B68CE1E99C}"/>
+              </a:ext>
+            </a:extLst>
+          </p:cNvPr>
+          <p:cNvPicPr>
+            <a:picLocks noChangeAspect="1"/>
+          </p:cNvPicPr>
+          <p:nvPr/>
+        </p:nvPicPr>
+        <p:blipFill>
+          <a:blip r:embed="rId5">
+            <a:extLst>
+              <a:ext uri="{28A0092B-C50C-407E-A947-70E740481C1C}">
+                <a14:useLocalDpi xmlns:a14="http://schemas.microsoft.com/office/drawing/2010/main" val="0"/>
+              </a:ext>
+            </a:extLst>
+          </a:blip>
+          <a:stretch>
+            <a:fillRect/>
+          </a:stretch>
+        </p:blipFill>
+        <p:spPr>
+          <a:xfrm>
+            <a:off x="8444059" y="3512831"/>
+            <a:ext cx="1075265" cy="1075265"/>
+          </a:xfrm>
+          <a:prstGeom prst="rect">
+            <a:avLst/>
+          </a:prstGeom>
+        </p:spPr>
+      </p:pic>
+      <p:pic>
+        <p:nvPicPr>
+          <p:cNvPr id="25" name="Image 24">
+            <a:extLst>
+              <a:ext uri="{FF2B5EF4-FFF2-40B4-BE49-F238E27FC236}">
+                <a16:creationId xmlns:a16="http://schemas.microsoft.com/office/drawing/2014/main" id="{BEB86812-D801-49D7-B88D-DB6C175A4F1C}"/>
+              </a:ext>
+            </a:extLst>
+          </p:cNvPr>
+          <p:cNvPicPr>
+            <a:picLocks noChangeAspect="1"/>
+          </p:cNvPicPr>
+          <p:nvPr/>
+        </p:nvPicPr>
+        <p:blipFill rotWithShape="1">
+          <a:blip r:embed="rId2"/>
+          <a:srcRect l="25341" t="45521" r="60319" b="50362"/>
+          <a:stretch/>
+        </p:blipFill>
+        <p:spPr>
+          <a:xfrm>
+            <a:off x="4503684" y="2951374"/>
+            <a:ext cx="1540702" cy="382188"/>
+          </a:xfrm>
+          <a:prstGeom prst="rect">
+            <a:avLst/>
+          </a:prstGeom>
+        </p:spPr>
+      </p:pic>
+      <p:pic>
+        <p:nvPicPr>
+          <p:cNvPr id="26" name="Image 25">
+            <a:extLst>
+              <a:ext uri="{FF2B5EF4-FFF2-40B4-BE49-F238E27FC236}">
+                <a16:creationId xmlns:a16="http://schemas.microsoft.com/office/drawing/2014/main" id="{E253EB10-5A25-4E33-BFDC-07F3EB97D9CD}"/>
+              </a:ext>
+            </a:extLst>
+          </p:cNvPr>
+          <p:cNvPicPr>
+            <a:picLocks noChangeAspect="1"/>
+          </p:cNvPicPr>
+          <p:nvPr/>
+        </p:nvPicPr>
+        <p:blipFill rotWithShape="1">
+          <a:blip r:embed="rId2"/>
+          <a:srcRect l="25341" t="45521" r="60319" b="50362"/>
+          <a:stretch/>
+        </p:blipFill>
+        <p:spPr>
+          <a:xfrm>
+            <a:off x="8108035" y="2938246"/>
+            <a:ext cx="1540702" cy="382188"/>
+          </a:xfrm>
+          <a:prstGeom prst="rect">
+            <a:avLst/>
+          </a:prstGeom>
+        </p:spPr>
+      </p:pic>
+      <p:sp>
+        <p:nvSpPr>
+          <p:cNvPr id="28" name="Espace réservé du contenu 27">
+            <a:extLst>
+              <a:ext uri="{FF2B5EF4-FFF2-40B4-BE49-F238E27FC236}">
+                <a16:creationId xmlns:a16="http://schemas.microsoft.com/office/drawing/2014/main" id="{7FD5BA5F-33FB-4660-B4DD-D883C6FB302C}"/>
+              </a:ext>
+            </a:extLst>
+          </p:cNvPr>
+          <p:cNvSpPr>
+            <a:spLocks noGrp="1"/>
+          </p:cNvSpPr>
+          <p:nvPr>
+            <p:ph sz="half" idx="1"/>
+          </p:nvPr>
+        </p:nvSpPr>
+        <p:spPr>
+          <a:xfrm>
+            <a:off x="2715047" y="2396142"/>
+            <a:ext cx="1760685" cy="4461858"/>
+          </a:xfrm>
+        </p:spPr>
+        <p:txBody>
+          <a:bodyPr>
+            <a:normAutofit/>
+          </a:bodyPr>
+          <a:lstStyle/>
+          <a:p>
+            <a:pPr marL="0" indent="0" algn="r">
+              <a:buNone/>
+            </a:pPr>
+            <a:r>
+              <a:rPr lang="fr-FR" b="1" dirty="0"/>
+              <a:t>Association </a:t>
+            </a:r>
+          </a:p>
+          <a:p>
+            <a:pPr algn="r"/>
+            <a:endParaRPr lang="fr-FR" b="1" dirty="0"/>
+          </a:p>
+          <a:p>
+            <a:pPr marL="0" indent="0" algn="r">
+              <a:buNone/>
+            </a:pPr>
+            <a:endParaRPr lang="fr-FR" sz="4400" b="1" dirty="0"/>
+          </a:p>
+          <a:p>
+            <a:pPr marL="0" indent="0" algn="r">
+              <a:buNone/>
+            </a:pPr>
+            <a:r>
+              <a:rPr lang="fr-FR" b="1" dirty="0" err="1"/>
+              <a:t>Reward</a:t>
+            </a:r>
+            <a:endParaRPr lang="fr-FR" b="1" dirty="0"/>
+          </a:p>
+          <a:p>
+            <a:pPr algn="r"/>
+            <a:endParaRPr lang="fr-FR" b="1" dirty="0"/>
+          </a:p>
+          <a:p>
+            <a:pPr algn="r"/>
+            <a:endParaRPr lang="fr-FR" sz="4000" b="1" dirty="0"/>
+          </a:p>
+          <a:p>
+            <a:pPr marL="0" indent="0" algn="r">
+              <a:buNone/>
+            </a:pPr>
+            <a:r>
+              <a:rPr lang="fr-FR" b="1" dirty="0" err="1"/>
+              <a:t>Decision</a:t>
+            </a:r>
+            <a:r>
+              <a:rPr lang="fr-FR" b="1" dirty="0"/>
+              <a:t> </a:t>
+            </a:r>
+          </a:p>
+        </p:txBody>
+      </p:sp>
+      <p:sp>
+        <p:nvSpPr>
+          <p:cNvPr id="29" name="Rectangle 28">
+            <a:extLst>
+              <a:ext uri="{FF2B5EF4-FFF2-40B4-BE49-F238E27FC236}">
+                <a16:creationId xmlns:a16="http://schemas.microsoft.com/office/drawing/2014/main" id="{0E51E5EB-0B26-405B-8FDB-EDAF44C86871}"/>
+              </a:ext>
+            </a:extLst>
+          </p:cNvPr>
+          <p:cNvSpPr/>
+          <p:nvPr/>
+        </p:nvSpPr>
+        <p:spPr>
+          <a:xfrm>
+            <a:off x="7107652" y="4653623"/>
+            <a:ext cx="674854" cy="310269"/>
+          </a:xfrm>
+          <a:prstGeom prst="rect">
+            <a:avLst/>
+          </a:prstGeom>
+          <a:solidFill>
+            <a:schemeClr val="bg1"/>
+          </a:solidFill>
+          <a:ln>
+            <a:solidFill>
+              <a:schemeClr val="bg1"/>
+            </a:solidFill>
+          </a:ln>
+        </p:spPr>
+        <p:style>
+          <a:lnRef idx="2">
+            <a:schemeClr val="accent1">
+              <a:shade val="50000"/>
+            </a:schemeClr>
+          </a:lnRef>
+          <a:fillRef idx="1">
+            <a:schemeClr val="accent1"/>
+          </a:fillRef>
+          <a:effectRef idx="0">
+            <a:schemeClr val="accent1"/>
+          </a:effectRef>
+          <a:fontRef idx="minor">
+            <a:schemeClr val="lt1"/>
+          </a:fontRef>
+        </p:style>
+        <p:txBody>
+          <a:bodyPr rtlCol="0" anchor="ctr"/>
+          <a:lstStyle/>
+          <a:p>
+            <a:pPr algn="ctr"/>
+            <a:endParaRPr lang="fr-FR"/>
+          </a:p>
+        </p:txBody>
+      </p:sp>
+      <p:sp>
+        <p:nvSpPr>
+          <p:cNvPr id="30" name="Titre 1">
+            <a:extLst>
+              <a:ext uri="{FF2B5EF4-FFF2-40B4-BE49-F238E27FC236}">
+                <a16:creationId xmlns:a16="http://schemas.microsoft.com/office/drawing/2014/main" id="{38BCCCBD-ED28-4795-BD51-25794A39C832}"/>
+              </a:ext>
+            </a:extLst>
+          </p:cNvPr>
+          <p:cNvSpPr>
+            <a:spLocks noGrp="1"/>
+          </p:cNvSpPr>
+          <p:nvPr>
+            <p:ph type="title"/>
+          </p:nvPr>
+        </p:nvSpPr>
+        <p:spPr>
+          <a:xfrm>
+            <a:off x="565150" y="1204913"/>
+            <a:ext cx="8267700" cy="758707"/>
+          </a:xfrm>
+        </p:spPr>
+        <p:txBody>
+          <a:bodyPr>
+            <a:normAutofit/>
+          </a:bodyPr>
+          <a:lstStyle/>
+          <a:p>
+            <a:r>
+              <a:rPr lang="fr-FR" sz="3600" dirty="0">
+                <a:solidFill>
+                  <a:schemeClr val="tx2">
+                    <a:lumMod val="75000"/>
+                    <a:lumOff val="25000"/>
+                  </a:schemeClr>
+                </a:solidFill>
+              </a:rPr>
+              <a:t>2.1 Design</a:t>
+            </a:r>
+          </a:p>
+        </p:txBody>
+      </p:sp>
+      <p:sp>
+        <p:nvSpPr>
+          <p:cNvPr id="32" name="Espace réservé du contenu 2">
+            <a:extLst>
+              <a:ext uri="{FF2B5EF4-FFF2-40B4-BE49-F238E27FC236}">
+                <a16:creationId xmlns:a16="http://schemas.microsoft.com/office/drawing/2014/main" id="{143C07E0-BC57-4042-95B7-88575080E5C3}"/>
+              </a:ext>
+            </a:extLst>
+          </p:cNvPr>
+          <p:cNvSpPr txBox="1">
+            <a:spLocks/>
+          </p:cNvSpPr>
+          <p:nvPr/>
+        </p:nvSpPr>
+        <p:spPr>
+          <a:xfrm>
+            <a:off x="540883" y="2707284"/>
+            <a:ext cx="2066781" cy="3189733"/>
+          </a:xfrm>
+          <a:prstGeom prst="rect">
+            <a:avLst/>
+          </a:prstGeom>
+        </p:spPr>
+        <p:txBody>
+          <a:bodyPr vert="horz" lIns="91440" tIns="45720" rIns="91440" bIns="45720" rtlCol="0">
+            <a:normAutofit/>
+          </a:bodyPr>
+          <a:lstStyle>
+            <a:lvl1pPr marL="228600" indent="-228600" algn="l" defTabSz="914400" rtl="0" eaLnBrk="1" latinLnBrk="0" hangingPunct="1">
+              <a:lnSpc>
+                <a:spcPct val="100000"/>
+              </a:lnSpc>
+              <a:spcBef>
+                <a:spcPts val="1000"/>
+              </a:spcBef>
+              <a:buFont typeface="System Font Regular"/>
+              <a:buChar char="–"/>
+              <a:defRPr sz="2400" b="0" i="0" kern="1200">
+                <a:solidFill>
+                  <a:schemeClr val="tx1"/>
+                </a:solidFill>
+                <a:latin typeface="+mn-lt"/>
+                <a:ea typeface="+mn-ea"/>
+                <a:cs typeface="+mn-cs"/>
+              </a:defRPr>
+            </a:lvl1pPr>
+            <a:lvl2pPr marL="685800" indent="-228600" algn="l" defTabSz="914400" rtl="0" eaLnBrk="1" latinLnBrk="0" hangingPunct="1">
+              <a:lnSpc>
+                <a:spcPct val="100000"/>
+              </a:lnSpc>
+              <a:spcBef>
+                <a:spcPts val="500"/>
+              </a:spcBef>
+              <a:buFont typeface="System Font Regular"/>
+              <a:buChar char="–"/>
+              <a:defRPr sz="2000" b="0" i="0" kern="1200">
+                <a:solidFill>
+                  <a:schemeClr val="tx1"/>
+                </a:solidFill>
+                <a:latin typeface="+mn-lt"/>
+                <a:ea typeface="+mn-ea"/>
+                <a:cs typeface="+mn-cs"/>
+              </a:defRPr>
+            </a:lvl2pPr>
+            <a:lvl3pPr marL="1143000" indent="-228600" algn="l" defTabSz="914400" rtl="0" eaLnBrk="1" latinLnBrk="0" hangingPunct="1">
+              <a:lnSpc>
+                <a:spcPct val="100000"/>
+              </a:lnSpc>
+              <a:spcBef>
+                <a:spcPts val="500"/>
+              </a:spcBef>
+              <a:buFont typeface="System Font Regular"/>
+              <a:buChar char="–"/>
+              <a:defRPr sz="1800" b="0" i="0" kern="1200">
+                <a:solidFill>
+                  <a:schemeClr val="tx1"/>
+                </a:solidFill>
+                <a:latin typeface="+mn-lt"/>
+                <a:ea typeface="+mn-ea"/>
+                <a:cs typeface="+mn-cs"/>
+              </a:defRPr>
+            </a:lvl3pPr>
+            <a:lvl4pPr marL="1600200" indent="-228600" algn="l" defTabSz="914400" rtl="0" eaLnBrk="1" latinLnBrk="0" hangingPunct="1">
+              <a:lnSpc>
+                <a:spcPct val="100000"/>
+              </a:lnSpc>
+              <a:spcBef>
+                <a:spcPts val="500"/>
+              </a:spcBef>
+              <a:buFont typeface="System Font Regular"/>
+              <a:buChar char="–"/>
+              <a:defRPr sz="1600" b="0" i="0" kern="1200">
+                <a:solidFill>
+                  <a:schemeClr val="tx1"/>
+                </a:solidFill>
+                <a:latin typeface="+mn-lt"/>
+                <a:ea typeface="+mn-ea"/>
+                <a:cs typeface="+mn-cs"/>
+              </a:defRPr>
+            </a:lvl4pPr>
+            <a:lvl5pPr marL="2057400" indent="-228600" algn="l" defTabSz="914400" rtl="0" eaLnBrk="1" latinLnBrk="0" hangingPunct="1">
+              <a:lnSpc>
+                <a:spcPct val="100000"/>
+              </a:lnSpc>
+              <a:spcBef>
+                <a:spcPts val="500"/>
+              </a:spcBef>
+              <a:buFont typeface="System Font Regular"/>
+              <a:buChar char="–"/>
+              <a:defRPr sz="1600" b="0" i="0" kern="1200">
+                <a:solidFill>
+                  <a:schemeClr val="tx1"/>
+                </a:solidFill>
+                <a:latin typeface="+mn-lt"/>
+                <a:ea typeface="+mn-ea"/>
+                <a:cs typeface="+mn-cs"/>
+              </a:defRPr>
+            </a:lvl5pPr>
+            <a:lvl6pPr marL="2514600" indent="-228600" algn="l" defTabSz="914400" rtl="0" eaLnBrk="1" latinLnBrk="0" hangingPunct="1">
+              <a:lnSpc>
+                <a:spcPct val="90000"/>
+              </a:lnSpc>
+              <a:spcBef>
+                <a:spcPts val="500"/>
+              </a:spcBef>
+              <a:buFont typeface="Arial" panose="020B0604020202020204" pitchFamily="34" charset="0"/>
+              <a:buChar char="•"/>
+              <a:defRPr sz="1800" kern="1200">
+                <a:solidFill>
+                  <a:schemeClr val="tx1"/>
+                </a:solidFill>
+                <a:latin typeface="+mn-lt"/>
+                <a:ea typeface="+mn-ea"/>
+                <a:cs typeface="+mn-cs"/>
+              </a:defRPr>
+            </a:lvl6pPr>
+            <a:lvl7pPr marL="2971800" indent="-228600" algn="l" defTabSz="914400" rtl="0" eaLnBrk="1" latinLnBrk="0" hangingPunct="1">
+              <a:lnSpc>
+                <a:spcPct val="90000"/>
+              </a:lnSpc>
+              <a:spcBef>
+                <a:spcPts val="500"/>
+              </a:spcBef>
+              <a:buFont typeface="Arial" panose="020B0604020202020204" pitchFamily="34" charset="0"/>
+              <a:buChar char="•"/>
+              <a:defRPr sz="1800" kern="1200">
+                <a:solidFill>
+                  <a:schemeClr val="tx1"/>
+                </a:solidFill>
+                <a:latin typeface="+mn-lt"/>
+                <a:ea typeface="+mn-ea"/>
+                <a:cs typeface="+mn-cs"/>
+              </a:defRPr>
+            </a:lvl7pPr>
+            <a:lvl8pPr marL="3429000" indent="-228600" algn="l" defTabSz="914400" rtl="0" eaLnBrk="1" latinLnBrk="0" hangingPunct="1">
+              <a:lnSpc>
+                <a:spcPct val="90000"/>
+              </a:lnSpc>
+              <a:spcBef>
+                <a:spcPts val="500"/>
+              </a:spcBef>
+              <a:buFont typeface="Arial" panose="020B0604020202020204" pitchFamily="34" charset="0"/>
+              <a:buChar char="•"/>
+              <a:defRPr sz="1800" kern="1200">
+                <a:solidFill>
+                  <a:schemeClr val="tx1"/>
+                </a:solidFill>
+                <a:latin typeface="+mn-lt"/>
+                <a:ea typeface="+mn-ea"/>
+                <a:cs typeface="+mn-cs"/>
+              </a:defRPr>
+            </a:lvl8pPr>
+            <a:lvl9pPr marL="3886200" indent="-228600" algn="l" defTabSz="914400" rtl="0" eaLnBrk="1" latinLnBrk="0" hangingPunct="1">
+              <a:lnSpc>
+                <a:spcPct val="90000"/>
+              </a:lnSpc>
+              <a:spcBef>
+                <a:spcPts val="500"/>
+              </a:spcBef>
+              <a:buFont typeface="Arial" panose="020B0604020202020204" pitchFamily="34" charset="0"/>
+              <a:buChar char="•"/>
+              <a:defRPr sz="1800" kern="1200">
+                <a:solidFill>
+                  <a:schemeClr val="tx1"/>
+                </a:solidFill>
+                <a:latin typeface="+mn-lt"/>
+                <a:ea typeface="+mn-ea"/>
+                <a:cs typeface="+mn-cs"/>
+              </a:defRPr>
+            </a:lvl9pPr>
+          </a:lstStyle>
+          <a:p>
+            <a:r>
+              <a:rPr lang="fr-FR" dirty="0" err="1"/>
+              <a:t>Localizer</a:t>
+            </a:r>
+            <a:endParaRPr lang="fr-FR" dirty="0"/>
+          </a:p>
+          <a:p>
+            <a:endParaRPr lang="fr-FR" dirty="0"/>
+          </a:p>
+          <a:p>
+            <a:r>
+              <a:rPr lang="fr-FR" dirty="0" err="1"/>
+              <a:t>Distractor</a:t>
+            </a:r>
+            <a:r>
+              <a:rPr lang="fr-FR" dirty="0"/>
+              <a:t> </a:t>
+            </a:r>
+            <a:r>
+              <a:rPr lang="fr-FR" sz="1800" dirty="0"/>
+              <a:t>(</a:t>
+            </a:r>
+            <a:r>
+              <a:rPr lang="fr-FR" sz="1800" dirty="0" err="1"/>
+              <a:t>avoid</a:t>
+            </a:r>
+            <a:r>
+              <a:rPr lang="fr-FR" sz="1800" dirty="0"/>
+              <a:t> </a:t>
+            </a:r>
+            <a:r>
+              <a:rPr lang="fr-FR" sz="1800" dirty="0" err="1"/>
+              <a:t>recency</a:t>
+            </a:r>
+            <a:r>
+              <a:rPr lang="fr-FR" sz="1800" dirty="0"/>
+              <a:t> </a:t>
+            </a:r>
+            <a:r>
+              <a:rPr lang="fr-FR" sz="1800" dirty="0" err="1"/>
+              <a:t>effects</a:t>
+            </a:r>
+            <a:r>
+              <a:rPr lang="fr-FR" sz="1800" dirty="0"/>
+              <a:t>)</a:t>
+            </a:r>
+          </a:p>
+          <a:p>
+            <a:endParaRPr lang="fr-FR" dirty="0"/>
+          </a:p>
+          <a:p>
+            <a:r>
+              <a:rPr lang="fr-FR" dirty="0"/>
+              <a:t>Memory</a:t>
+            </a:r>
+          </a:p>
+          <a:p>
+            <a:endParaRPr lang="fr-FR" dirty="0"/>
+          </a:p>
+          <a:p>
+            <a:endParaRPr lang="fr-FR" dirty="0"/>
+          </a:p>
+        </p:txBody>
+      </p:sp>
+      <p:cxnSp>
+        <p:nvCxnSpPr>
+          <p:cNvPr id="34" name="Connecteur droit avec flèche 33">
+            <a:extLst>
+              <a:ext uri="{FF2B5EF4-FFF2-40B4-BE49-F238E27FC236}">
+                <a16:creationId xmlns:a16="http://schemas.microsoft.com/office/drawing/2014/main" id="{D14F94B0-9146-48DA-A9BA-F3CCB782FEC2}"/>
+              </a:ext>
+            </a:extLst>
+          </p:cNvPr>
+          <p:cNvCxnSpPr>
+            <a:cxnSpLocks/>
+            <a:stCxn id="32" idx="0"/>
+          </p:cNvCxnSpPr>
+          <p:nvPr/>
+        </p:nvCxnSpPr>
+        <p:spPr>
+          <a:xfrm flipV="1">
+            <a:off x="1574274" y="1382591"/>
+            <a:ext cx="2847926" cy="1324693"/>
+          </a:xfrm>
+          <a:prstGeom prst="straightConnector1">
+            <a:avLst/>
+          </a:prstGeom>
+          <a:ln w="57150">
+            <a:tailEnd type="triangle"/>
+          </a:ln>
+        </p:spPr>
+        <p:style>
+          <a:lnRef idx="1">
+            <a:schemeClr val="accent1"/>
+          </a:lnRef>
+          <a:fillRef idx="0">
+            <a:schemeClr val="accent1"/>
+          </a:fillRef>
+          <a:effectRef idx="0">
+            <a:schemeClr val="accent1"/>
+          </a:effectRef>
+          <a:fontRef idx="minor">
+            <a:schemeClr val="tx1"/>
+          </a:fontRef>
+        </p:style>
+      </p:cxnSp>
+      <p:cxnSp>
+        <p:nvCxnSpPr>
+          <p:cNvPr id="35" name="Connecteur droit avec flèche 34">
+            <a:extLst>
+              <a:ext uri="{FF2B5EF4-FFF2-40B4-BE49-F238E27FC236}">
+                <a16:creationId xmlns:a16="http://schemas.microsoft.com/office/drawing/2014/main" id="{BCB0C5F9-2E57-4537-BFBC-E478B9E62478}"/>
+              </a:ext>
+            </a:extLst>
+          </p:cNvPr>
+          <p:cNvCxnSpPr>
+            <a:cxnSpLocks/>
+          </p:cNvCxnSpPr>
+          <p:nvPr/>
+        </p:nvCxnSpPr>
+        <p:spPr>
+          <a:xfrm>
+            <a:off x="1654952" y="4486224"/>
+            <a:ext cx="2491723" cy="565184"/>
+          </a:xfrm>
+          <a:prstGeom prst="straightConnector1">
+            <a:avLst/>
+          </a:prstGeom>
+          <a:ln w="57150">
+            <a:tailEnd type="triangle"/>
+          </a:ln>
+        </p:spPr>
+        <p:style>
+          <a:lnRef idx="1">
+            <a:schemeClr val="accent1"/>
+          </a:lnRef>
+          <a:fillRef idx="0">
+            <a:schemeClr val="accent1"/>
+          </a:fillRef>
+          <a:effectRef idx="0">
+            <a:schemeClr val="accent1"/>
+          </a:effectRef>
+          <a:fontRef idx="minor">
+            <a:schemeClr val="tx1"/>
+          </a:fontRef>
+        </p:style>
+      </p:cxnSp>
+      <p:cxnSp>
+        <p:nvCxnSpPr>
+          <p:cNvPr id="38" name="Connecteur droit avec flèche 37">
+            <a:extLst>
+              <a:ext uri="{FF2B5EF4-FFF2-40B4-BE49-F238E27FC236}">
+                <a16:creationId xmlns:a16="http://schemas.microsoft.com/office/drawing/2014/main" id="{6B858130-94BE-4B48-A68F-5F6E5425BAE0}"/>
+              </a:ext>
+            </a:extLst>
+          </p:cNvPr>
+          <p:cNvCxnSpPr>
+            <a:cxnSpLocks/>
+            <a:stCxn id="32" idx="2"/>
+          </p:cNvCxnSpPr>
+          <p:nvPr/>
+        </p:nvCxnSpPr>
+        <p:spPr>
+          <a:xfrm>
+            <a:off x="1574274" y="5897017"/>
+            <a:ext cx="2394707" cy="743664"/>
+          </a:xfrm>
+          <a:prstGeom prst="straightConnector1">
+            <a:avLst/>
+          </a:prstGeom>
+          <a:ln w="57150">
+            <a:tailEnd type="triangle"/>
+          </a:ln>
+        </p:spPr>
+        <p:style>
+          <a:lnRef idx="1">
+            <a:schemeClr val="accent1"/>
+          </a:lnRef>
+          <a:fillRef idx="0">
+            <a:schemeClr val="accent1"/>
+          </a:fillRef>
+          <a:effectRef idx="0">
+            <a:schemeClr val="accent1"/>
+          </a:effectRef>
+          <a:fontRef idx="minor">
+            <a:schemeClr val="tx1"/>
+          </a:fontRef>
+        </p:style>
+      </p:cxnSp>
+    </p:spTree>
+    <p:extLst>
+      <p:ext uri="{BB962C8B-B14F-4D97-AF65-F5344CB8AC3E}">
+        <p14:creationId xmlns:p14="http://schemas.microsoft.com/office/powerpoint/2010/main" val="2463946576"/>
+      </p:ext>
+    </p:extLst>
+  </p:cSld>
+  <p:clrMapOvr>
+    <a:masterClrMapping/>
+  </p:clrMapOvr>
+</p:sld>
+</file>
+
+<file path=ppt/slides/slide9.xml><?xml version="1.0" encoding="utf-8"?>
+<p:sld xmlns:a="http://schemas.openxmlformats.org/drawingml/2006/main" xmlns:r="http://schemas.openxmlformats.org/officeDocument/2006/relationships" xmlns:p="http://schemas.openxmlformats.org/presentationml/2006/main">
+  <p:cSld>
+    <p:spTree>
+      <p:nvGrpSpPr>
+        <p:cNvPr id="1" name=""/>
+        <p:cNvGrpSpPr/>
+        <p:nvPr/>
+      </p:nvGrpSpPr>
+      <p:grpSpPr>
+        <a:xfrm>
+          <a:off x="0" y="0"/>
+          <a:ext cx="0" cy="0"/>
+          <a:chOff x="0" y="0"/>
+          <a:chExt cx="0" cy="0"/>
+        </a:xfrm>
+      </p:grpSpPr>
+      <p:sp>
+        <p:nvSpPr>
           <p:cNvPr id="2" name="Titre 1">
             <a:extLst>
               <a:ext uri="{FF2B5EF4-FFF2-40B4-BE49-F238E27FC236}">
@@ -14499,8 +19474,8 @@
         </p:blipFill>
         <p:spPr>
           <a:xfrm>
-            <a:off x="1514475" y="2763044"/>
-            <a:ext cx="3048000" cy="3048000"/>
+            <a:off x="3368676" y="1555861"/>
+            <a:ext cx="2190819" cy="2190819"/>
           </a:xfrm>
         </p:spPr>
       </p:pic>
@@ -14534,8 +19509,8 @@
         </p:blipFill>
         <p:spPr>
           <a:xfrm>
-            <a:off x="7635875" y="3372644"/>
-            <a:ext cx="1828800" cy="1828800"/>
+            <a:off x="1190452" y="1600200"/>
+            <a:ext cx="2190818" cy="2190818"/>
           </a:xfrm>
         </p:spPr>
       </p:pic>
@@ -14639,8 +19614,8 @@
         </p:blipFill>
         <p:spPr>
           <a:xfrm>
-            <a:off x="1300655" y="2001044"/>
-            <a:ext cx="4650828" cy="4650828"/>
+            <a:off x="3368676" y="4073712"/>
+            <a:ext cx="2190819" cy="2190819"/>
           </a:xfrm>
           <a:prstGeom prst="rect">
             <a:avLst/>
@@ -14675,7 +19650,7 @@
         </p:blipFill>
         <p:spPr>
           <a:xfrm>
-            <a:off x="8221717" y="2001044"/>
+            <a:off x="9056981" y="3880836"/>
             <a:ext cx="2286000" cy="2286000"/>
           </a:xfrm>
           <a:prstGeom prst="rect">
